--- a/Project 3 Planning.pptx
+++ b/Project 3 Planning.pptx
@@ -8,11 +8,14 @@
     <p:sldId id="256" r:id="rId2"/>
     <p:sldId id="260" r:id="rId3"/>
     <p:sldId id="261" r:id="rId4"/>
-    <p:sldId id="262" r:id="rId5"/>
-    <p:sldId id="263" r:id="rId6"/>
-    <p:sldId id="257" r:id="rId7"/>
-    <p:sldId id="258" r:id="rId8"/>
-    <p:sldId id="259" r:id="rId9"/>
+    <p:sldId id="264" r:id="rId5"/>
+    <p:sldId id="265" r:id="rId6"/>
+    <p:sldId id="266" r:id="rId7"/>
+    <p:sldId id="263" r:id="rId8"/>
+    <p:sldId id="267" r:id="rId9"/>
+    <p:sldId id="257" r:id="rId10"/>
+    <p:sldId id="258" r:id="rId11"/>
+    <p:sldId id="259" r:id="rId12"/>
   </p:sldIdLst>
   <p:sldSz cx="12192000" cy="6858000"/>
   <p:notesSz cx="6858000" cy="9144000"/>
@@ -123,13 +126,13 @@
 <pc:chgInfo xmlns:a="http://schemas.openxmlformats.org/drawingml/2006/main" xmlns:r="http://schemas.openxmlformats.org/officeDocument/2006/relationships" xmlns:ac="http://schemas.microsoft.com/office/drawing/2013/main/command" xmlns:pc="http://schemas.microsoft.com/office/powerpoint/2013/main/command">
   <pc:docChgLst>
     <pc:chgData name="Arsam I" userId="945c4322417bfb0e" providerId="LiveId" clId="{8FF6EC96-4F45-4E1B-BDFB-D19C2DA89A83}"/>
-    <pc:docChg chg="custSel addSld modSld sldOrd">
-      <pc:chgData name="Arsam I" userId="945c4322417bfb0e" providerId="LiveId" clId="{8FF6EC96-4F45-4E1B-BDFB-D19C2DA89A83}" dt="2023-04-12T01:24:45.724" v="426"/>
+    <pc:docChg chg="undo custSel addSld delSld modSld sldOrd">
+      <pc:chgData name="Arsam I" userId="945c4322417bfb0e" providerId="LiveId" clId="{8FF6EC96-4F45-4E1B-BDFB-D19C2DA89A83}" dt="2023-04-14T00:40:21.006" v="1808" actId="20577"/>
       <pc:docMkLst>
         <pc:docMk/>
       </pc:docMkLst>
       <pc:sldChg chg="addSp delSp modSp mod">
-        <pc:chgData name="Arsam I" userId="945c4322417bfb0e" providerId="LiveId" clId="{8FF6EC96-4F45-4E1B-BDFB-D19C2DA89A83}" dt="2023-04-12T01:24:45.724" v="426"/>
+        <pc:chgData name="Arsam I" userId="945c4322417bfb0e" providerId="LiveId" clId="{8FF6EC96-4F45-4E1B-BDFB-D19C2DA89A83}" dt="2023-04-14T00:40:21.006" v="1808" actId="20577"/>
         <pc:sldMkLst>
           <pc:docMk/>
           <pc:sldMk cId="2754122037" sldId="256"/>
@@ -182,6 +185,22 @@
             <ac:spMk id="8" creationId="{510C3588-3E41-1689-574B-66C9843A84B1}"/>
           </ac:spMkLst>
         </pc:spChg>
+        <pc:spChg chg="add mod">
+          <ac:chgData name="Arsam I" userId="945c4322417bfb0e" providerId="LiveId" clId="{8FF6EC96-4F45-4E1B-BDFB-D19C2DA89A83}" dt="2023-04-14T00:40:01.310" v="1790" actId="20577"/>
+          <ac:spMkLst>
+            <pc:docMk/>
+            <pc:sldMk cId="2754122037" sldId="256"/>
+            <ac:spMk id="8" creationId="{A1EE2E66-E025-6990-6F14-5912FD2900E4}"/>
+          </ac:spMkLst>
+        </pc:spChg>
+        <pc:spChg chg="add mod">
+          <ac:chgData name="Arsam I" userId="945c4322417bfb0e" providerId="LiveId" clId="{8FF6EC96-4F45-4E1B-BDFB-D19C2DA89A83}" dt="2023-04-14T00:40:21.006" v="1808" actId="20577"/>
+          <ac:spMkLst>
+            <pc:docMk/>
+            <pc:sldMk cId="2754122037" sldId="256"/>
+            <ac:spMk id="9" creationId="{6FBCDDF7-79C2-777A-3244-CA793CA4B65F}"/>
+          </ac:spMkLst>
+        </pc:spChg>
         <pc:spChg chg="mod">
           <ac:chgData name="Arsam I" userId="945c4322417bfb0e" providerId="LiveId" clId="{8FF6EC96-4F45-4E1B-BDFB-D19C2DA89A83}" dt="2023-04-12T01:15:25.083" v="252" actId="1076"/>
           <ac:spMkLst>
@@ -191,11 +210,43 @@
           </ac:spMkLst>
         </pc:spChg>
         <pc:spChg chg="mod">
-          <ac:chgData name="Arsam I" userId="945c4322417bfb0e" providerId="LiveId" clId="{8FF6EC96-4F45-4E1B-BDFB-D19C2DA89A83}" dt="2023-04-12T01:21:11.981" v="343" actId="20577"/>
+          <ac:chgData name="Arsam I" userId="945c4322417bfb0e" providerId="LiveId" clId="{8FF6EC96-4F45-4E1B-BDFB-D19C2DA89A83}" dt="2023-04-13T23:49:00.850" v="1697" actId="207"/>
+          <ac:spMkLst>
+            <pc:docMk/>
+            <pc:sldMk cId="2754122037" sldId="256"/>
+            <ac:spMk id="48" creationId="{35636E31-0F52-193D-3DBF-2DD19F1040DF}"/>
+          </ac:spMkLst>
+        </pc:spChg>
+        <pc:spChg chg="mod">
+          <ac:chgData name="Arsam I" userId="945c4322417bfb0e" providerId="LiveId" clId="{8FF6EC96-4F45-4E1B-BDFB-D19C2DA89A83}" dt="2023-04-13T23:49:08.250" v="1699" actId="207"/>
+          <ac:spMkLst>
+            <pc:docMk/>
+            <pc:sldMk cId="2754122037" sldId="256"/>
+            <ac:spMk id="49" creationId="{064E6354-CED3-E684-C989-023CFBF847AF}"/>
+          </ac:spMkLst>
+        </pc:spChg>
+        <pc:spChg chg="mod">
+          <ac:chgData name="Arsam I" userId="945c4322417bfb0e" providerId="LiveId" clId="{8FF6EC96-4F45-4E1B-BDFB-D19C2DA89A83}" dt="2023-04-13T23:49:05.171" v="1698" actId="207"/>
           <ac:spMkLst>
             <pc:docMk/>
             <pc:sldMk cId="2754122037" sldId="256"/>
             <ac:spMk id="50" creationId="{D5B6EAD2-F1A4-B0E6-E476-376E28BB9026}"/>
+          </ac:spMkLst>
+        </pc:spChg>
+        <pc:spChg chg="mod">
+          <ac:chgData name="Arsam I" userId="945c4322417bfb0e" providerId="LiveId" clId="{8FF6EC96-4F45-4E1B-BDFB-D19C2DA89A83}" dt="2023-04-13T23:49:00.850" v="1697" actId="207"/>
+          <ac:spMkLst>
+            <pc:docMk/>
+            <pc:sldMk cId="2754122037" sldId="256"/>
+            <ac:spMk id="51" creationId="{2C536FB0-623C-3100-B4FF-2B3FB90660AE}"/>
+          </ac:spMkLst>
+        </pc:spChg>
+        <pc:spChg chg="mod">
+          <ac:chgData name="Arsam I" userId="945c4322417bfb0e" providerId="LiveId" clId="{8FF6EC96-4F45-4E1B-BDFB-D19C2DA89A83}" dt="2023-04-14T00:26:25.689" v="1776" actId="207"/>
+          <ac:spMkLst>
+            <pc:docMk/>
+            <pc:sldMk cId="2754122037" sldId="256"/>
+            <ac:spMk id="52" creationId="{BBC0F6C8-FB1A-0F61-0102-BF35700A77A2}"/>
           </ac:spMkLst>
         </pc:spChg>
       </pc:sldChg>
@@ -246,7 +297,7 @@
         </pc:spChg>
       </pc:sldChg>
       <pc:sldChg chg="addSp delSp modSp new mod ord">
-        <pc:chgData name="Arsam I" userId="945c4322417bfb0e" providerId="LiveId" clId="{8FF6EC96-4F45-4E1B-BDFB-D19C2DA89A83}" dt="2023-04-12T01:20:01.739" v="333"/>
+        <pc:chgData name="Arsam I" userId="945c4322417bfb0e" providerId="LiveId" clId="{8FF6EC96-4F45-4E1B-BDFB-D19C2DA89A83}" dt="2023-04-13T23:56:23.584" v="1773" actId="20577"/>
         <pc:sldMkLst>
           <pc:docMk/>
           <pc:sldMk cId="2261202913" sldId="261"/>
@@ -268,23 +319,23 @@
           </ac:spMkLst>
         </pc:spChg>
         <pc:spChg chg="add mod">
-          <ac:chgData name="Arsam I" userId="945c4322417bfb0e" providerId="LiveId" clId="{8FF6EC96-4F45-4E1B-BDFB-D19C2DA89A83}" dt="2023-04-12T01:05:27.029" v="129" actId="1076"/>
+          <ac:chgData name="Arsam I" userId="945c4322417bfb0e" providerId="LiveId" clId="{8FF6EC96-4F45-4E1B-BDFB-D19C2DA89A83}" dt="2023-04-13T21:55:05.048" v="521" actId="313"/>
           <ac:spMkLst>
             <pc:docMk/>
             <pc:sldMk cId="2261202913" sldId="261"/>
             <ac:spMk id="4" creationId="{90E1D07E-1052-5ACA-F1A6-18BC5A4568E0}"/>
           </ac:spMkLst>
         </pc:spChg>
-        <pc:spChg chg="add">
-          <ac:chgData name="Arsam I" userId="945c4322417bfb0e" providerId="LiveId" clId="{8FF6EC96-4F45-4E1B-BDFB-D19C2DA89A83}" dt="2023-04-12T01:04:14.938" v="60" actId="11529"/>
+        <pc:spChg chg="add mod">
+          <ac:chgData name="Arsam I" userId="945c4322417bfb0e" providerId="LiveId" clId="{8FF6EC96-4F45-4E1B-BDFB-D19C2DA89A83}" dt="2023-04-13T21:55:09.761" v="522" actId="1076"/>
           <ac:spMkLst>
             <pc:docMk/>
             <pc:sldMk cId="2261202913" sldId="261"/>
             <ac:spMk id="5" creationId="{3D7A39D9-A48E-6A14-2AFE-07CC0464BB6B}"/>
           </ac:spMkLst>
         </pc:spChg>
-        <pc:spChg chg="add mod">
-          <ac:chgData name="Arsam I" userId="945c4322417bfb0e" providerId="LiveId" clId="{8FF6EC96-4F45-4E1B-BDFB-D19C2DA89A83}" dt="2023-04-12T01:05:26.636" v="128" actId="207"/>
+        <pc:spChg chg="add del mod">
+          <ac:chgData name="Arsam I" userId="945c4322417bfb0e" providerId="LiveId" clId="{8FF6EC96-4F45-4E1B-BDFB-D19C2DA89A83}" dt="2023-04-13T21:54:01.158" v="444" actId="478"/>
           <ac:spMkLst>
             <pc:docMk/>
             <pc:sldMk cId="2261202913" sldId="261"/>
@@ -292,16 +343,88 @@
           </ac:spMkLst>
         </pc:spChg>
         <pc:spChg chg="add mod">
-          <ac:chgData name="Arsam I" userId="945c4322417bfb0e" providerId="LiveId" clId="{8FF6EC96-4F45-4E1B-BDFB-D19C2DA89A83}" dt="2023-04-12T01:05:51.865" v="148" actId="20577"/>
+          <ac:chgData name="Arsam I" userId="945c4322417bfb0e" providerId="LiveId" clId="{8FF6EC96-4F45-4E1B-BDFB-D19C2DA89A83}" dt="2023-04-13T21:57:28.754" v="667" actId="1076"/>
           <ac:spMkLst>
             <pc:docMk/>
             <pc:sldMk cId="2261202913" sldId="261"/>
             <ac:spMk id="7" creationId="{9640C3EB-35EE-C99A-D17A-F2DFC9EB464A}"/>
           </ac:spMkLst>
         </pc:spChg>
+        <pc:spChg chg="add mod">
+          <ac:chgData name="Arsam I" userId="945c4322417bfb0e" providerId="LiveId" clId="{8FF6EC96-4F45-4E1B-BDFB-D19C2DA89A83}" dt="2023-04-13T21:56:01.043" v="562" actId="14100"/>
+          <ac:spMkLst>
+            <pc:docMk/>
+            <pc:sldMk cId="2261202913" sldId="261"/>
+            <ac:spMk id="8" creationId="{30D8D1F1-A6B4-A291-CFB6-F2743AF1AFBB}"/>
+          </ac:spMkLst>
+        </pc:spChg>
+        <pc:spChg chg="add mod">
+          <ac:chgData name="Arsam I" userId="945c4322417bfb0e" providerId="LiveId" clId="{8FF6EC96-4F45-4E1B-BDFB-D19C2DA89A83}" dt="2023-04-13T21:56:25.447" v="604" actId="20577"/>
+          <ac:spMkLst>
+            <pc:docMk/>
+            <pc:sldMk cId="2261202913" sldId="261"/>
+            <ac:spMk id="9" creationId="{C69529B5-A8E8-5FE1-BE67-883411C0A4AC}"/>
+          </ac:spMkLst>
+        </pc:spChg>
+        <pc:spChg chg="add mod">
+          <ac:chgData name="Arsam I" userId="945c4322417bfb0e" providerId="LiveId" clId="{8FF6EC96-4F45-4E1B-BDFB-D19C2DA89A83}" dt="2023-04-13T22:52:29.338" v="1150" actId="207"/>
+          <ac:spMkLst>
+            <pc:docMk/>
+            <pc:sldMk cId="2261202913" sldId="261"/>
+            <ac:spMk id="12" creationId="{27D2992E-9064-0E18-69E2-233729B4AFEB}"/>
+          </ac:spMkLst>
+        </pc:spChg>
+        <pc:spChg chg="add mod">
+          <ac:chgData name="Arsam I" userId="945c4322417bfb0e" providerId="LiveId" clId="{8FF6EC96-4F45-4E1B-BDFB-D19C2DA89A83}" dt="2023-04-13T23:11:16.755" v="1218" actId="1035"/>
+          <ac:spMkLst>
+            <pc:docMk/>
+            <pc:sldMk cId="2261202913" sldId="261"/>
+            <ac:spMk id="13" creationId="{45C3BD42-E2BC-DCCD-73BE-1935BA48CA49}"/>
+          </ac:spMkLst>
+        </pc:spChg>
+        <pc:spChg chg="add mod">
+          <ac:chgData name="Arsam I" userId="945c4322417bfb0e" providerId="LiveId" clId="{8FF6EC96-4F45-4E1B-BDFB-D19C2DA89A83}" dt="2023-04-13T23:13:00.587" v="1266" actId="20577"/>
+          <ac:spMkLst>
+            <pc:docMk/>
+            <pc:sldMk cId="2261202913" sldId="261"/>
+            <ac:spMk id="14" creationId="{6F4C5F6C-F741-3A03-5F53-693D3A46CC6F}"/>
+          </ac:spMkLst>
+        </pc:spChg>
+        <pc:spChg chg="add mod">
+          <ac:chgData name="Arsam I" userId="945c4322417bfb0e" providerId="LiveId" clId="{8FF6EC96-4F45-4E1B-BDFB-D19C2DA89A83}" dt="2023-04-13T23:13:19.283" v="1274" actId="20577"/>
+          <ac:spMkLst>
+            <pc:docMk/>
+            <pc:sldMk cId="2261202913" sldId="261"/>
+            <ac:spMk id="15" creationId="{70AF83CD-AEFA-1CB6-EBF7-32D60E5CFCD7}"/>
+          </ac:spMkLst>
+        </pc:spChg>
+        <pc:spChg chg="add mod">
+          <ac:chgData name="Arsam I" userId="945c4322417bfb0e" providerId="LiveId" clId="{8FF6EC96-4F45-4E1B-BDFB-D19C2DA89A83}" dt="2023-04-13T23:45:40.553" v="1671" actId="20577"/>
+          <ac:spMkLst>
+            <pc:docMk/>
+            <pc:sldMk cId="2261202913" sldId="261"/>
+            <ac:spMk id="16" creationId="{D2D5B06B-0A6A-3EFB-0AA4-1922DC2B4E9E}"/>
+          </ac:spMkLst>
+        </pc:spChg>
+        <pc:spChg chg="add mod">
+          <ac:chgData name="Arsam I" userId="945c4322417bfb0e" providerId="LiveId" clId="{8FF6EC96-4F45-4E1B-BDFB-D19C2DA89A83}" dt="2023-04-13T23:56:23.584" v="1773" actId="20577"/>
+          <ac:spMkLst>
+            <pc:docMk/>
+            <pc:sldMk cId="2261202913" sldId="261"/>
+            <ac:spMk id="17" creationId="{866AD6C0-01EA-270A-B252-D03C65C30EDA}"/>
+          </ac:spMkLst>
+        </pc:spChg>
+        <pc:cxnChg chg="add mod">
+          <ac:chgData name="Arsam I" userId="945c4322417bfb0e" providerId="LiveId" clId="{8FF6EC96-4F45-4E1B-BDFB-D19C2DA89A83}" dt="2023-04-13T21:57:28.754" v="667" actId="1076"/>
+          <ac:cxnSpMkLst>
+            <pc:docMk/>
+            <pc:sldMk cId="2261202913" sldId="261"/>
+            <ac:cxnSpMk id="3" creationId="{B49E682D-2F67-B00D-0659-6A88B2DB295A}"/>
+          </ac:cxnSpMkLst>
+        </pc:cxnChg>
       </pc:sldChg>
-      <pc:sldChg chg="addSp delSp modSp new mod ord">
-        <pc:chgData name="Arsam I" userId="945c4322417bfb0e" providerId="LiveId" clId="{8FF6EC96-4F45-4E1B-BDFB-D19C2DA89A83}" dt="2023-04-12T01:20:01.739" v="333"/>
+      <pc:sldChg chg="addSp delSp modSp new del mod ord">
+        <pc:chgData name="Arsam I" userId="945c4322417bfb0e" providerId="LiveId" clId="{8FF6EC96-4F45-4E1B-BDFB-D19C2DA89A83}" dt="2023-04-13T22:02:04.111" v="854" actId="2696"/>
         <pc:sldMkLst>
           <pc:docMk/>
           <pc:sldMk cId="3530261524" sldId="262"/>
@@ -355,18 +478,542 @@
           </ac:spMkLst>
         </pc:spChg>
       </pc:sldChg>
-      <pc:sldChg chg="addSp modSp add ord">
-        <pc:chgData name="Arsam I" userId="945c4322417bfb0e" providerId="LiveId" clId="{8FF6EC96-4F45-4E1B-BDFB-D19C2DA89A83}" dt="2023-04-12T01:20:01.739" v="333"/>
+      <pc:sldChg chg="addSp delSp modSp add mod ord">
+        <pc:chgData name="Arsam I" userId="945c4322417bfb0e" providerId="LiveId" clId="{8FF6EC96-4F45-4E1B-BDFB-D19C2DA89A83}" dt="2023-04-13T23:57:18.333" v="1775"/>
         <pc:sldMkLst>
           <pc:docMk/>
           <pc:sldMk cId="2092849136" sldId="263"/>
         </pc:sldMkLst>
-        <pc:spChg chg="add mod">
-          <ac:chgData name="Arsam I" userId="945c4322417bfb0e" providerId="LiveId" clId="{8FF6EC96-4F45-4E1B-BDFB-D19C2DA89A83}" dt="2023-04-12T01:06:41.037" v="154"/>
+        <pc:spChg chg="add del mod">
+          <ac:chgData name="Arsam I" userId="945c4322417bfb0e" providerId="LiveId" clId="{8FF6EC96-4F45-4E1B-BDFB-D19C2DA89A83}" dt="2023-04-13T23:09:01.539" v="1187" actId="478"/>
           <ac:spMkLst>
             <pc:docMk/>
             <pc:sldMk cId="2092849136" sldId="263"/>
             <ac:spMk id="2" creationId="{596D8A42-D8F1-9788-766B-551F47534BCE}"/>
+          </ac:spMkLst>
+        </pc:spChg>
+        <pc:spChg chg="add mod">
+          <ac:chgData name="Arsam I" userId="945c4322417bfb0e" providerId="LiveId" clId="{8FF6EC96-4F45-4E1B-BDFB-D19C2DA89A83}" dt="2023-04-13T23:44:24.863" v="1624" actId="1076"/>
+          <ac:spMkLst>
+            <pc:docMk/>
+            <pc:sldMk cId="2092849136" sldId="263"/>
+            <ac:spMk id="3" creationId="{C17CF726-D1D4-181E-76E4-1BA9B97A456E}"/>
+          </ac:spMkLst>
+        </pc:spChg>
+        <pc:spChg chg="add mod">
+          <ac:chgData name="Arsam I" userId="945c4322417bfb0e" providerId="LiveId" clId="{8FF6EC96-4F45-4E1B-BDFB-D19C2DA89A83}" dt="2023-04-13T23:41:46.469" v="1602" actId="1076"/>
+          <ac:spMkLst>
+            <pc:docMk/>
+            <pc:sldMk cId="2092849136" sldId="263"/>
+            <ac:spMk id="4" creationId="{749D4BC1-37D2-0C36-E339-E374EA826B7B}"/>
+          </ac:spMkLst>
+        </pc:spChg>
+        <pc:spChg chg="add mod">
+          <ac:chgData name="Arsam I" userId="945c4322417bfb0e" providerId="LiveId" clId="{8FF6EC96-4F45-4E1B-BDFB-D19C2DA89A83}" dt="2023-04-13T23:41:42.106" v="1601" actId="20577"/>
+          <ac:spMkLst>
+            <pc:docMk/>
+            <pc:sldMk cId="2092849136" sldId="263"/>
+            <ac:spMk id="5" creationId="{1DD31148-3309-B642-074E-53D5946630F7}"/>
+          </ac:spMkLst>
+        </pc:spChg>
+        <pc:spChg chg="add mod">
+          <ac:chgData name="Arsam I" userId="945c4322417bfb0e" providerId="LiveId" clId="{8FF6EC96-4F45-4E1B-BDFB-D19C2DA89A83}" dt="2023-04-13T23:41:56.758" v="1605"/>
+          <ac:spMkLst>
+            <pc:docMk/>
+            <pc:sldMk cId="2092849136" sldId="263"/>
+            <ac:spMk id="6" creationId="{942322FA-514D-D965-B300-B48AD165ED07}"/>
+          </ac:spMkLst>
+        </pc:spChg>
+        <pc:spChg chg="add mod">
+          <ac:chgData name="Arsam I" userId="945c4322417bfb0e" providerId="LiveId" clId="{8FF6EC96-4F45-4E1B-BDFB-D19C2DA89A83}" dt="2023-04-13T23:41:56.758" v="1605"/>
+          <ac:spMkLst>
+            <pc:docMk/>
+            <pc:sldMk cId="2092849136" sldId="263"/>
+            <ac:spMk id="7" creationId="{21926AE3-70B8-CF32-10F1-8FD151656EBF}"/>
+          </ac:spMkLst>
+        </pc:spChg>
+        <pc:spChg chg="add mod">
+          <ac:chgData name="Arsam I" userId="945c4322417bfb0e" providerId="LiveId" clId="{8FF6EC96-4F45-4E1B-BDFB-D19C2DA89A83}" dt="2023-04-13T23:41:56.758" v="1605"/>
+          <ac:spMkLst>
+            <pc:docMk/>
+            <pc:sldMk cId="2092849136" sldId="263"/>
+            <ac:spMk id="8" creationId="{36A2801E-B8EF-096A-963C-6E090242B0EE}"/>
+          </ac:spMkLst>
+        </pc:spChg>
+        <pc:spChg chg="add mod">
+          <ac:chgData name="Arsam I" userId="945c4322417bfb0e" providerId="LiveId" clId="{8FF6EC96-4F45-4E1B-BDFB-D19C2DA89A83}" dt="2023-04-13T23:42:37.610" v="1620" actId="313"/>
+          <ac:spMkLst>
+            <pc:docMk/>
+            <pc:sldMk cId="2092849136" sldId="263"/>
+            <ac:spMk id="11" creationId="{30BE2236-4D49-DCBF-D0B7-F9A0D2BB6DCE}"/>
+          </ac:spMkLst>
+        </pc:spChg>
+        <pc:spChg chg="add mod">
+          <ac:chgData name="Arsam I" userId="945c4322417bfb0e" providerId="LiveId" clId="{8FF6EC96-4F45-4E1B-BDFB-D19C2DA89A83}" dt="2023-04-13T23:53:26.184" v="1741" actId="20577"/>
+          <ac:spMkLst>
+            <pc:docMk/>
+            <pc:sldMk cId="2092849136" sldId="263"/>
+            <ac:spMk id="12" creationId="{8BB51497-3AFD-EA62-CCDD-4FC2E66BF532}"/>
+          </ac:spMkLst>
+        </pc:spChg>
+        <pc:spChg chg="add mod">
+          <ac:chgData name="Arsam I" userId="945c4322417bfb0e" providerId="LiveId" clId="{8FF6EC96-4F45-4E1B-BDFB-D19C2DA89A83}" dt="2023-04-13T23:57:18.333" v="1775"/>
+          <ac:spMkLst>
+            <pc:docMk/>
+            <pc:sldMk cId="2092849136" sldId="263"/>
+            <ac:spMk id="13" creationId="{90DB1132-CEF2-5954-F475-F418F5B88D70}"/>
+          </ac:spMkLst>
+        </pc:spChg>
+        <pc:picChg chg="add mod">
+          <ac:chgData name="Arsam I" userId="945c4322417bfb0e" providerId="LiveId" clId="{8FF6EC96-4F45-4E1B-BDFB-D19C2DA89A83}" dt="2023-04-13T23:53:32.128" v="1749" actId="1036"/>
+          <ac:picMkLst>
+            <pc:docMk/>
+            <pc:sldMk cId="2092849136" sldId="263"/>
+            <ac:picMk id="10" creationId="{7F7CF2A5-E373-D180-E25A-F1354B50287A}"/>
+          </ac:picMkLst>
+        </pc:picChg>
+      </pc:sldChg>
+      <pc:sldChg chg="addSp delSp modSp new mod ord">
+        <pc:chgData name="Arsam I" userId="945c4322417bfb0e" providerId="LiveId" clId="{8FF6EC96-4F45-4E1B-BDFB-D19C2DA89A83}" dt="2023-04-13T23:55:41.464" v="1757" actId="20577"/>
+        <pc:sldMkLst>
+          <pc:docMk/>
+          <pc:sldMk cId="28880585" sldId="264"/>
+        </pc:sldMkLst>
+        <pc:spChg chg="del">
+          <ac:chgData name="Arsam I" userId="945c4322417bfb0e" providerId="LiveId" clId="{8FF6EC96-4F45-4E1B-BDFB-D19C2DA89A83}" dt="2023-04-13T21:53:36.514" v="428" actId="478"/>
+          <ac:spMkLst>
+            <pc:docMk/>
+            <pc:sldMk cId="28880585" sldId="264"/>
+            <ac:spMk id="2" creationId="{0FC89565-263B-0D57-D959-467581F6118C}"/>
+          </ac:spMkLst>
+        </pc:spChg>
+        <pc:spChg chg="del">
+          <ac:chgData name="Arsam I" userId="945c4322417bfb0e" providerId="LiveId" clId="{8FF6EC96-4F45-4E1B-BDFB-D19C2DA89A83}" dt="2023-04-13T21:53:37.343" v="429" actId="478"/>
+          <ac:spMkLst>
+            <pc:docMk/>
+            <pc:sldMk cId="28880585" sldId="264"/>
+            <ac:spMk id="3" creationId="{359139C8-EA17-5D2B-3447-17D57FF578CF}"/>
+          </ac:spMkLst>
+        </pc:spChg>
+        <pc:spChg chg="add mod">
+          <ac:chgData name="Arsam I" userId="945c4322417bfb0e" providerId="LiveId" clId="{8FF6EC96-4F45-4E1B-BDFB-D19C2DA89A83}" dt="2023-04-13T21:56:56.990" v="659" actId="20577"/>
+          <ac:spMkLst>
+            <pc:docMk/>
+            <pc:sldMk cId="28880585" sldId="264"/>
+            <ac:spMk id="4" creationId="{261933CE-A51C-6E02-A062-145C846B3F56}"/>
+          </ac:spMkLst>
+        </pc:spChg>
+        <pc:spChg chg="add mod">
+          <ac:chgData name="Arsam I" userId="945c4322417bfb0e" providerId="LiveId" clId="{8FF6EC96-4F45-4E1B-BDFB-D19C2DA89A83}" dt="2023-04-13T22:38:41.376" v="965" actId="1037"/>
+          <ac:spMkLst>
+            <pc:docMk/>
+            <pc:sldMk cId="28880585" sldId="264"/>
+            <ac:spMk id="5" creationId="{34B2EBA2-89A4-553B-D4D0-ECDCECD0D44A}"/>
+          </ac:spMkLst>
+        </pc:spChg>
+        <pc:spChg chg="add mod">
+          <ac:chgData name="Arsam I" userId="945c4322417bfb0e" providerId="LiveId" clId="{8FF6EC96-4F45-4E1B-BDFB-D19C2DA89A83}" dt="2023-04-13T22:38:41.376" v="965" actId="1037"/>
+          <ac:spMkLst>
+            <pc:docMk/>
+            <pc:sldMk cId="28880585" sldId="264"/>
+            <ac:spMk id="6" creationId="{335FF9F7-3AC4-333D-C46E-2C2E8B0DAC83}"/>
+          </ac:spMkLst>
+        </pc:spChg>
+        <pc:spChg chg="add mod">
+          <ac:chgData name="Arsam I" userId="945c4322417bfb0e" providerId="LiveId" clId="{8FF6EC96-4F45-4E1B-BDFB-D19C2DA89A83}" dt="2023-04-13T21:59:11.604" v="738" actId="1076"/>
+          <ac:spMkLst>
+            <pc:docMk/>
+            <pc:sldMk cId="28880585" sldId="264"/>
+            <ac:spMk id="11" creationId="{CB32E7A6-899E-DFE9-89FB-03843C6B807D}"/>
+          </ac:spMkLst>
+        </pc:spChg>
+        <pc:spChg chg="add mod">
+          <ac:chgData name="Arsam I" userId="945c4322417bfb0e" providerId="LiveId" clId="{8FF6EC96-4F45-4E1B-BDFB-D19C2DA89A83}" dt="2023-04-13T21:59:44.646" v="779" actId="20577"/>
+          <ac:spMkLst>
+            <pc:docMk/>
+            <pc:sldMk cId="28880585" sldId="264"/>
+            <ac:spMk id="12" creationId="{1ADDF833-A2FC-E446-7059-1F3835E7B014}"/>
+          </ac:spMkLst>
+        </pc:spChg>
+        <pc:spChg chg="add mod">
+          <ac:chgData name="Arsam I" userId="945c4322417bfb0e" providerId="LiveId" clId="{8FF6EC96-4F45-4E1B-BDFB-D19C2DA89A83}" dt="2023-04-13T22:00:24.087" v="846" actId="404"/>
+          <ac:spMkLst>
+            <pc:docMk/>
+            <pc:sldMk cId="28880585" sldId="264"/>
+            <ac:spMk id="13" creationId="{D17857D2-04C7-5676-C775-A82DEFA02617}"/>
+          </ac:spMkLst>
+        </pc:spChg>
+        <pc:spChg chg="add mod">
+          <ac:chgData name="Arsam I" userId="945c4322417bfb0e" providerId="LiveId" clId="{8FF6EC96-4F45-4E1B-BDFB-D19C2DA89A83}" dt="2023-04-13T22:38:41.376" v="965" actId="1037"/>
+          <ac:spMkLst>
+            <pc:docMk/>
+            <pc:sldMk cId="28880585" sldId="264"/>
+            <ac:spMk id="14" creationId="{0570CD95-1E8A-AF91-D5E1-0C52EDCA04E6}"/>
+          </ac:spMkLst>
+        </pc:spChg>
+        <pc:spChg chg="add mod">
+          <ac:chgData name="Arsam I" userId="945c4322417bfb0e" providerId="LiveId" clId="{8FF6EC96-4F45-4E1B-BDFB-D19C2DA89A83}" dt="2023-04-13T22:38:54.002" v="969" actId="1076"/>
+          <ac:spMkLst>
+            <pc:docMk/>
+            <pc:sldMk cId="28880585" sldId="264"/>
+            <ac:spMk id="15" creationId="{5CD30A1F-B39E-781B-719C-D278748B8475}"/>
+          </ac:spMkLst>
+        </pc:spChg>
+        <pc:spChg chg="add mod">
+          <ac:chgData name="Arsam I" userId="945c4322417bfb0e" providerId="LiveId" clId="{8FF6EC96-4F45-4E1B-BDFB-D19C2DA89A83}" dt="2023-04-13T22:39:07.740" v="980" actId="20577"/>
+          <ac:spMkLst>
+            <pc:docMk/>
+            <pc:sldMk cId="28880585" sldId="264"/>
+            <ac:spMk id="16" creationId="{C2ED548B-4208-A587-6F7B-D784F71663E3}"/>
+          </ac:spMkLst>
+        </pc:spChg>
+        <pc:spChg chg="add mod">
+          <ac:chgData name="Arsam I" userId="945c4322417bfb0e" providerId="LiveId" clId="{8FF6EC96-4F45-4E1B-BDFB-D19C2DA89A83}" dt="2023-04-13T22:39:43.276" v="1057" actId="20577"/>
+          <ac:spMkLst>
+            <pc:docMk/>
+            <pc:sldMk cId="28880585" sldId="264"/>
+            <ac:spMk id="17" creationId="{28978AD7-7F08-74C8-FF24-6DC2A7C7ABA2}"/>
+          </ac:spMkLst>
+        </pc:spChg>
+        <pc:spChg chg="add mod">
+          <ac:chgData name="Arsam I" userId="945c4322417bfb0e" providerId="LiveId" clId="{8FF6EC96-4F45-4E1B-BDFB-D19C2DA89A83}" dt="2023-04-13T22:40:09.060" v="1124" actId="20577"/>
+          <ac:spMkLst>
+            <pc:docMk/>
+            <pc:sldMk cId="28880585" sldId="264"/>
+            <ac:spMk id="18" creationId="{C50B6DCD-2BB6-0874-D40F-634AAC4C1BF1}"/>
+          </ac:spMkLst>
+        </pc:spChg>
+        <pc:spChg chg="add mod">
+          <ac:chgData name="Arsam I" userId="945c4322417bfb0e" providerId="LiveId" clId="{8FF6EC96-4F45-4E1B-BDFB-D19C2DA89A83}" dt="2023-04-13T23:15:13.331" v="1304" actId="20577"/>
+          <ac:spMkLst>
+            <pc:docMk/>
+            <pc:sldMk cId="28880585" sldId="264"/>
+            <ac:spMk id="19" creationId="{1948F0FD-5A67-6F19-3F3A-947EEE1128F1}"/>
+          </ac:spMkLst>
+        </pc:spChg>
+        <pc:spChg chg="add del mod">
+          <ac:chgData name="Arsam I" userId="945c4322417bfb0e" providerId="LiveId" clId="{8FF6EC96-4F45-4E1B-BDFB-D19C2DA89A83}" dt="2023-04-13T23:16:17.676" v="1306"/>
+          <ac:spMkLst>
+            <pc:docMk/>
+            <pc:sldMk cId="28880585" sldId="264"/>
+            <ac:spMk id="20" creationId="{F8E0B44B-C1AB-C1AC-C60D-629547B3CBE0}"/>
+          </ac:spMkLst>
+        </pc:spChg>
+        <pc:spChg chg="add del mod">
+          <ac:chgData name="Arsam I" userId="945c4322417bfb0e" providerId="LiveId" clId="{8FF6EC96-4F45-4E1B-BDFB-D19C2DA89A83}" dt="2023-04-13T23:16:31.250" v="1313" actId="478"/>
+          <ac:spMkLst>
+            <pc:docMk/>
+            <pc:sldMk cId="28880585" sldId="264"/>
+            <ac:spMk id="21" creationId="{F6161994-6236-D2A9-6BCB-D782AB47C244}"/>
+          </ac:spMkLst>
+        </pc:spChg>
+        <pc:spChg chg="add del mod">
+          <ac:chgData name="Arsam I" userId="945c4322417bfb0e" providerId="LiveId" clId="{8FF6EC96-4F45-4E1B-BDFB-D19C2DA89A83}" dt="2023-04-13T23:16:31.250" v="1313" actId="478"/>
+          <ac:spMkLst>
+            <pc:docMk/>
+            <pc:sldMk cId="28880585" sldId="264"/>
+            <ac:spMk id="22" creationId="{A4E2D2C9-106E-6395-EB10-E1A5511DBBD9}"/>
+          </ac:spMkLst>
+        </pc:spChg>
+        <pc:spChg chg="add mod">
+          <ac:chgData name="Arsam I" userId="945c4322417bfb0e" providerId="LiveId" clId="{8FF6EC96-4F45-4E1B-BDFB-D19C2DA89A83}" dt="2023-04-13T23:16:29.354" v="1312" actId="1076"/>
+          <ac:spMkLst>
+            <pc:docMk/>
+            <pc:sldMk cId="28880585" sldId="264"/>
+            <ac:spMk id="23" creationId="{3C46D4C0-3674-0F2A-05DD-28DFC9D392F0}"/>
+          </ac:spMkLst>
+        </pc:spChg>
+        <pc:spChg chg="add mod">
+          <ac:chgData name="Arsam I" userId="945c4322417bfb0e" providerId="LiveId" clId="{8FF6EC96-4F45-4E1B-BDFB-D19C2DA89A83}" dt="2023-04-13T23:16:29.354" v="1312" actId="1076"/>
+          <ac:spMkLst>
+            <pc:docMk/>
+            <pc:sldMk cId="28880585" sldId="264"/>
+            <ac:spMk id="24" creationId="{E858A78B-A8F4-0896-B2B2-EA17E3A745E5}"/>
+          </ac:spMkLst>
+        </pc:spChg>
+        <pc:spChg chg="add mod">
+          <ac:chgData name="Arsam I" userId="945c4322417bfb0e" providerId="LiveId" clId="{8FF6EC96-4F45-4E1B-BDFB-D19C2DA89A83}" dt="2023-04-13T23:16:29.354" v="1312" actId="1076"/>
+          <ac:spMkLst>
+            <pc:docMk/>
+            <pc:sldMk cId="28880585" sldId="264"/>
+            <ac:spMk id="25" creationId="{5D88A9EE-7CFF-D3CA-7A79-CAA3486F51D6}"/>
+          </ac:spMkLst>
+        </pc:spChg>
+        <pc:spChg chg="add mod">
+          <ac:chgData name="Arsam I" userId="945c4322417bfb0e" providerId="LiveId" clId="{8FF6EC96-4F45-4E1B-BDFB-D19C2DA89A83}" dt="2023-04-13T23:55:41.464" v="1757" actId="20577"/>
+          <ac:spMkLst>
+            <pc:docMk/>
+            <pc:sldMk cId="28880585" sldId="264"/>
+            <ac:spMk id="26" creationId="{D2520A2F-714B-E2BF-75B8-DA81004D1E40}"/>
+          </ac:spMkLst>
+        </pc:spChg>
+        <pc:cxnChg chg="add mod">
+          <ac:chgData name="Arsam I" userId="945c4322417bfb0e" providerId="LiveId" clId="{8FF6EC96-4F45-4E1B-BDFB-D19C2DA89A83}" dt="2023-04-13T22:38:41.376" v="965" actId="1037"/>
+          <ac:cxnSpMkLst>
+            <pc:docMk/>
+            <pc:sldMk cId="28880585" sldId="264"/>
+            <ac:cxnSpMk id="7" creationId="{9501CEAC-7B51-8C75-7ED2-7E0CB7CBFDBD}"/>
+          </ac:cxnSpMkLst>
+        </pc:cxnChg>
+      </pc:sldChg>
+      <pc:sldChg chg="addSp delSp modSp add mod">
+        <pc:chgData name="Arsam I" userId="945c4322417bfb0e" providerId="LiveId" clId="{8FF6EC96-4F45-4E1B-BDFB-D19C2DA89A83}" dt="2023-04-13T23:50:59.201" v="1724" actId="20577"/>
+        <pc:sldMkLst>
+          <pc:docMk/>
+          <pc:sldMk cId="2539624350" sldId="265"/>
+        </pc:sldMkLst>
+        <pc:spChg chg="add del">
+          <ac:chgData name="Arsam I" userId="945c4322417bfb0e" providerId="LiveId" clId="{8FF6EC96-4F45-4E1B-BDFB-D19C2DA89A83}" dt="2023-04-13T22:36:41.442" v="856" actId="22"/>
+          <ac:spMkLst>
+            <pc:docMk/>
+            <pc:sldMk cId="2539624350" sldId="265"/>
+            <ac:spMk id="3" creationId="{AF00978A-DC21-981F-D51D-6B78C5EFB1D6}"/>
+          </ac:spMkLst>
+        </pc:spChg>
+        <pc:spChg chg="add mod">
+          <ac:chgData name="Arsam I" userId="945c4322417bfb0e" providerId="LiveId" clId="{8FF6EC96-4F45-4E1B-BDFB-D19C2DA89A83}" dt="2023-04-13T22:37:17.349" v="931" actId="20577"/>
+          <ac:spMkLst>
+            <pc:docMk/>
+            <pc:sldMk cId="2539624350" sldId="265"/>
+            <ac:spMk id="4" creationId="{80C6B818-9E2B-6701-DEB4-5440A367BDF1}"/>
+          </ac:spMkLst>
+        </pc:spChg>
+        <pc:spChg chg="add mod">
+          <ac:chgData name="Arsam I" userId="945c4322417bfb0e" providerId="LiveId" clId="{8FF6EC96-4F45-4E1B-BDFB-D19C2DA89A83}" dt="2023-04-13T23:50:59.201" v="1724" actId="20577"/>
+          <ac:spMkLst>
+            <pc:docMk/>
+            <pc:sldMk cId="2539624350" sldId="265"/>
+            <ac:spMk id="5" creationId="{D9D82E4F-C3A0-E047-354D-74AA5D29C37A}"/>
+          </ac:spMkLst>
+        </pc:spChg>
+        <pc:spChg chg="add mod">
+          <ac:chgData name="Arsam I" userId="945c4322417bfb0e" providerId="LiveId" clId="{8FF6EC96-4F45-4E1B-BDFB-D19C2DA89A83}" dt="2023-04-13T22:53:11.415" v="1169" actId="313"/>
+          <ac:spMkLst>
+            <pc:docMk/>
+            <pc:sldMk cId="2539624350" sldId="265"/>
+            <ac:spMk id="6" creationId="{1CE25FDB-B100-42E0-315F-42A5AF6D316F}"/>
+          </ac:spMkLst>
+        </pc:spChg>
+        <pc:spChg chg="add mod">
+          <ac:chgData name="Arsam I" userId="945c4322417bfb0e" providerId="LiveId" clId="{8FF6EC96-4F45-4E1B-BDFB-D19C2DA89A83}" dt="2023-04-13T23:24:37.581" v="1418" actId="313"/>
+          <ac:spMkLst>
+            <pc:docMk/>
+            <pc:sldMk cId="2539624350" sldId="265"/>
+            <ac:spMk id="7" creationId="{B5302F53-D063-DFA0-0924-0E6C93C0921F}"/>
+          </ac:spMkLst>
+        </pc:spChg>
+        <pc:spChg chg="add mod">
+          <ac:chgData name="Arsam I" userId="945c4322417bfb0e" providerId="LiveId" clId="{8FF6EC96-4F45-4E1B-BDFB-D19C2DA89A83}" dt="2023-04-13T23:24:47.410" v="1426" actId="1035"/>
+          <ac:spMkLst>
+            <pc:docMk/>
+            <pc:sldMk cId="2539624350" sldId="265"/>
+            <ac:spMk id="8" creationId="{10D9BE07-8B91-206F-8918-B1193FD6539F}"/>
+          </ac:spMkLst>
+        </pc:spChg>
+        <pc:spChg chg="add mod">
+          <ac:chgData name="Arsam I" userId="945c4322417bfb0e" providerId="LiveId" clId="{8FF6EC96-4F45-4E1B-BDFB-D19C2DA89A83}" dt="2023-04-13T23:30:53.246" v="1520" actId="1076"/>
+          <ac:spMkLst>
+            <pc:docMk/>
+            <pc:sldMk cId="2539624350" sldId="265"/>
+            <ac:spMk id="9" creationId="{F3D6C6FA-F614-F085-C61A-3B590A639454}"/>
+          </ac:spMkLst>
+        </pc:spChg>
+        <pc:spChg chg="add mod">
+          <ac:chgData name="Arsam I" userId="945c4322417bfb0e" providerId="LiveId" clId="{8FF6EC96-4F45-4E1B-BDFB-D19C2DA89A83}" dt="2023-04-13T23:32:32.985" v="1569" actId="313"/>
+          <ac:spMkLst>
+            <pc:docMk/>
+            <pc:sldMk cId="2539624350" sldId="265"/>
+            <ac:spMk id="10" creationId="{9B42206C-8EBD-062F-BBBF-00533A17EACB}"/>
+          </ac:spMkLst>
+        </pc:spChg>
+        <pc:spChg chg="add mod">
+          <ac:chgData name="Arsam I" userId="945c4322417bfb0e" providerId="LiveId" clId="{8FF6EC96-4F45-4E1B-BDFB-D19C2DA89A83}" dt="2023-04-13T23:41:54.639" v="1603"/>
+          <ac:spMkLst>
+            <pc:docMk/>
+            <pc:sldMk cId="2539624350" sldId="265"/>
+            <ac:spMk id="11" creationId="{2C5AF3AA-6897-AA2D-338C-3D8F04E7B65B}"/>
+          </ac:spMkLst>
+        </pc:spChg>
+        <pc:spChg chg="add mod">
+          <ac:chgData name="Arsam I" userId="945c4322417bfb0e" providerId="LiveId" clId="{8FF6EC96-4F45-4E1B-BDFB-D19C2DA89A83}" dt="2023-04-13T23:41:54.639" v="1603"/>
+          <ac:spMkLst>
+            <pc:docMk/>
+            <pc:sldMk cId="2539624350" sldId="265"/>
+            <ac:spMk id="12" creationId="{AC81AC5D-A6EC-1679-AECC-F2732A315ECC}"/>
+          </ac:spMkLst>
+        </pc:spChg>
+        <pc:spChg chg="add mod">
+          <ac:chgData name="Arsam I" userId="945c4322417bfb0e" providerId="LiveId" clId="{8FF6EC96-4F45-4E1B-BDFB-D19C2DA89A83}" dt="2023-04-13T23:41:54.639" v="1603"/>
+          <ac:spMkLst>
+            <pc:docMk/>
+            <pc:sldMk cId="2539624350" sldId="265"/>
+            <ac:spMk id="13" creationId="{5A58C3BF-45EC-9E07-1B01-476161D2EF86}"/>
+          </ac:spMkLst>
+        </pc:spChg>
+        <pc:spChg chg="add mod">
+          <ac:chgData name="Arsam I" userId="945c4322417bfb0e" providerId="LiveId" clId="{8FF6EC96-4F45-4E1B-BDFB-D19C2DA89A83}" dt="2023-04-13T23:50:07.345" v="1712" actId="20577"/>
+          <ac:spMkLst>
+            <pc:docMk/>
+            <pc:sldMk cId="2539624350" sldId="265"/>
+            <ac:spMk id="14" creationId="{2D4BF254-4D43-859A-8589-02F3B067E1D2}"/>
+          </ac:spMkLst>
+        </pc:spChg>
+      </pc:sldChg>
+      <pc:sldChg chg="addSp delSp modSp add mod">
+        <pc:chgData name="Arsam I" userId="945c4322417bfb0e" providerId="LiveId" clId="{8FF6EC96-4F45-4E1B-BDFB-D19C2DA89A83}" dt="2023-04-13T23:57:14.357" v="1774"/>
+        <pc:sldMkLst>
+          <pc:docMk/>
+          <pc:sldMk cId="3086405453" sldId="266"/>
+        </pc:sldMkLst>
+        <pc:spChg chg="add mod">
+          <ac:chgData name="Arsam I" userId="945c4322417bfb0e" providerId="LiveId" clId="{8FF6EC96-4F45-4E1B-BDFB-D19C2DA89A83}" dt="2023-04-13T23:06:22.427" v="1184" actId="20577"/>
+          <ac:spMkLst>
+            <pc:docMk/>
+            <pc:sldMk cId="3086405453" sldId="266"/>
+            <ac:spMk id="2" creationId="{1C428DB1-3A3F-2E7A-B606-3A723EB84870}"/>
+          </ac:spMkLst>
+        </pc:spChg>
+        <pc:spChg chg="add mod">
+          <ac:chgData name="Arsam I" userId="945c4322417bfb0e" providerId="LiveId" clId="{8FF6EC96-4F45-4E1B-BDFB-D19C2DA89A83}" dt="2023-04-13T23:06:26.647" v="1185"/>
+          <ac:spMkLst>
+            <pc:docMk/>
+            <pc:sldMk cId="3086405453" sldId="266"/>
+            <ac:spMk id="3" creationId="{415827CD-74E2-5BB4-42A5-A78BCF12F50C}"/>
+          </ac:spMkLst>
+        </pc:spChg>
+        <pc:spChg chg="add mod">
+          <ac:chgData name="Arsam I" userId="945c4322417bfb0e" providerId="LiveId" clId="{8FF6EC96-4F45-4E1B-BDFB-D19C2DA89A83}" dt="2023-04-13T23:25:19.026" v="1457" actId="20577"/>
+          <ac:spMkLst>
+            <pc:docMk/>
+            <pc:sldMk cId="3086405453" sldId="266"/>
+            <ac:spMk id="4" creationId="{14CA2033-656F-3935-0D5A-B9E5B06DD4A3}"/>
+          </ac:spMkLst>
+        </pc:spChg>
+        <pc:spChg chg="add mod">
+          <ac:chgData name="Arsam I" userId="945c4322417bfb0e" providerId="LiveId" clId="{8FF6EC96-4F45-4E1B-BDFB-D19C2DA89A83}" dt="2023-04-13T23:26:03.712" v="1486" actId="207"/>
+          <ac:spMkLst>
+            <pc:docMk/>
+            <pc:sldMk cId="3086405453" sldId="266"/>
+            <ac:spMk id="5" creationId="{B2964D7B-5706-8768-7A73-B51010AAE013}"/>
+          </ac:spMkLst>
+        </pc:spChg>
+        <pc:spChg chg="add mod">
+          <ac:chgData name="Arsam I" userId="945c4322417bfb0e" providerId="LiveId" clId="{8FF6EC96-4F45-4E1B-BDFB-D19C2DA89A83}" dt="2023-04-13T23:26:55.221" v="1508" actId="207"/>
+          <ac:spMkLst>
+            <pc:docMk/>
+            <pc:sldMk cId="3086405453" sldId="266"/>
+            <ac:spMk id="6" creationId="{092C6DC2-AED8-F540-9DD5-AF7FC0BD164E}"/>
+          </ac:spMkLst>
+        </pc:spChg>
+        <pc:spChg chg="add del mod">
+          <ac:chgData name="Arsam I" userId="945c4322417bfb0e" providerId="LiveId" clId="{8FF6EC96-4F45-4E1B-BDFB-D19C2DA89A83}" dt="2023-04-13T23:26:58.643" v="1510" actId="478"/>
+          <ac:spMkLst>
+            <pc:docMk/>
+            <pc:sldMk cId="3086405453" sldId="266"/>
+            <ac:spMk id="7" creationId="{736524C0-F51A-9B4C-D8E5-3F868362E014}"/>
+          </ac:spMkLst>
+        </pc:spChg>
+        <pc:spChg chg="add mod">
+          <ac:chgData name="Arsam I" userId="945c4322417bfb0e" providerId="LiveId" clId="{8FF6EC96-4F45-4E1B-BDFB-D19C2DA89A83}" dt="2023-04-13T23:27:06.897" v="1518" actId="20577"/>
+          <ac:spMkLst>
+            <pc:docMk/>
+            <pc:sldMk cId="3086405453" sldId="266"/>
+            <ac:spMk id="8" creationId="{0ADA7642-955A-73E6-CFA9-5DB1A5D1F90E}"/>
+          </ac:spMkLst>
+        </pc:spChg>
+        <pc:spChg chg="add mod">
+          <ac:chgData name="Arsam I" userId="945c4322417bfb0e" providerId="LiveId" clId="{8FF6EC96-4F45-4E1B-BDFB-D19C2DA89A83}" dt="2023-04-13T23:41:55.661" v="1604"/>
+          <ac:spMkLst>
+            <pc:docMk/>
+            <pc:sldMk cId="3086405453" sldId="266"/>
+            <ac:spMk id="9" creationId="{46942904-EDE2-4084-D716-CBD1B8CD4283}"/>
+          </ac:spMkLst>
+        </pc:spChg>
+        <pc:spChg chg="add mod">
+          <ac:chgData name="Arsam I" userId="945c4322417bfb0e" providerId="LiveId" clId="{8FF6EC96-4F45-4E1B-BDFB-D19C2DA89A83}" dt="2023-04-13T23:41:55.661" v="1604"/>
+          <ac:spMkLst>
+            <pc:docMk/>
+            <pc:sldMk cId="3086405453" sldId="266"/>
+            <ac:spMk id="10" creationId="{22E2EE36-10E7-679E-9A0D-FA49FC8E2F84}"/>
+          </ac:spMkLst>
+        </pc:spChg>
+        <pc:spChg chg="add mod">
+          <ac:chgData name="Arsam I" userId="945c4322417bfb0e" providerId="LiveId" clId="{8FF6EC96-4F45-4E1B-BDFB-D19C2DA89A83}" dt="2023-04-13T23:41:55.661" v="1604"/>
+          <ac:spMkLst>
+            <pc:docMk/>
+            <pc:sldMk cId="3086405453" sldId="266"/>
+            <ac:spMk id="11" creationId="{ED0285C3-3409-2677-D0BA-69DA4BF94B67}"/>
+          </ac:spMkLst>
+        </pc:spChg>
+        <pc:spChg chg="add mod">
+          <ac:chgData name="Arsam I" userId="945c4322417bfb0e" providerId="LiveId" clId="{8FF6EC96-4F45-4E1B-BDFB-D19C2DA89A83}" dt="2023-04-13T23:57:14.357" v="1774"/>
+          <ac:spMkLst>
+            <pc:docMk/>
+            <pc:sldMk cId="3086405453" sldId="266"/>
+            <ac:spMk id="12" creationId="{CD4EF038-2FF5-06C8-4C1A-00D09D9734B7}"/>
+          </ac:spMkLst>
+        </pc:spChg>
+      </pc:sldChg>
+      <pc:sldChg chg="addSp delSp modSp new mod">
+        <pc:chgData name="Arsam I" userId="945c4322417bfb0e" providerId="LiveId" clId="{8FF6EC96-4F45-4E1B-BDFB-D19C2DA89A83}" dt="2023-04-13T23:56:07.824" v="1767" actId="20577"/>
+        <pc:sldMkLst>
+          <pc:docMk/>
+          <pc:sldMk cId="1360125248" sldId="267"/>
+        </pc:sldMkLst>
+        <pc:spChg chg="del">
+          <ac:chgData name="Arsam I" userId="945c4322417bfb0e" providerId="LiveId" clId="{8FF6EC96-4F45-4E1B-BDFB-D19C2DA89A83}" dt="2023-04-13T23:44:22.953" v="1622" actId="478"/>
+          <ac:spMkLst>
+            <pc:docMk/>
+            <pc:sldMk cId="1360125248" sldId="267"/>
+            <ac:spMk id="2" creationId="{39A12E7C-9B23-6A84-45D2-1F61466FE8F3}"/>
+          </ac:spMkLst>
+        </pc:spChg>
+        <pc:spChg chg="del">
+          <ac:chgData name="Arsam I" userId="945c4322417bfb0e" providerId="LiveId" clId="{8FF6EC96-4F45-4E1B-BDFB-D19C2DA89A83}" dt="2023-04-13T23:44:23.625" v="1623" actId="478"/>
+          <ac:spMkLst>
+            <pc:docMk/>
+            <pc:sldMk cId="1360125248" sldId="267"/>
+            <ac:spMk id="3" creationId="{39A7E8B5-D684-5B21-B48A-2A0F4C0947E7}"/>
+          </ac:spMkLst>
+        </pc:spChg>
+        <pc:spChg chg="add mod">
+          <ac:chgData name="Arsam I" userId="945c4322417bfb0e" providerId="LiveId" clId="{8FF6EC96-4F45-4E1B-BDFB-D19C2DA89A83}" dt="2023-04-13T23:44:35.257" v="1641" actId="20577"/>
+          <ac:spMkLst>
+            <pc:docMk/>
+            <pc:sldMk cId="1360125248" sldId="267"/>
+            <ac:spMk id="4" creationId="{8184D84F-EEE8-43E8-76E2-4F97DE402692}"/>
+          </ac:spMkLst>
+        </pc:spChg>
+        <pc:spChg chg="add mod">
+          <ac:chgData name="Arsam I" userId="945c4322417bfb0e" providerId="LiveId" clId="{8FF6EC96-4F45-4E1B-BDFB-D19C2DA89A83}" dt="2023-04-13T23:44:42.661" v="1642"/>
+          <ac:spMkLst>
+            <pc:docMk/>
+            <pc:sldMk cId="1360125248" sldId="267"/>
+            <ac:spMk id="5" creationId="{5EC9320A-3CB2-E863-A7AE-532D8A6A8F85}"/>
+          </ac:spMkLst>
+        </pc:spChg>
+        <pc:spChg chg="add mod">
+          <ac:chgData name="Arsam I" userId="945c4322417bfb0e" providerId="LiveId" clId="{8FF6EC96-4F45-4E1B-BDFB-D19C2DA89A83}" dt="2023-04-13T23:48:17.937" v="1692" actId="20577"/>
+          <ac:spMkLst>
+            <pc:docMk/>
+            <pc:sldMk cId="1360125248" sldId="267"/>
+            <ac:spMk id="6" creationId="{432374B8-2C4E-23F6-C168-571872549F5F}"/>
+          </ac:spMkLst>
+        </pc:spChg>
+        <pc:spChg chg="add mod">
+          <ac:chgData name="Arsam I" userId="945c4322417bfb0e" providerId="LiveId" clId="{8FF6EC96-4F45-4E1B-BDFB-D19C2DA89A83}" dt="2023-04-13T23:53:45.818" v="1750" actId="1076"/>
+          <ac:spMkLst>
+            <pc:docMk/>
+            <pc:sldMk cId="1360125248" sldId="267"/>
+            <ac:spMk id="7" creationId="{8D3983C4-4AD0-6E06-8A7E-43C4C80A5570}"/>
+          </ac:spMkLst>
+        </pc:spChg>
+        <pc:spChg chg="add mod">
+          <ac:chgData name="Arsam I" userId="945c4322417bfb0e" providerId="LiveId" clId="{8FF6EC96-4F45-4E1B-BDFB-D19C2DA89A83}" dt="2023-04-13T23:56:07.824" v="1767" actId="20577"/>
+          <ac:spMkLst>
+            <pc:docMk/>
+            <pc:sldMk cId="1360125248" sldId="267"/>
+            <ac:spMk id="8" creationId="{ABDEA804-850C-F788-1091-7C95860258DA}"/>
           </ac:spMkLst>
         </pc:spChg>
       </pc:sldChg>
@@ -524,7 +1171,7 @@
           <a:p>
             <a:fld id="{FEF4F03A-4C2E-4909-A77F-52D07D1F9F21}" type="datetimeFigureOut">
               <a:rPr lang="en-CA" smtClean="0"/>
-              <a:t>2023-04-11</a:t>
+              <a:t>2023-04-13</a:t>
             </a:fld>
             <a:endParaRPr lang="en-CA"/>
           </a:p>
@@ -724,7 +1371,7 @@
           <a:p>
             <a:fld id="{FEF4F03A-4C2E-4909-A77F-52D07D1F9F21}" type="datetimeFigureOut">
               <a:rPr lang="en-CA" smtClean="0"/>
-              <a:t>2023-04-11</a:t>
+              <a:t>2023-04-13</a:t>
             </a:fld>
             <a:endParaRPr lang="en-CA"/>
           </a:p>
@@ -934,7 +1581,7 @@
           <a:p>
             <a:fld id="{FEF4F03A-4C2E-4909-A77F-52D07D1F9F21}" type="datetimeFigureOut">
               <a:rPr lang="en-CA" smtClean="0"/>
-              <a:t>2023-04-11</a:t>
+              <a:t>2023-04-13</a:t>
             </a:fld>
             <a:endParaRPr lang="en-CA"/>
           </a:p>
@@ -1134,7 +1781,7 @@
           <a:p>
             <a:fld id="{FEF4F03A-4C2E-4909-A77F-52D07D1F9F21}" type="datetimeFigureOut">
               <a:rPr lang="en-CA" smtClean="0"/>
-              <a:t>2023-04-11</a:t>
+              <a:t>2023-04-13</a:t>
             </a:fld>
             <a:endParaRPr lang="en-CA"/>
           </a:p>
@@ -1410,7 +2057,7 @@
           <a:p>
             <a:fld id="{FEF4F03A-4C2E-4909-A77F-52D07D1F9F21}" type="datetimeFigureOut">
               <a:rPr lang="en-CA" smtClean="0"/>
-              <a:t>2023-04-11</a:t>
+              <a:t>2023-04-13</a:t>
             </a:fld>
             <a:endParaRPr lang="en-CA"/>
           </a:p>
@@ -1678,7 +2325,7 @@
           <a:p>
             <a:fld id="{FEF4F03A-4C2E-4909-A77F-52D07D1F9F21}" type="datetimeFigureOut">
               <a:rPr lang="en-CA" smtClean="0"/>
-              <a:t>2023-04-11</a:t>
+              <a:t>2023-04-13</a:t>
             </a:fld>
             <a:endParaRPr lang="en-CA"/>
           </a:p>
@@ -2093,7 +2740,7 @@
           <a:p>
             <a:fld id="{FEF4F03A-4C2E-4909-A77F-52D07D1F9F21}" type="datetimeFigureOut">
               <a:rPr lang="en-CA" smtClean="0"/>
-              <a:t>2023-04-11</a:t>
+              <a:t>2023-04-13</a:t>
             </a:fld>
             <a:endParaRPr lang="en-CA"/>
           </a:p>
@@ -2235,7 +2882,7 @@
           <a:p>
             <a:fld id="{FEF4F03A-4C2E-4909-A77F-52D07D1F9F21}" type="datetimeFigureOut">
               <a:rPr lang="en-CA" smtClean="0"/>
-              <a:t>2023-04-11</a:t>
+              <a:t>2023-04-13</a:t>
             </a:fld>
             <a:endParaRPr lang="en-CA"/>
           </a:p>
@@ -2348,7 +2995,7 @@
           <a:p>
             <a:fld id="{FEF4F03A-4C2E-4909-A77F-52D07D1F9F21}" type="datetimeFigureOut">
               <a:rPr lang="en-CA" smtClean="0"/>
-              <a:t>2023-04-11</a:t>
+              <a:t>2023-04-13</a:t>
             </a:fld>
             <a:endParaRPr lang="en-CA"/>
           </a:p>
@@ -2661,7 +3308,7 @@
           <a:p>
             <a:fld id="{FEF4F03A-4C2E-4909-A77F-52D07D1F9F21}" type="datetimeFigureOut">
               <a:rPr lang="en-CA" smtClean="0"/>
-              <a:t>2023-04-11</a:t>
+              <a:t>2023-04-13</a:t>
             </a:fld>
             <a:endParaRPr lang="en-CA"/>
           </a:p>
@@ -2950,7 +3597,7 @@
           <a:p>
             <a:fld id="{FEF4F03A-4C2E-4909-A77F-52D07D1F9F21}" type="datetimeFigureOut">
               <a:rPr lang="en-CA" smtClean="0"/>
-              <a:t>2023-04-11</a:t>
+              <a:t>2023-04-13</a:t>
             </a:fld>
             <a:endParaRPr lang="en-CA"/>
           </a:p>
@@ -3193,7 +3840,7 @@
           <a:p>
             <a:fld id="{FEF4F03A-4C2E-4909-A77F-52D07D1F9F21}" type="datetimeFigureOut">
               <a:rPr lang="en-CA" smtClean="0"/>
-              <a:t>2023-04-11</a:t>
+              <a:t>2023-04-13</a:t>
             </a:fld>
             <a:endParaRPr lang="en-CA"/>
           </a:p>
@@ -5022,6 +5669,11 @@
           <a:prstGeom prst="roundRect">
             <a:avLst/>
           </a:prstGeom>
+          <a:solidFill>
+            <a:schemeClr val="accent6">
+              <a:lumMod val="75000"/>
+            </a:schemeClr>
+          </a:solidFill>
         </p:spPr>
         <p:style>
           <a:lnRef idx="2">
@@ -5072,6 +5724,11 @@
           <a:prstGeom prst="roundRect">
             <a:avLst/>
           </a:prstGeom>
+          <a:solidFill>
+            <a:schemeClr val="accent6">
+              <a:lumMod val="75000"/>
+            </a:schemeClr>
+          </a:solidFill>
         </p:spPr>
         <p:style>
           <a:lnRef idx="2">
@@ -5122,6 +5779,11 @@
           <a:prstGeom prst="roundRect">
             <a:avLst/>
           </a:prstGeom>
+          <a:solidFill>
+            <a:schemeClr val="accent6">
+              <a:lumMod val="75000"/>
+            </a:schemeClr>
+          </a:solidFill>
         </p:spPr>
         <p:style>
           <a:lnRef idx="2">
@@ -5172,6 +5834,11 @@
           <a:prstGeom prst="roundRect">
             <a:avLst/>
           </a:prstGeom>
+          <a:solidFill>
+            <a:schemeClr val="accent6">
+              <a:lumMod val="75000"/>
+            </a:schemeClr>
+          </a:solidFill>
         </p:spPr>
         <p:style>
           <a:lnRef idx="2">
@@ -5222,6 +5889,11 @@
           <a:prstGeom prst="roundRect">
             <a:avLst/>
           </a:prstGeom>
+          <a:solidFill>
+            <a:schemeClr val="accent6">
+              <a:lumMod val="75000"/>
+            </a:schemeClr>
+          </a:solidFill>
         </p:spPr>
         <p:style>
           <a:lnRef idx="2">
@@ -5522,10 +6194,548 @@
           </a:p>
         </p:txBody>
       </p:sp>
+      <p:sp>
+        <p:nvSpPr>
+          <p:cNvPr id="8" name="Rectangle: Rounded Corners 7">
+            <a:extLst>
+              <a:ext uri="{FF2B5EF4-FFF2-40B4-BE49-F238E27FC236}">
+                <a16:creationId xmlns:a16="http://schemas.microsoft.com/office/drawing/2014/main" id="{A1EE2E66-E025-6990-6F14-5912FD2900E4}"/>
+              </a:ext>
+            </a:extLst>
+          </p:cNvPr>
+          <p:cNvSpPr/>
+          <p:nvPr/>
+        </p:nvSpPr>
+        <p:spPr>
+          <a:xfrm>
+            <a:off x="9211461" y="1506348"/>
+            <a:ext cx="726349" cy="329268"/>
+          </a:xfrm>
+          <a:prstGeom prst="roundRect">
+            <a:avLst/>
+          </a:prstGeom>
+        </p:spPr>
+        <p:style>
+          <a:lnRef idx="2">
+            <a:schemeClr val="accent1">
+              <a:shade val="50000"/>
+            </a:schemeClr>
+          </a:lnRef>
+          <a:fillRef idx="1">
+            <a:schemeClr val="accent1"/>
+          </a:fillRef>
+          <a:effectRef idx="0">
+            <a:schemeClr val="accent1"/>
+          </a:effectRef>
+          <a:fontRef idx="minor">
+            <a:schemeClr val="lt1"/>
+          </a:fontRef>
+        </p:style>
+        <p:txBody>
+          <a:bodyPr rtlCol="0" anchor="ctr"/>
+          <a:lstStyle/>
+          <a:p>
+            <a:pPr algn="ctr"/>
+            <a:r>
+              <a:rPr lang="en-US" sz="700" dirty="0"/>
+              <a:t>Presentation</a:t>
+            </a:r>
+            <a:endParaRPr lang="en-CA" sz="700" dirty="0"/>
+          </a:p>
+        </p:txBody>
+      </p:sp>
+      <p:sp>
+        <p:nvSpPr>
+          <p:cNvPr id="9" name="Rectangle: Rounded Corners 8">
+            <a:extLst>
+              <a:ext uri="{FF2B5EF4-FFF2-40B4-BE49-F238E27FC236}">
+                <a16:creationId xmlns:a16="http://schemas.microsoft.com/office/drawing/2014/main" id="{6FBCDDF7-79C2-777A-3244-CA793CA4B65F}"/>
+              </a:ext>
+            </a:extLst>
+          </p:cNvPr>
+          <p:cNvSpPr/>
+          <p:nvPr/>
+        </p:nvSpPr>
+        <p:spPr>
+          <a:xfrm>
+            <a:off x="7634332" y="1506348"/>
+            <a:ext cx="726349" cy="329268"/>
+          </a:xfrm>
+          <a:prstGeom prst="roundRect">
+            <a:avLst/>
+          </a:prstGeom>
+        </p:spPr>
+        <p:style>
+          <a:lnRef idx="2">
+            <a:schemeClr val="accent1">
+              <a:shade val="50000"/>
+            </a:schemeClr>
+          </a:lnRef>
+          <a:fillRef idx="1">
+            <a:schemeClr val="accent1"/>
+          </a:fillRef>
+          <a:effectRef idx="0">
+            <a:schemeClr val="accent1"/>
+          </a:effectRef>
+          <a:fontRef idx="minor">
+            <a:schemeClr val="lt1"/>
+          </a:fontRef>
+        </p:style>
+        <p:txBody>
+          <a:bodyPr rtlCol="0" anchor="ctr"/>
+          <a:lstStyle/>
+          <a:p>
+            <a:pPr algn="ctr"/>
+            <a:r>
+              <a:rPr lang="en-US" sz="700" dirty="0"/>
+              <a:t>Combine all data</a:t>
+            </a:r>
+            <a:endParaRPr lang="en-CA" sz="700" dirty="0"/>
+          </a:p>
+        </p:txBody>
+      </p:sp>
     </p:spTree>
     <p:extLst>
       <p:ext uri="{BB962C8B-B14F-4D97-AF65-F5344CB8AC3E}">
         <p14:creationId xmlns:p14="http://schemas.microsoft.com/office/powerpoint/2010/main" val="2754122037"/>
+      </p:ext>
+    </p:extLst>
+  </p:cSld>
+  <p:clrMapOvr>
+    <a:masterClrMapping/>
+  </p:clrMapOvr>
+</p:sld>
+</file>
+
+<file path=ppt/slides/slide10.xml><?xml version="1.0" encoding="utf-8"?>
+<p:sld xmlns:a="http://schemas.openxmlformats.org/drawingml/2006/main" xmlns:r="http://schemas.openxmlformats.org/officeDocument/2006/relationships" xmlns:p="http://schemas.openxmlformats.org/presentationml/2006/main">
+  <p:cSld>
+    <p:spTree>
+      <p:nvGrpSpPr>
+        <p:cNvPr id="1" name=""/>
+        <p:cNvGrpSpPr/>
+        <p:nvPr/>
+      </p:nvGrpSpPr>
+      <p:grpSpPr>
+        <a:xfrm>
+          <a:off x="0" y="0"/>
+          <a:ext cx="0" cy="0"/>
+          <a:chOff x="0" y="0"/>
+          <a:chExt cx="0" cy="0"/>
+        </a:xfrm>
+      </p:grpSpPr>
+      <p:sp>
+        <p:nvSpPr>
+          <p:cNvPr id="4" name="TextBox 3">
+            <a:extLst>
+              <a:ext uri="{FF2B5EF4-FFF2-40B4-BE49-F238E27FC236}">
+                <a16:creationId xmlns:a16="http://schemas.microsoft.com/office/drawing/2014/main" id="{15F27F66-A560-A212-6783-B2C8ED4D0E67}"/>
+              </a:ext>
+            </a:extLst>
+          </p:cNvPr>
+          <p:cNvSpPr txBox="1"/>
+          <p:nvPr/>
+        </p:nvSpPr>
+        <p:spPr>
+          <a:xfrm>
+            <a:off x="295275" y="638175"/>
+            <a:ext cx="11601450" cy="2031325"/>
+          </a:xfrm>
+          <a:prstGeom prst="rect">
+            <a:avLst/>
+          </a:prstGeom>
+          <a:noFill/>
+        </p:spPr>
+        <p:txBody>
+          <a:bodyPr wrap="square" rtlCol="0">
+            <a:spAutoFit/>
+          </a:bodyPr>
+          <a:lstStyle/>
+          <a:p>
+            <a:r>
+              <a:rPr lang="en-US" b="1" dirty="0"/>
+              <a:t>School Criteria</a:t>
+            </a:r>
+          </a:p>
+          <a:p>
+            <a:pPr marL="285750" indent="-285750">
+              <a:buFontTx/>
+              <a:buChar char="-"/>
+            </a:pPr>
+            <a:r>
+              <a:rPr lang="en-US" dirty="0"/>
+              <a:t>Testing scores (samples 2-3)</a:t>
+            </a:r>
+          </a:p>
+          <a:p>
+            <a:pPr marL="285750" indent="-285750">
+              <a:buFontTx/>
+              <a:buChar char="-"/>
+            </a:pPr>
+            <a:r>
+              <a:rPr lang="en-US" dirty="0"/>
+              <a:t>School enrollments</a:t>
+            </a:r>
+          </a:p>
+          <a:p>
+            <a:pPr marL="285750" indent="-285750">
+              <a:buFontTx/>
+              <a:buChar char="-"/>
+            </a:pPr>
+            <a:r>
+              <a:rPr lang="en-US" dirty="0"/>
+              <a:t>Safety (crime rates at the particular area)</a:t>
+            </a:r>
+          </a:p>
+          <a:p>
+            <a:pPr marL="285750" indent="-285750">
+              <a:buFontTx/>
+              <a:buChar char="-"/>
+            </a:pPr>
+            <a:r>
+              <a:rPr lang="en-US" dirty="0"/>
+              <a:t>Sports</a:t>
+            </a:r>
+          </a:p>
+          <a:p>
+            <a:pPr marL="285750" indent="-285750">
+              <a:buFontTx/>
+              <a:buChar char="-"/>
+            </a:pPr>
+            <a:r>
+              <a:rPr lang="en-US" dirty="0"/>
+              <a:t>Area population</a:t>
+            </a:r>
+          </a:p>
+          <a:p>
+            <a:pPr marL="285750" indent="-285750">
+              <a:buFontTx/>
+              <a:buChar char="-"/>
+            </a:pPr>
+            <a:r>
+              <a:rPr lang="en-US" dirty="0"/>
+              <a:t>Private or </a:t>
+            </a:r>
+            <a:r>
+              <a:rPr lang="en-US" b="1" dirty="0"/>
+              <a:t>Public</a:t>
+            </a:r>
+            <a:r>
+              <a:rPr lang="en-US" dirty="0"/>
+              <a:t> or both</a:t>
+            </a:r>
+          </a:p>
+        </p:txBody>
+      </p:sp>
+      <p:sp>
+        <p:nvSpPr>
+          <p:cNvPr id="5" name="TextBox 4">
+            <a:extLst>
+              <a:ext uri="{FF2B5EF4-FFF2-40B4-BE49-F238E27FC236}">
+                <a16:creationId xmlns:a16="http://schemas.microsoft.com/office/drawing/2014/main" id="{30E5B9BA-6350-DD62-6330-6FF11F687694}"/>
+              </a:ext>
+            </a:extLst>
+          </p:cNvPr>
+          <p:cNvSpPr txBox="1"/>
+          <p:nvPr/>
+        </p:nvSpPr>
+        <p:spPr>
+          <a:xfrm>
+            <a:off x="295275" y="114300"/>
+            <a:ext cx="10896600" cy="584775"/>
+          </a:xfrm>
+          <a:prstGeom prst="rect">
+            <a:avLst/>
+          </a:prstGeom>
+          <a:noFill/>
+        </p:spPr>
+        <p:txBody>
+          <a:bodyPr wrap="square" rtlCol="0">
+            <a:spAutoFit/>
+          </a:bodyPr>
+          <a:lstStyle/>
+          <a:p>
+            <a:r>
+              <a:rPr lang="en-US" sz="3200" b="1" dirty="0"/>
+              <a:t>OPTION#1</a:t>
+            </a:r>
+            <a:endParaRPr lang="en-CA" sz="3200" b="1" dirty="0"/>
+          </a:p>
+        </p:txBody>
+      </p:sp>
+    </p:spTree>
+    <p:extLst>
+      <p:ext uri="{BB962C8B-B14F-4D97-AF65-F5344CB8AC3E}">
+        <p14:creationId xmlns:p14="http://schemas.microsoft.com/office/powerpoint/2010/main" val="2834892153"/>
+      </p:ext>
+    </p:extLst>
+  </p:cSld>
+  <p:clrMapOvr>
+    <a:masterClrMapping/>
+  </p:clrMapOvr>
+</p:sld>
+</file>
+
+<file path=ppt/slides/slide11.xml><?xml version="1.0" encoding="utf-8"?>
+<p:sld xmlns:a="http://schemas.openxmlformats.org/drawingml/2006/main" xmlns:r="http://schemas.openxmlformats.org/officeDocument/2006/relationships" xmlns:p="http://schemas.openxmlformats.org/presentationml/2006/main">
+  <p:cSld>
+    <p:spTree>
+      <p:nvGrpSpPr>
+        <p:cNvPr id="1" name=""/>
+        <p:cNvGrpSpPr/>
+        <p:nvPr/>
+      </p:nvGrpSpPr>
+      <p:grpSpPr>
+        <a:xfrm>
+          <a:off x="0" y="0"/>
+          <a:ext cx="0" cy="0"/>
+          <a:chOff x="0" y="0"/>
+          <a:chExt cx="0" cy="0"/>
+        </a:xfrm>
+      </p:grpSpPr>
+      <p:sp>
+        <p:nvSpPr>
+          <p:cNvPr id="4" name="TextBox 3">
+            <a:extLst>
+              <a:ext uri="{FF2B5EF4-FFF2-40B4-BE49-F238E27FC236}">
+                <a16:creationId xmlns:a16="http://schemas.microsoft.com/office/drawing/2014/main" id="{F94F9B12-763D-EA4C-AD39-B4BFA9AE5092}"/>
+              </a:ext>
+            </a:extLst>
+          </p:cNvPr>
+          <p:cNvSpPr txBox="1"/>
+          <p:nvPr/>
+        </p:nvSpPr>
+        <p:spPr>
+          <a:xfrm>
+            <a:off x="276225" y="276225"/>
+            <a:ext cx="11601450" cy="3693319"/>
+          </a:xfrm>
+          <a:prstGeom prst="rect">
+            <a:avLst/>
+          </a:prstGeom>
+          <a:noFill/>
+        </p:spPr>
+        <p:txBody>
+          <a:bodyPr wrap="square" rtlCol="0">
+            <a:spAutoFit/>
+          </a:bodyPr>
+          <a:lstStyle/>
+          <a:p>
+            <a:r>
+              <a:rPr lang="en-US" b="1" dirty="0"/>
+              <a:t>Project Deliverables</a:t>
+            </a:r>
+          </a:p>
+          <a:p>
+            <a:pPr algn="l">
+              <a:buFont typeface="+mj-lt"/>
+              <a:buAutoNum type="arabicPeriod"/>
+            </a:pPr>
+            <a:r>
+              <a:rPr lang="en-US" b="0" i="0" dirty="0">
+                <a:solidFill>
+                  <a:srgbClr val="2B2B2B"/>
+                </a:solidFill>
+                <a:effectLst/>
+                <a:latin typeface="Roboto" panose="02000000000000000000" pitchFamily="2" charset="0"/>
+              </a:rPr>
+              <a:t>Your visualization must include a Python Flask-powered API, </a:t>
+            </a:r>
+            <a:r>
+              <a:rPr lang="en-US" b="0" i="0" u="sng" dirty="0">
+                <a:solidFill>
+                  <a:srgbClr val="2B2B2B"/>
+                </a:solidFill>
+                <a:effectLst/>
+                <a:latin typeface="Roboto" panose="02000000000000000000" pitchFamily="2" charset="0"/>
+              </a:rPr>
+              <a:t>HTML/CSS, JavaScript</a:t>
+            </a:r>
+            <a:r>
+              <a:rPr lang="en-US" b="0" i="0" dirty="0">
+                <a:solidFill>
+                  <a:srgbClr val="2B2B2B"/>
+                </a:solidFill>
+                <a:effectLst/>
+                <a:latin typeface="Roboto" panose="02000000000000000000" pitchFamily="2" charset="0"/>
+              </a:rPr>
+              <a:t>, and at least one database (SQL, MongoDB, SQLite, etc.).</a:t>
+            </a:r>
+          </a:p>
+          <a:p>
+            <a:pPr algn="l">
+              <a:buFont typeface="+mj-lt"/>
+              <a:buAutoNum type="arabicPeriod"/>
+            </a:pPr>
+            <a:r>
+              <a:rPr lang="en-US" b="0" i="0" dirty="0">
+                <a:solidFill>
+                  <a:srgbClr val="2B2B2B"/>
+                </a:solidFill>
+                <a:effectLst/>
+                <a:latin typeface="Roboto" panose="02000000000000000000" pitchFamily="2" charset="0"/>
+              </a:rPr>
+              <a:t>Your project should fall into one of the following three tracks:</a:t>
+            </a:r>
+          </a:p>
+          <a:p>
+            <a:pPr marL="742950" lvl="1" indent="-285750" algn="l">
+              <a:buFont typeface="+mj-lt"/>
+              <a:buAutoNum type="arabicPeriod"/>
+            </a:pPr>
+            <a:r>
+              <a:rPr lang="en-US" b="0" i="0" dirty="0">
+                <a:solidFill>
+                  <a:srgbClr val="2B2B2B"/>
+                </a:solidFill>
+                <a:effectLst/>
+                <a:latin typeface="Roboto" panose="02000000000000000000" pitchFamily="2" charset="0"/>
+              </a:rPr>
+              <a:t>A combination of web scraping and Leaflet or </a:t>
+            </a:r>
+            <a:r>
+              <a:rPr lang="en-US" b="0" i="0" dirty="0" err="1">
+                <a:solidFill>
+                  <a:srgbClr val="2B2B2B"/>
+                </a:solidFill>
+                <a:effectLst/>
+                <a:latin typeface="Roboto" panose="02000000000000000000" pitchFamily="2" charset="0"/>
+              </a:rPr>
+              <a:t>Plotly</a:t>
+            </a:r>
+            <a:endParaRPr lang="en-US" b="0" i="0" dirty="0">
+              <a:solidFill>
+                <a:srgbClr val="2B2B2B"/>
+              </a:solidFill>
+              <a:effectLst/>
+              <a:latin typeface="Roboto" panose="02000000000000000000" pitchFamily="2" charset="0"/>
+            </a:endParaRPr>
+          </a:p>
+          <a:p>
+            <a:pPr marL="742950" lvl="1" indent="-285750" algn="l">
+              <a:buFont typeface="+mj-lt"/>
+              <a:buAutoNum type="arabicPeriod"/>
+            </a:pPr>
+            <a:r>
+              <a:rPr lang="en-US" b="0" i="0" dirty="0">
+                <a:solidFill>
+                  <a:srgbClr val="2B2B2B"/>
+                </a:solidFill>
+                <a:effectLst/>
+                <a:latin typeface="Roboto" panose="02000000000000000000" pitchFamily="2" charset="0"/>
+              </a:rPr>
+              <a:t>A dashboard page with multiple charts that update from the same data</a:t>
+            </a:r>
+          </a:p>
+          <a:p>
+            <a:pPr marL="742950" lvl="1" indent="-285750" algn="l">
+              <a:buFont typeface="+mj-lt"/>
+              <a:buAutoNum type="arabicPeriod"/>
+            </a:pPr>
+            <a:r>
+              <a:rPr lang="en-US" b="0" i="0" dirty="0">
+                <a:solidFill>
+                  <a:srgbClr val="2B2B2B"/>
+                </a:solidFill>
+                <a:effectLst/>
+                <a:latin typeface="Roboto" panose="02000000000000000000" pitchFamily="2" charset="0"/>
+              </a:rPr>
+              <a:t>A server that performs multiple manipulations on data in a database prior to visualization (</a:t>
+            </a:r>
+            <a:r>
+              <a:rPr lang="en-US" b="1" i="0" dirty="0">
+                <a:solidFill>
+                  <a:srgbClr val="2B2B2B"/>
+                </a:solidFill>
+                <a:effectLst/>
+                <a:latin typeface="Roboto" panose="02000000000000000000" pitchFamily="2" charset="0"/>
+              </a:rPr>
+              <a:t>must be approved</a:t>
+            </a:r>
+            <a:r>
+              <a:rPr lang="en-US" b="0" i="0" dirty="0">
+                <a:solidFill>
+                  <a:srgbClr val="2B2B2B"/>
+                </a:solidFill>
+                <a:effectLst/>
+                <a:latin typeface="Roboto" panose="02000000000000000000" pitchFamily="2" charset="0"/>
+              </a:rPr>
+              <a:t>)</a:t>
+            </a:r>
+          </a:p>
+          <a:p>
+            <a:pPr algn="l">
+              <a:buFont typeface="+mj-lt"/>
+              <a:buAutoNum type="arabicPeriod"/>
+            </a:pPr>
+            <a:r>
+              <a:rPr lang="en-US" b="0" i="0" dirty="0">
+                <a:solidFill>
+                  <a:srgbClr val="2B2B2B"/>
+                </a:solidFill>
+                <a:effectLst/>
+                <a:latin typeface="Roboto" panose="02000000000000000000" pitchFamily="2" charset="0"/>
+              </a:rPr>
+              <a:t>Your project should include at least one JS library that we did not cover.</a:t>
+            </a:r>
+          </a:p>
+          <a:p>
+            <a:pPr algn="l">
+              <a:buFont typeface="+mj-lt"/>
+              <a:buAutoNum type="arabicPeriod"/>
+            </a:pPr>
+            <a:r>
+              <a:rPr lang="en-US" b="0" i="0" dirty="0">
+                <a:solidFill>
+                  <a:srgbClr val="2B2B2B"/>
+                </a:solidFill>
+                <a:effectLst/>
+                <a:latin typeface="Roboto" panose="02000000000000000000" pitchFamily="2" charset="0"/>
+              </a:rPr>
+              <a:t>Your project must be powered by a dataset with at least 100 records.</a:t>
+            </a:r>
+          </a:p>
+          <a:p>
+            <a:pPr algn="l">
+              <a:buFont typeface="+mj-lt"/>
+              <a:buAutoNum type="arabicPeriod"/>
+            </a:pPr>
+            <a:r>
+              <a:rPr lang="en-US" b="0" i="0" dirty="0">
+                <a:solidFill>
+                  <a:srgbClr val="2B2B2B"/>
+                </a:solidFill>
+                <a:effectLst/>
+                <a:latin typeface="Roboto" panose="02000000000000000000" pitchFamily="2" charset="0"/>
+              </a:rPr>
+              <a:t>Your project must include some level of user-driven interaction (e.g., menus, dropdowns, textboxes).</a:t>
+            </a:r>
+          </a:p>
+          <a:p>
+            <a:pPr algn="l">
+              <a:buFont typeface="+mj-lt"/>
+              <a:buAutoNum type="arabicPeriod"/>
+            </a:pPr>
+            <a:r>
+              <a:rPr lang="en-US" b="0" i="0" dirty="0">
+                <a:solidFill>
+                  <a:srgbClr val="2B2B2B"/>
+                </a:solidFill>
+                <a:effectLst/>
+                <a:latin typeface="Roboto" panose="02000000000000000000" pitchFamily="2" charset="0"/>
+              </a:rPr>
+              <a:t>Your final visualization should ideally include at least three views.</a:t>
+            </a:r>
+          </a:p>
+          <a:p>
+            <a:endParaRPr lang="en-US" b="1" dirty="0"/>
+          </a:p>
+        </p:txBody>
+      </p:sp>
+    </p:spTree>
+    <p:extLst>
+      <p:ext uri="{BB962C8B-B14F-4D97-AF65-F5344CB8AC3E}">
+        <p14:creationId xmlns:p14="http://schemas.microsoft.com/office/powerpoint/2010/main" val="4240041981"/>
       </p:ext>
     </p:extLst>
   </p:cSld>
@@ -5958,7 +7168,7 @@
         <p:spPr>
           <a:xfrm>
             <a:off x="276225" y="190500"/>
-            <a:ext cx="4419600" cy="369332"/>
+            <a:ext cx="4419600" cy="646331"/>
           </a:xfrm>
           <a:prstGeom prst="rect">
             <a:avLst/>
@@ -5973,7 +7183,7 @@
           <a:p>
             <a:r>
               <a:rPr lang="en-US" b="1" dirty="0"/>
-              <a:t>Visualization</a:t>
+              <a:t>Element #1: Map to Showcase EV Popularity and Charging Station availability</a:t>
             </a:r>
             <a:endParaRPr lang="en-CA" b="1" dirty="0"/>
           </a:p>
@@ -5993,8 +7203,8 @@
         </p:nvSpPr>
         <p:spPr>
           <a:xfrm>
-            <a:off x="1057275" y="1657350"/>
-            <a:ext cx="10039350" cy="3810000"/>
+            <a:off x="4360266" y="3217702"/>
+            <a:ext cx="2742938" cy="1379465"/>
           </a:xfrm>
           <a:prstGeom prst="roundRect">
             <a:avLst/>
@@ -6021,60 +7231,145 @@
           <a:lstStyle/>
           <a:p>
             <a:pPr algn="ctr"/>
-            <a:endParaRPr lang="en-CA"/>
-          </a:p>
-        </p:txBody>
-      </p:sp>
-      <p:sp>
-        <p:nvSpPr>
-          <p:cNvPr id="6" name="TextBox 5">
-            <a:extLst>
-              <a:ext uri="{FF2B5EF4-FFF2-40B4-BE49-F238E27FC236}">
-                <a16:creationId xmlns:a16="http://schemas.microsoft.com/office/drawing/2014/main" id="{1601EF10-1DC4-BE79-F9DF-D61C4A15E608}"/>
-              </a:ext>
-            </a:extLst>
-          </p:cNvPr>
-          <p:cNvSpPr txBox="1"/>
+            <a:r>
+              <a:rPr lang="en-US" dirty="0"/>
+              <a:t>MAP</a:t>
+            </a:r>
+            <a:endParaRPr lang="en-CA" dirty="0"/>
+          </a:p>
+        </p:txBody>
+      </p:sp>
+      <p:sp>
+        <p:nvSpPr>
+          <p:cNvPr id="7" name="Rectangle 6">
+            <a:extLst>
+              <a:ext uri="{FF2B5EF4-FFF2-40B4-BE49-F238E27FC236}">
+                <a16:creationId xmlns:a16="http://schemas.microsoft.com/office/drawing/2014/main" id="{9640C3EB-35EE-C99A-D17A-F2DFC9EB464A}"/>
+              </a:ext>
+            </a:extLst>
+          </p:cNvPr>
+          <p:cNvSpPr/>
           <p:nvPr/>
         </p:nvSpPr>
         <p:spPr>
           <a:xfrm>
-            <a:off x="1457325" y="1743075"/>
-            <a:ext cx="1419225" cy="369332"/>
+            <a:off x="5004760" y="1828801"/>
+            <a:ext cx="1453949" cy="885040"/>
           </a:xfrm>
           <a:prstGeom prst="rect">
             <a:avLst/>
           </a:prstGeom>
-          <a:noFill/>
+          <a:solidFill>
+            <a:schemeClr val="accent2"/>
+          </a:solidFill>
         </p:spPr>
-        <p:txBody>
-          <a:bodyPr wrap="square" rtlCol="0">
-            <a:spAutoFit/>
-          </a:bodyPr>
-          <a:lstStyle/>
-          <a:p>
-            <a:r>
-              <a:rPr lang="en-US" dirty="0">
-                <a:solidFill>
-                  <a:schemeClr val="bg1"/>
-                </a:solidFill>
-              </a:rPr>
-              <a:t>Map</a:t>
-            </a:r>
-            <a:endParaRPr lang="en-CA" dirty="0">
-              <a:solidFill>
-                <a:schemeClr val="bg1"/>
-              </a:solidFill>
-            </a:endParaRPr>
-          </a:p>
-        </p:txBody>
-      </p:sp>
-      <p:sp>
-        <p:nvSpPr>
-          <p:cNvPr id="7" name="Rectangle 6">
-            <a:extLst>
-              <a:ext uri="{FF2B5EF4-FFF2-40B4-BE49-F238E27FC236}">
-                <a16:creationId xmlns:a16="http://schemas.microsoft.com/office/drawing/2014/main" id="{9640C3EB-35EE-C99A-D17A-F2DFC9EB464A}"/>
+        <p:style>
+          <a:lnRef idx="2">
+            <a:schemeClr val="accent1">
+              <a:shade val="50000"/>
+            </a:schemeClr>
+          </a:lnRef>
+          <a:fillRef idx="1">
+            <a:schemeClr val="accent1"/>
+          </a:fillRef>
+          <a:effectRef idx="0">
+            <a:schemeClr val="accent1"/>
+          </a:effectRef>
+          <a:fontRef idx="minor">
+            <a:schemeClr val="lt1"/>
+          </a:fontRef>
+        </p:style>
+        <p:txBody>
+          <a:bodyPr rtlCol="0" anchor="ctr"/>
+          <a:lstStyle/>
+          <a:p>
+            <a:pPr algn="ctr"/>
+            <a:r>
+              <a:rPr lang="en-US" sz="1100" dirty="0"/>
+              <a:t>Dropdown Menu: </a:t>
+            </a:r>
+          </a:p>
+          <a:p>
+            <a:pPr marL="285750" indent="-285750" algn="ctr">
+              <a:buFont typeface="Wingdings" panose="05000000000000000000" pitchFamily="2" charset="2"/>
+              <a:buChar char="q"/>
+            </a:pPr>
+            <a:r>
+              <a:rPr lang="en-US" sz="1100" dirty="0"/>
+              <a:t>EV Popularity</a:t>
+            </a:r>
+          </a:p>
+          <a:p>
+            <a:pPr marL="285750" indent="-285750" algn="ctr">
+              <a:buFont typeface="Wingdings" panose="05000000000000000000" pitchFamily="2" charset="2"/>
+              <a:buChar char="q"/>
+            </a:pPr>
+            <a:r>
+              <a:rPr lang="en-US" sz="1100" dirty="0"/>
+              <a:t>Charging Station</a:t>
+            </a:r>
+          </a:p>
+          <a:p>
+            <a:pPr marL="285750" indent="-285750" algn="ctr">
+              <a:buFont typeface="Wingdings" panose="05000000000000000000" pitchFamily="2" charset="2"/>
+              <a:buChar char="q"/>
+            </a:pPr>
+            <a:r>
+              <a:rPr lang="en-CA" sz="1100" dirty="0"/>
+              <a:t>Gov. Affiliation</a:t>
+            </a:r>
+          </a:p>
+        </p:txBody>
+      </p:sp>
+      <p:cxnSp>
+        <p:nvCxnSpPr>
+          <p:cNvPr id="3" name="Straight Arrow Connector 2">
+            <a:extLst>
+              <a:ext uri="{FF2B5EF4-FFF2-40B4-BE49-F238E27FC236}">
+                <a16:creationId xmlns:a16="http://schemas.microsoft.com/office/drawing/2014/main" id="{B49E682D-2F67-B00D-0659-6A88B2DB295A}"/>
+              </a:ext>
+            </a:extLst>
+          </p:cNvPr>
+          <p:cNvCxnSpPr>
+            <a:cxnSpLocks/>
+            <a:stCxn id="7" idx="2"/>
+            <a:endCxn id="5" idx="0"/>
+          </p:cNvCxnSpPr>
+          <p:nvPr/>
+        </p:nvCxnSpPr>
+        <p:spPr>
+          <a:xfrm>
+            <a:off x="5731735" y="2713841"/>
+            <a:ext cx="0" cy="503861"/>
+          </a:xfrm>
+          <a:prstGeom prst="straightConnector1">
+            <a:avLst/>
+          </a:prstGeom>
+          <a:ln>
+            <a:tailEnd type="triangle"/>
+          </a:ln>
+        </p:spPr>
+        <p:style>
+          <a:lnRef idx="1">
+            <a:schemeClr val="accent1"/>
+          </a:lnRef>
+          <a:fillRef idx="0">
+            <a:schemeClr val="accent1"/>
+          </a:fillRef>
+          <a:effectRef idx="0">
+            <a:schemeClr val="accent1"/>
+          </a:effectRef>
+          <a:fontRef idx="minor">
+            <a:schemeClr val="tx1"/>
+          </a:fontRef>
+        </p:style>
+      </p:cxnSp>
+      <p:sp>
+        <p:nvSpPr>
+          <p:cNvPr id="8" name="Rectangle: Rounded Corners 7">
+            <a:extLst>
+              <a:ext uri="{FF2B5EF4-FFF2-40B4-BE49-F238E27FC236}">
+                <a16:creationId xmlns:a16="http://schemas.microsoft.com/office/drawing/2014/main" id="{30D8D1F1-A6B4-A291-CFB6-F2743AF1AFBB}"/>
               </a:ext>
             </a:extLst>
           </p:cNvPr>
@@ -6083,10 +7378,10 @@
         </p:nvSpPr>
         <p:spPr>
           <a:xfrm>
-            <a:off x="7924800" y="457200"/>
-            <a:ext cx="3100388" cy="1085850"/>
+            <a:off x="486561" y="1258349"/>
+            <a:ext cx="922789" cy="570452"/>
           </a:xfrm>
-          <a:prstGeom prst="rect">
+          <a:prstGeom prst="roundRect">
             <a:avLst/>
           </a:prstGeom>
         </p:spPr>
@@ -6112,39 +7407,405 @@
           <a:p>
             <a:pPr algn="ctr"/>
             <a:r>
+              <a:rPr lang="en-US" sz="800" dirty="0"/>
+              <a:t>Dataset on EV popularity</a:t>
+            </a:r>
+            <a:endParaRPr lang="en-CA" sz="800" dirty="0"/>
+          </a:p>
+        </p:txBody>
+      </p:sp>
+      <p:sp>
+        <p:nvSpPr>
+          <p:cNvPr id="9" name="Rectangle: Rounded Corners 8">
+            <a:extLst>
+              <a:ext uri="{FF2B5EF4-FFF2-40B4-BE49-F238E27FC236}">
+                <a16:creationId xmlns:a16="http://schemas.microsoft.com/office/drawing/2014/main" id="{C69529B5-A8E8-5FE1-BE67-883411C0A4AC}"/>
+              </a:ext>
+            </a:extLst>
+          </p:cNvPr>
+          <p:cNvSpPr/>
+          <p:nvPr/>
+        </p:nvSpPr>
+        <p:spPr>
+          <a:xfrm>
+            <a:off x="486561" y="1965093"/>
+            <a:ext cx="922789" cy="570452"/>
+          </a:xfrm>
+          <a:prstGeom prst="roundRect">
+            <a:avLst/>
+          </a:prstGeom>
+        </p:spPr>
+        <p:style>
+          <a:lnRef idx="2">
+            <a:schemeClr val="accent1">
+              <a:shade val="50000"/>
+            </a:schemeClr>
+          </a:lnRef>
+          <a:fillRef idx="1">
+            <a:schemeClr val="accent1"/>
+          </a:fillRef>
+          <a:effectRef idx="0">
+            <a:schemeClr val="accent1"/>
+          </a:effectRef>
+          <a:fontRef idx="minor">
+            <a:schemeClr val="lt1"/>
+          </a:fontRef>
+        </p:style>
+        <p:txBody>
+          <a:bodyPr rtlCol="0" anchor="ctr"/>
+          <a:lstStyle/>
+          <a:p>
+            <a:pPr algn="ctr"/>
+            <a:r>
+              <a:rPr lang="en-US" sz="800" dirty="0"/>
+              <a:t>Dataset on Charging Station Location</a:t>
+            </a:r>
+            <a:endParaRPr lang="en-CA" sz="800" dirty="0"/>
+          </a:p>
+        </p:txBody>
+      </p:sp>
+      <p:sp>
+        <p:nvSpPr>
+          <p:cNvPr id="12" name="Rectangle: Rounded Corners 11">
+            <a:extLst>
+              <a:ext uri="{FF2B5EF4-FFF2-40B4-BE49-F238E27FC236}">
+                <a16:creationId xmlns:a16="http://schemas.microsoft.com/office/drawing/2014/main" id="{27D2992E-9064-0E18-69E2-233729B4AFEB}"/>
+              </a:ext>
+            </a:extLst>
+          </p:cNvPr>
+          <p:cNvSpPr/>
+          <p:nvPr/>
+        </p:nvSpPr>
+        <p:spPr>
+          <a:xfrm>
+            <a:off x="486561" y="2713841"/>
+            <a:ext cx="922789" cy="570452"/>
+          </a:xfrm>
+          <a:prstGeom prst="roundRect">
+            <a:avLst/>
+          </a:prstGeom>
+          <a:solidFill>
+            <a:schemeClr val="accent4">
+              <a:lumMod val="60000"/>
+              <a:lumOff val="40000"/>
+            </a:schemeClr>
+          </a:solidFill>
+        </p:spPr>
+        <p:style>
+          <a:lnRef idx="2">
+            <a:schemeClr val="accent1">
+              <a:shade val="50000"/>
+            </a:schemeClr>
+          </a:lnRef>
+          <a:fillRef idx="1">
+            <a:schemeClr val="accent1"/>
+          </a:fillRef>
+          <a:effectRef idx="0">
+            <a:schemeClr val="accent1"/>
+          </a:effectRef>
+          <a:fontRef idx="minor">
+            <a:schemeClr val="lt1"/>
+          </a:fontRef>
+        </p:style>
+        <p:txBody>
+          <a:bodyPr rtlCol="0" anchor="ctr"/>
+          <a:lstStyle/>
+          <a:p>
+            <a:pPr algn="ctr"/>
+            <a:r>
+              <a:rPr lang="en-US" sz="800" dirty="0">
+                <a:solidFill>
+                  <a:schemeClr val="tx1"/>
+                </a:solidFill>
+              </a:rPr>
+              <a:t>HTML</a:t>
+            </a:r>
+            <a:endParaRPr lang="en-CA" sz="800" dirty="0">
+              <a:solidFill>
+                <a:schemeClr val="tx1"/>
+              </a:solidFill>
+            </a:endParaRPr>
+          </a:p>
+        </p:txBody>
+      </p:sp>
+      <p:sp>
+        <p:nvSpPr>
+          <p:cNvPr id="13" name="Rectangle: Rounded Corners 12">
+            <a:extLst>
+              <a:ext uri="{FF2B5EF4-FFF2-40B4-BE49-F238E27FC236}">
+                <a16:creationId xmlns:a16="http://schemas.microsoft.com/office/drawing/2014/main" id="{45C3BD42-E2BC-DCCD-73BE-1935BA48CA49}"/>
+              </a:ext>
+            </a:extLst>
+          </p:cNvPr>
+          <p:cNvSpPr/>
+          <p:nvPr/>
+        </p:nvSpPr>
+        <p:spPr>
+          <a:xfrm>
+            <a:off x="486561" y="3481429"/>
+            <a:ext cx="922789" cy="570452"/>
+          </a:xfrm>
+          <a:prstGeom prst="roundRect">
+            <a:avLst/>
+          </a:prstGeom>
+          <a:solidFill>
+            <a:schemeClr val="accent4">
+              <a:lumMod val="60000"/>
+              <a:lumOff val="40000"/>
+            </a:schemeClr>
+          </a:solidFill>
+        </p:spPr>
+        <p:style>
+          <a:lnRef idx="2">
+            <a:schemeClr val="accent1">
+              <a:shade val="50000"/>
+            </a:schemeClr>
+          </a:lnRef>
+          <a:fillRef idx="1">
+            <a:schemeClr val="accent1"/>
+          </a:fillRef>
+          <a:effectRef idx="0">
+            <a:schemeClr val="accent1"/>
+          </a:effectRef>
+          <a:fontRef idx="minor">
+            <a:schemeClr val="lt1"/>
+          </a:fontRef>
+        </p:style>
+        <p:txBody>
+          <a:bodyPr rtlCol="0" anchor="ctr"/>
+          <a:lstStyle/>
+          <a:p>
+            <a:pPr algn="ctr"/>
+            <a:r>
+              <a:rPr lang="en-US" sz="800" dirty="0" err="1">
+                <a:solidFill>
+                  <a:schemeClr val="tx1"/>
+                </a:solidFill>
+              </a:rPr>
+              <a:t>Javascript</a:t>
+            </a:r>
+            <a:endParaRPr lang="en-CA" sz="800" dirty="0">
+              <a:solidFill>
+                <a:schemeClr val="tx1"/>
+              </a:solidFill>
+            </a:endParaRPr>
+          </a:p>
+        </p:txBody>
+      </p:sp>
+      <p:sp>
+        <p:nvSpPr>
+          <p:cNvPr id="14" name="Rectangle: Rounded Corners 13">
+            <a:extLst>
+              <a:ext uri="{FF2B5EF4-FFF2-40B4-BE49-F238E27FC236}">
+                <a16:creationId xmlns:a16="http://schemas.microsoft.com/office/drawing/2014/main" id="{6F4C5F6C-F741-3A03-5F53-693D3A46CC6F}"/>
+              </a:ext>
+            </a:extLst>
+          </p:cNvPr>
+          <p:cNvSpPr/>
+          <p:nvPr/>
+        </p:nvSpPr>
+        <p:spPr>
+          <a:xfrm>
+            <a:off x="486561" y="4249017"/>
+            <a:ext cx="922789" cy="570452"/>
+          </a:xfrm>
+          <a:prstGeom prst="roundRect">
+            <a:avLst/>
+          </a:prstGeom>
+          <a:solidFill>
+            <a:schemeClr val="accent4">
+              <a:lumMod val="60000"/>
+              <a:lumOff val="40000"/>
+            </a:schemeClr>
+          </a:solidFill>
+        </p:spPr>
+        <p:style>
+          <a:lnRef idx="2">
+            <a:schemeClr val="accent1">
+              <a:shade val="50000"/>
+            </a:schemeClr>
+          </a:lnRef>
+          <a:fillRef idx="1">
+            <a:schemeClr val="accent1"/>
+          </a:fillRef>
+          <a:effectRef idx="0">
+            <a:schemeClr val="accent1"/>
+          </a:effectRef>
+          <a:fontRef idx="minor">
+            <a:schemeClr val="lt1"/>
+          </a:fontRef>
+        </p:style>
+        <p:txBody>
+          <a:bodyPr rtlCol="0" anchor="ctr"/>
+          <a:lstStyle/>
+          <a:p>
+            <a:pPr algn="ctr"/>
+            <a:r>
+              <a:rPr lang="en-US" sz="800" dirty="0">
+                <a:solidFill>
+                  <a:schemeClr val="tx1"/>
+                </a:solidFill>
+              </a:rPr>
+              <a:t>Use a library that we haven’t used before</a:t>
+            </a:r>
+            <a:endParaRPr lang="en-CA" sz="800" dirty="0">
+              <a:solidFill>
+                <a:schemeClr val="tx1"/>
+              </a:solidFill>
+            </a:endParaRPr>
+          </a:p>
+        </p:txBody>
+      </p:sp>
+      <p:sp>
+        <p:nvSpPr>
+          <p:cNvPr id="15" name="Rectangle: Rounded Corners 14">
+            <a:extLst>
+              <a:ext uri="{FF2B5EF4-FFF2-40B4-BE49-F238E27FC236}">
+                <a16:creationId xmlns:a16="http://schemas.microsoft.com/office/drawing/2014/main" id="{70AF83CD-AEFA-1CB6-EBF7-32D60E5CFCD7}"/>
+              </a:ext>
+            </a:extLst>
+          </p:cNvPr>
+          <p:cNvSpPr/>
+          <p:nvPr/>
+        </p:nvSpPr>
+        <p:spPr>
+          <a:xfrm>
+            <a:off x="486561" y="5029199"/>
+            <a:ext cx="922789" cy="570452"/>
+          </a:xfrm>
+          <a:prstGeom prst="roundRect">
+            <a:avLst/>
+          </a:prstGeom>
+          <a:solidFill>
+            <a:schemeClr val="accent4">
+              <a:lumMod val="60000"/>
+              <a:lumOff val="40000"/>
+            </a:schemeClr>
+          </a:solidFill>
+        </p:spPr>
+        <p:style>
+          <a:lnRef idx="2">
+            <a:schemeClr val="accent1">
+              <a:shade val="50000"/>
+            </a:schemeClr>
+          </a:lnRef>
+          <a:fillRef idx="1">
+            <a:schemeClr val="accent1"/>
+          </a:fillRef>
+          <a:effectRef idx="0">
+            <a:schemeClr val="accent1"/>
+          </a:effectRef>
+          <a:fontRef idx="minor">
+            <a:schemeClr val="lt1"/>
+          </a:fontRef>
+        </p:style>
+        <p:txBody>
+          <a:bodyPr rtlCol="0" anchor="ctr"/>
+          <a:lstStyle/>
+          <a:p>
+            <a:pPr algn="ctr"/>
+            <a:r>
+              <a:rPr lang="en-US" sz="800" dirty="0">
+                <a:solidFill>
+                  <a:schemeClr val="tx1"/>
+                </a:solidFill>
+              </a:rPr>
+              <a:t>Python</a:t>
+            </a:r>
+            <a:endParaRPr lang="en-CA" sz="800" dirty="0">
+              <a:solidFill>
+                <a:schemeClr val="tx1"/>
+              </a:solidFill>
+            </a:endParaRPr>
+          </a:p>
+        </p:txBody>
+      </p:sp>
+      <p:sp>
+        <p:nvSpPr>
+          <p:cNvPr id="16" name="Rectangle: Rounded Corners 15">
+            <a:extLst>
+              <a:ext uri="{FF2B5EF4-FFF2-40B4-BE49-F238E27FC236}">
+                <a16:creationId xmlns:a16="http://schemas.microsoft.com/office/drawing/2014/main" id="{D2D5B06B-0A6A-3EFB-0AA4-1922DC2B4E9E}"/>
+              </a:ext>
+            </a:extLst>
+          </p:cNvPr>
+          <p:cNvSpPr/>
+          <p:nvPr/>
+        </p:nvSpPr>
+        <p:spPr>
+          <a:xfrm>
+            <a:off x="1753298" y="1248926"/>
+            <a:ext cx="922789" cy="570452"/>
+          </a:xfrm>
+          <a:prstGeom prst="roundRect">
+            <a:avLst/>
+          </a:prstGeom>
+          <a:solidFill>
+            <a:srgbClr val="FF0000"/>
+          </a:solidFill>
+        </p:spPr>
+        <p:style>
+          <a:lnRef idx="2">
+            <a:schemeClr val="accent1">
+              <a:shade val="50000"/>
+            </a:schemeClr>
+          </a:lnRef>
+          <a:fillRef idx="1">
+            <a:schemeClr val="accent1"/>
+          </a:fillRef>
+          <a:effectRef idx="0">
+            <a:schemeClr val="accent1"/>
+          </a:effectRef>
+          <a:fontRef idx="minor">
+            <a:schemeClr val="lt1"/>
+          </a:fontRef>
+        </p:style>
+        <p:txBody>
+          <a:bodyPr rtlCol="0" anchor="ctr"/>
+          <a:lstStyle/>
+          <a:p>
+            <a:pPr algn="ctr"/>
+            <a:r>
+              <a:rPr lang="en-US" sz="800" dirty="0"/>
+              <a:t>States by party affiliation</a:t>
+            </a:r>
+            <a:endParaRPr lang="en-CA" sz="800" dirty="0"/>
+          </a:p>
+        </p:txBody>
+      </p:sp>
+      <p:sp>
+        <p:nvSpPr>
+          <p:cNvPr id="17" name="TextBox 16">
+            <a:extLst>
+              <a:ext uri="{FF2B5EF4-FFF2-40B4-BE49-F238E27FC236}">
+                <a16:creationId xmlns:a16="http://schemas.microsoft.com/office/drawing/2014/main" id="{866AD6C0-01EA-270A-B252-D03C65C30EDA}"/>
+              </a:ext>
+            </a:extLst>
+          </p:cNvPr>
+          <p:cNvSpPr txBox="1"/>
+          <p:nvPr/>
+        </p:nvSpPr>
+        <p:spPr>
+          <a:xfrm>
+            <a:off x="9648736" y="6283253"/>
+            <a:ext cx="2272019" cy="369332"/>
+          </a:xfrm>
+          <a:prstGeom prst="rect">
+            <a:avLst/>
+          </a:prstGeom>
+          <a:noFill/>
+        </p:spPr>
+        <p:txBody>
+          <a:bodyPr wrap="square" rtlCol="0">
+            <a:spAutoFit/>
+          </a:bodyPr>
+          <a:lstStyle/>
+          <a:p>
+            <a:r>
               <a:rPr lang="en-US" dirty="0"/>
-              <a:t>Dropdown Menu: </a:t>
-            </a:r>
-          </a:p>
-          <a:p>
-            <a:pPr marL="285750" indent="-285750" algn="ctr">
-              <a:buFont typeface="Wingdings" panose="05000000000000000000" pitchFamily="2" charset="2"/>
-              <a:buChar char="q"/>
-            </a:pPr>
-            <a:r>
-              <a:rPr lang="en-US" dirty="0"/>
-              <a:t>EV Popularity</a:t>
-            </a:r>
-          </a:p>
-          <a:p>
-            <a:pPr marL="285750" indent="-285750" algn="ctr">
-              <a:buFont typeface="Wingdings" panose="05000000000000000000" pitchFamily="2" charset="2"/>
-              <a:buChar char="q"/>
-            </a:pPr>
-            <a:r>
-              <a:rPr lang="en-US" dirty="0"/>
-              <a:t>Charging Station</a:t>
-            </a:r>
-          </a:p>
-          <a:p>
-            <a:pPr marL="285750" indent="-285750" algn="ctr">
-              <a:buFont typeface="Wingdings" panose="05000000000000000000" pitchFamily="2" charset="2"/>
-              <a:buChar char="q"/>
-            </a:pPr>
-            <a:r>
-              <a:rPr lang="en-CA" dirty="0"/>
-              <a:t>Gov. Affiliation</a:t>
-            </a:r>
+              <a:t>Owner: Jason</a:t>
+            </a:r>
+            <a:endParaRPr lang="en-CA" dirty="0"/>
           </a:p>
         </p:txBody>
       </p:sp>
@@ -6183,7 +7844,7 @@
           <p:cNvPr id="4" name="TextBox 3">
             <a:extLst>
               <a:ext uri="{FF2B5EF4-FFF2-40B4-BE49-F238E27FC236}">
-                <a16:creationId xmlns:a16="http://schemas.microsoft.com/office/drawing/2014/main" id="{ED250A86-8B96-39D5-AF61-DCB7513C5CB9}"/>
+                <a16:creationId xmlns:a16="http://schemas.microsoft.com/office/drawing/2014/main" id="{261933CE-A51C-6E02-A062-145C846B3F56}"/>
               </a:ext>
             </a:extLst>
           </p:cNvPr>
@@ -6193,7 +7854,7 @@
         <p:spPr>
           <a:xfrm>
             <a:off x="276225" y="190500"/>
-            <a:ext cx="4419600" cy="369332"/>
+            <a:ext cx="4419600" cy="646331"/>
           </a:xfrm>
           <a:prstGeom prst="rect">
             <a:avLst/>
@@ -6208,7 +7869,7 @@
           <a:p>
             <a:r>
               <a:rPr lang="en-US" b="1" dirty="0"/>
-              <a:t>Visualization</a:t>
+              <a:t>Element #2: Showcase of Alternative Energy Strategies </a:t>
             </a:r>
             <a:endParaRPr lang="en-CA" b="1" dirty="0"/>
           </a:p>
@@ -6216,10 +7877,10 @@
       </p:sp>
       <p:sp>
         <p:nvSpPr>
-          <p:cNvPr id="5" name="Rectangle 4">
-            <a:extLst>
-              <a:ext uri="{FF2B5EF4-FFF2-40B4-BE49-F238E27FC236}">
-                <a16:creationId xmlns:a16="http://schemas.microsoft.com/office/drawing/2014/main" id="{A08FF419-642B-B012-1746-D690A8CAFB12}"/>
+          <p:cNvPr id="5" name="Rectangle: Rounded Corners 4">
+            <a:extLst>
+              <a:ext uri="{FF2B5EF4-FFF2-40B4-BE49-F238E27FC236}">
+                <a16:creationId xmlns:a16="http://schemas.microsoft.com/office/drawing/2014/main" id="{34B2EBA2-89A4-553B-D4D0-ECDCECD0D44A}"/>
               </a:ext>
             </a:extLst>
           </p:cNvPr>
@@ -6228,10 +7889,10 @@
         </p:nvSpPr>
         <p:spPr>
           <a:xfrm>
-            <a:off x="1514475" y="1676400"/>
-            <a:ext cx="8972550" cy="4886325"/>
+            <a:off x="2883802" y="3217702"/>
+            <a:ext cx="2742938" cy="1379465"/>
           </a:xfrm>
-          <a:prstGeom prst="rect">
+          <a:prstGeom prst="roundRect">
             <a:avLst/>
           </a:prstGeom>
         </p:spPr>
@@ -6258,7 +7919,7 @@
             <a:pPr algn="ctr"/>
             <a:r>
               <a:rPr lang="en-US" dirty="0"/>
-              <a:t>Line Graph</a:t>
+              <a:t>MAP</a:t>
             </a:r>
             <a:endParaRPr lang="en-CA" dirty="0"/>
           </a:p>
@@ -6266,10 +7927,10 @@
       </p:sp>
       <p:sp>
         <p:nvSpPr>
-          <p:cNvPr id="7" name="Rectangle 6">
-            <a:extLst>
-              <a:ext uri="{FF2B5EF4-FFF2-40B4-BE49-F238E27FC236}">
-                <a16:creationId xmlns:a16="http://schemas.microsoft.com/office/drawing/2014/main" id="{D8B3482D-4432-7DA0-C134-83184B5171D5}"/>
+          <p:cNvPr id="6" name="Rectangle 5">
+            <a:extLst>
+              <a:ext uri="{FF2B5EF4-FFF2-40B4-BE49-F238E27FC236}">
+                <a16:creationId xmlns:a16="http://schemas.microsoft.com/office/drawing/2014/main" id="{335FF9F7-3AC4-333D-C46E-2C2E8B0DAC83}"/>
               </a:ext>
             </a:extLst>
           </p:cNvPr>
@@ -6278,10 +7939,140 @@
         </p:nvSpPr>
         <p:spPr>
           <a:xfrm>
-            <a:off x="7915275" y="375166"/>
-            <a:ext cx="3100388" cy="1085850"/>
+            <a:off x="3566046" y="1908494"/>
+            <a:ext cx="1378449" cy="826317"/>
           </a:xfrm>
           <a:prstGeom prst="rect">
+            <a:avLst/>
+          </a:prstGeom>
+          <a:solidFill>
+            <a:schemeClr val="accent2"/>
+          </a:solidFill>
+        </p:spPr>
+        <p:style>
+          <a:lnRef idx="2">
+            <a:schemeClr val="accent1">
+              <a:shade val="50000"/>
+            </a:schemeClr>
+          </a:lnRef>
+          <a:fillRef idx="1">
+            <a:schemeClr val="accent1"/>
+          </a:fillRef>
+          <a:effectRef idx="0">
+            <a:schemeClr val="accent1"/>
+          </a:effectRef>
+          <a:fontRef idx="minor">
+            <a:schemeClr val="lt1"/>
+          </a:fontRef>
+        </p:style>
+        <p:txBody>
+          <a:bodyPr rtlCol="0" anchor="ctr"/>
+          <a:lstStyle/>
+          <a:p>
+            <a:pPr algn="ctr"/>
+            <a:r>
+              <a:rPr lang="en-US" sz="1100" dirty="0"/>
+              <a:t>Dropdown Menu: </a:t>
+            </a:r>
+          </a:p>
+          <a:p>
+            <a:pPr marL="171450" indent="-171450" algn="ctr">
+              <a:buFont typeface="Wingdings" panose="05000000000000000000" pitchFamily="2" charset="2"/>
+              <a:buChar char="q"/>
+            </a:pPr>
+            <a:r>
+              <a:rPr lang="en-US" sz="1100" dirty="0"/>
+              <a:t>Electric</a:t>
+            </a:r>
+          </a:p>
+          <a:p>
+            <a:pPr marL="171450" indent="-171450" algn="ctr">
+              <a:buFont typeface="Wingdings" panose="05000000000000000000" pitchFamily="2" charset="2"/>
+              <a:buChar char="q"/>
+            </a:pPr>
+            <a:r>
+              <a:rPr lang="en-US" sz="1100" dirty="0"/>
+              <a:t>Biodiesel</a:t>
+            </a:r>
+          </a:p>
+          <a:p>
+            <a:pPr marL="171450" indent="-171450" algn="ctr">
+              <a:buFont typeface="Wingdings" panose="05000000000000000000" pitchFamily="2" charset="2"/>
+              <a:buChar char="q"/>
+            </a:pPr>
+            <a:r>
+              <a:rPr lang="en-CA" sz="1100" dirty="0"/>
+              <a:t>CNG, </a:t>
+            </a:r>
+            <a:r>
+              <a:rPr lang="en-CA" sz="1100" dirty="0" err="1"/>
+              <a:t>etc</a:t>
+            </a:r>
+            <a:endParaRPr lang="en-CA" sz="1100" dirty="0"/>
+          </a:p>
+        </p:txBody>
+      </p:sp>
+      <p:cxnSp>
+        <p:nvCxnSpPr>
+          <p:cNvPr id="7" name="Straight Arrow Connector 6">
+            <a:extLst>
+              <a:ext uri="{FF2B5EF4-FFF2-40B4-BE49-F238E27FC236}">
+                <a16:creationId xmlns:a16="http://schemas.microsoft.com/office/drawing/2014/main" id="{9501CEAC-7B51-8C75-7ED2-7E0CB7CBFDBD}"/>
+              </a:ext>
+            </a:extLst>
+          </p:cNvPr>
+          <p:cNvCxnSpPr>
+            <a:cxnSpLocks/>
+            <a:stCxn id="6" idx="2"/>
+            <a:endCxn id="5" idx="0"/>
+          </p:cNvCxnSpPr>
+          <p:nvPr/>
+        </p:nvCxnSpPr>
+        <p:spPr>
+          <a:xfrm>
+            <a:off x="4255271" y="2734811"/>
+            <a:ext cx="0" cy="482891"/>
+          </a:xfrm>
+          <a:prstGeom prst="straightConnector1">
+            <a:avLst/>
+          </a:prstGeom>
+          <a:ln>
+            <a:tailEnd type="triangle"/>
+          </a:ln>
+        </p:spPr>
+        <p:style>
+          <a:lnRef idx="1">
+            <a:schemeClr val="accent1"/>
+          </a:lnRef>
+          <a:fillRef idx="0">
+            <a:schemeClr val="accent1"/>
+          </a:fillRef>
+          <a:effectRef idx="0">
+            <a:schemeClr val="accent1"/>
+          </a:effectRef>
+          <a:fontRef idx="minor">
+            <a:schemeClr val="tx1"/>
+          </a:fontRef>
+        </p:style>
+      </p:cxnSp>
+      <p:sp>
+        <p:nvSpPr>
+          <p:cNvPr id="11" name="Rectangle: Rounded Corners 10">
+            <a:extLst>
+              <a:ext uri="{FF2B5EF4-FFF2-40B4-BE49-F238E27FC236}">
+                <a16:creationId xmlns:a16="http://schemas.microsoft.com/office/drawing/2014/main" id="{CB32E7A6-899E-DFE9-89FB-03843C6B807D}"/>
+              </a:ext>
+            </a:extLst>
+          </p:cNvPr>
+          <p:cNvSpPr/>
+          <p:nvPr/>
+        </p:nvSpPr>
+        <p:spPr>
+          <a:xfrm>
+            <a:off x="503339" y="1554033"/>
+            <a:ext cx="922789" cy="570452"/>
+          </a:xfrm>
+          <a:prstGeom prst="roundRect">
             <a:avLst/>
           </a:prstGeom>
         </p:spPr>
@@ -6307,46 +8098,603 @@
           <a:p>
             <a:pPr algn="ctr"/>
             <a:r>
+              <a:rPr lang="en-US" sz="800" dirty="0"/>
+              <a:t>Dataset with Count of stations per State</a:t>
+            </a:r>
+            <a:endParaRPr lang="en-CA" sz="800" dirty="0"/>
+          </a:p>
+        </p:txBody>
+      </p:sp>
+      <p:sp>
+        <p:nvSpPr>
+          <p:cNvPr id="12" name="Rectangle: Rounded Corners 11">
+            <a:extLst>
+              <a:ext uri="{FF2B5EF4-FFF2-40B4-BE49-F238E27FC236}">
+                <a16:creationId xmlns:a16="http://schemas.microsoft.com/office/drawing/2014/main" id="{1ADDF833-A2FC-E446-7059-1F3835E7B014}"/>
+              </a:ext>
+            </a:extLst>
+          </p:cNvPr>
+          <p:cNvSpPr/>
+          <p:nvPr/>
+        </p:nvSpPr>
+        <p:spPr>
+          <a:xfrm>
+            <a:off x="503339" y="2405804"/>
+            <a:ext cx="922789" cy="570452"/>
+          </a:xfrm>
+          <a:prstGeom prst="roundRect">
+            <a:avLst/>
+          </a:prstGeom>
+        </p:spPr>
+        <p:style>
+          <a:lnRef idx="2">
+            <a:schemeClr val="accent1">
+              <a:shade val="50000"/>
+            </a:schemeClr>
+          </a:lnRef>
+          <a:fillRef idx="1">
+            <a:schemeClr val="accent1"/>
+          </a:fillRef>
+          <a:effectRef idx="0">
+            <a:schemeClr val="accent1"/>
+          </a:effectRef>
+          <a:fontRef idx="minor">
+            <a:schemeClr val="lt1"/>
+          </a:fontRef>
+        </p:style>
+        <p:txBody>
+          <a:bodyPr rtlCol="0" anchor="ctr"/>
+          <a:lstStyle/>
+          <a:p>
+            <a:pPr algn="ctr"/>
+            <a:r>
+              <a:rPr lang="en-US" sz="800" dirty="0"/>
+              <a:t>Dataset with History of stations per State from 2007-2021</a:t>
+            </a:r>
+            <a:endParaRPr lang="en-CA" sz="800" dirty="0"/>
+          </a:p>
+        </p:txBody>
+      </p:sp>
+      <p:sp>
+        <p:nvSpPr>
+          <p:cNvPr id="13" name="Rectangle: Rounded Corners 12">
+            <a:extLst>
+              <a:ext uri="{FF2B5EF4-FFF2-40B4-BE49-F238E27FC236}">
+                <a16:creationId xmlns:a16="http://schemas.microsoft.com/office/drawing/2014/main" id="{D17857D2-04C7-5676-C775-A82DEFA02617}"/>
+              </a:ext>
+            </a:extLst>
+          </p:cNvPr>
+          <p:cNvSpPr/>
+          <p:nvPr/>
+        </p:nvSpPr>
+        <p:spPr>
+          <a:xfrm>
+            <a:off x="503338" y="3222183"/>
+            <a:ext cx="922789" cy="570452"/>
+          </a:xfrm>
+          <a:prstGeom prst="roundRect">
+            <a:avLst/>
+          </a:prstGeom>
+        </p:spPr>
+        <p:style>
+          <a:lnRef idx="2">
+            <a:schemeClr val="accent1">
+              <a:shade val="50000"/>
+            </a:schemeClr>
+          </a:lnRef>
+          <a:fillRef idx="1">
+            <a:schemeClr val="accent1"/>
+          </a:fillRef>
+          <a:effectRef idx="0">
+            <a:schemeClr val="accent1"/>
+          </a:effectRef>
+          <a:fontRef idx="minor">
+            <a:schemeClr val="lt1"/>
+          </a:fontRef>
+        </p:style>
+        <p:txBody>
+          <a:bodyPr rtlCol="0" anchor="ctr"/>
+          <a:lstStyle/>
+          <a:p>
+            <a:pPr algn="ctr"/>
+            <a:r>
+              <a:rPr lang="en-US" sz="700" dirty="0"/>
+              <a:t>Dataset with location of electric and alternative fuel charging locations</a:t>
+            </a:r>
+            <a:endParaRPr lang="en-CA" sz="700" dirty="0"/>
+          </a:p>
+        </p:txBody>
+      </p:sp>
+      <p:sp>
+        <p:nvSpPr>
+          <p:cNvPr id="14" name="Rectangle: Rounded Corners 13">
+            <a:extLst>
+              <a:ext uri="{FF2B5EF4-FFF2-40B4-BE49-F238E27FC236}">
+                <a16:creationId xmlns:a16="http://schemas.microsoft.com/office/drawing/2014/main" id="{0570CD95-1E8A-AF91-D5E1-0C52EDCA04E6}"/>
+              </a:ext>
+            </a:extLst>
+          </p:cNvPr>
+          <p:cNvSpPr/>
+          <p:nvPr/>
+        </p:nvSpPr>
+        <p:spPr>
+          <a:xfrm>
+            <a:off x="2883801" y="4908840"/>
+            <a:ext cx="2742938" cy="1379465"/>
+          </a:xfrm>
+          <a:prstGeom prst="roundRect">
+            <a:avLst/>
+          </a:prstGeom>
+        </p:spPr>
+        <p:style>
+          <a:lnRef idx="2">
+            <a:schemeClr val="accent1">
+              <a:shade val="50000"/>
+            </a:schemeClr>
+          </a:lnRef>
+          <a:fillRef idx="1">
+            <a:schemeClr val="accent1"/>
+          </a:fillRef>
+          <a:effectRef idx="0">
+            <a:schemeClr val="accent1"/>
+          </a:effectRef>
+          <a:fontRef idx="minor">
+            <a:schemeClr val="lt1"/>
+          </a:fontRef>
+        </p:style>
+        <p:txBody>
+          <a:bodyPr rtlCol="0" anchor="ctr"/>
+          <a:lstStyle/>
+          <a:p>
+            <a:pPr algn="ctr"/>
+            <a:r>
               <a:rPr lang="en-US" dirty="0"/>
-              <a:t>Dropdown Menu: </a:t>
-            </a:r>
-          </a:p>
-          <a:p>
-            <a:pPr marL="285750" indent="-285750" algn="ctr">
-              <a:buFont typeface="Wingdings" panose="05000000000000000000" pitchFamily="2" charset="2"/>
-              <a:buChar char="q"/>
-            </a:pPr>
+              <a:t>Graph</a:t>
+            </a:r>
+            <a:endParaRPr lang="en-CA" dirty="0"/>
+          </a:p>
+        </p:txBody>
+      </p:sp>
+      <p:sp>
+        <p:nvSpPr>
+          <p:cNvPr id="15" name="TextBox 14">
+            <a:extLst>
+              <a:ext uri="{FF2B5EF4-FFF2-40B4-BE49-F238E27FC236}">
+                <a16:creationId xmlns:a16="http://schemas.microsoft.com/office/drawing/2014/main" id="{5CD30A1F-B39E-781B-719C-D278748B8475}"/>
+              </a:ext>
+            </a:extLst>
+          </p:cNvPr>
+          <p:cNvSpPr txBox="1"/>
+          <p:nvPr/>
+        </p:nvSpPr>
+        <p:spPr>
+          <a:xfrm>
+            <a:off x="4061948" y="4568338"/>
+            <a:ext cx="386644" cy="369332"/>
+          </a:xfrm>
+          <a:prstGeom prst="rect">
+            <a:avLst/>
+          </a:prstGeom>
+          <a:noFill/>
+        </p:spPr>
+        <p:txBody>
+          <a:bodyPr wrap="none" rtlCol="0">
+            <a:spAutoFit/>
+          </a:bodyPr>
+          <a:lstStyle/>
+          <a:p>
             <a:r>
               <a:rPr lang="en-US" dirty="0"/>
-              <a:t>Sales Brand</a:t>
-            </a:r>
-          </a:p>
-          <a:p>
-            <a:pPr marL="285750" indent="-285750" algn="ctr">
-              <a:buFont typeface="Wingdings" panose="05000000000000000000" pitchFamily="2" charset="2"/>
-              <a:buChar char="q"/>
-            </a:pPr>
+              <a:t>or</a:t>
+            </a:r>
+            <a:endParaRPr lang="en-CA" dirty="0"/>
+          </a:p>
+        </p:txBody>
+      </p:sp>
+      <p:sp>
+        <p:nvSpPr>
+          <p:cNvPr id="16" name="Rectangle: Rounded Corners 15">
+            <a:extLst>
+              <a:ext uri="{FF2B5EF4-FFF2-40B4-BE49-F238E27FC236}">
+                <a16:creationId xmlns:a16="http://schemas.microsoft.com/office/drawing/2014/main" id="{C2ED548B-4208-A587-6F7B-D784F71663E3}"/>
+              </a:ext>
+            </a:extLst>
+          </p:cNvPr>
+          <p:cNvSpPr/>
+          <p:nvPr/>
+        </p:nvSpPr>
+        <p:spPr>
+          <a:xfrm>
+            <a:off x="6565262" y="3217702"/>
+            <a:ext cx="2742938" cy="1379465"/>
+          </a:xfrm>
+          <a:prstGeom prst="roundRect">
+            <a:avLst/>
+          </a:prstGeom>
+        </p:spPr>
+        <p:style>
+          <a:lnRef idx="2">
+            <a:schemeClr val="accent1">
+              <a:shade val="50000"/>
+            </a:schemeClr>
+          </a:lnRef>
+          <a:fillRef idx="1">
+            <a:schemeClr val="accent1"/>
+          </a:fillRef>
+          <a:effectRef idx="0">
+            <a:schemeClr val="accent1"/>
+          </a:effectRef>
+          <a:fontRef idx="minor">
+            <a:schemeClr val="lt1"/>
+          </a:fontRef>
+        </p:style>
+        <p:txBody>
+          <a:bodyPr rtlCol="0" anchor="ctr"/>
+          <a:lstStyle/>
+          <a:p>
+            <a:pPr algn="ctr"/>
             <a:r>
               <a:rPr lang="en-US" dirty="0"/>
-              <a:t>Most efficient</a:t>
-            </a:r>
-          </a:p>
-          <a:p>
-            <a:pPr marL="285750" indent="-285750" algn="ctr">
-              <a:buFont typeface="Wingdings" panose="05000000000000000000" pitchFamily="2" charset="2"/>
-              <a:buChar char="q"/>
-            </a:pPr>
+              <a:t>Graph</a:t>
+            </a:r>
+            <a:endParaRPr lang="en-CA" dirty="0"/>
+          </a:p>
+        </p:txBody>
+      </p:sp>
+      <p:sp>
+        <p:nvSpPr>
+          <p:cNvPr id="17" name="TextBox 16">
+            <a:extLst>
+              <a:ext uri="{FF2B5EF4-FFF2-40B4-BE49-F238E27FC236}">
+                <a16:creationId xmlns:a16="http://schemas.microsoft.com/office/drawing/2014/main" id="{28978AD7-7F08-74C8-FF24-6DC2A7C7ABA2}"/>
+              </a:ext>
+            </a:extLst>
+          </p:cNvPr>
+          <p:cNvSpPr txBox="1"/>
+          <p:nvPr/>
+        </p:nvSpPr>
+        <p:spPr>
+          <a:xfrm>
+            <a:off x="2625754" y="989901"/>
+            <a:ext cx="3246540" cy="646331"/>
+          </a:xfrm>
+          <a:prstGeom prst="rect">
+            <a:avLst/>
+          </a:prstGeom>
+          <a:noFill/>
+        </p:spPr>
+        <p:txBody>
+          <a:bodyPr wrap="square" rtlCol="0">
+            <a:spAutoFit/>
+          </a:bodyPr>
+          <a:lstStyle/>
+          <a:p>
             <a:r>
               <a:rPr lang="en-US" dirty="0"/>
-              <a:t>Longest Range</a:t>
-            </a:r>
+              <a:t>1. Map of alternative fuel station locations</a:t>
+            </a:r>
+            <a:endParaRPr lang="en-CA" dirty="0"/>
+          </a:p>
+        </p:txBody>
+      </p:sp>
+      <p:sp>
+        <p:nvSpPr>
+          <p:cNvPr id="18" name="TextBox 17">
+            <a:extLst>
+              <a:ext uri="{FF2B5EF4-FFF2-40B4-BE49-F238E27FC236}">
+                <a16:creationId xmlns:a16="http://schemas.microsoft.com/office/drawing/2014/main" id="{C50B6DCD-2BB6-0874-D40F-634AAC4C1BF1}"/>
+              </a:ext>
+            </a:extLst>
+          </p:cNvPr>
+          <p:cNvSpPr txBox="1"/>
+          <p:nvPr/>
+        </p:nvSpPr>
+        <p:spPr>
+          <a:xfrm>
+            <a:off x="6309043" y="907702"/>
+            <a:ext cx="3246540" cy="646331"/>
+          </a:xfrm>
+          <a:prstGeom prst="rect">
+            <a:avLst/>
+          </a:prstGeom>
+          <a:noFill/>
+        </p:spPr>
+        <p:txBody>
+          <a:bodyPr wrap="square" rtlCol="0">
+            <a:spAutoFit/>
+          </a:bodyPr>
+          <a:lstStyle/>
+          <a:p>
+            <a:r>
+              <a:rPr lang="en-US" dirty="0"/>
+              <a:t>2. Graph to showcase the impact of the alternative fuel</a:t>
+            </a:r>
+            <a:endParaRPr lang="en-CA" dirty="0"/>
+          </a:p>
+        </p:txBody>
+      </p:sp>
+      <p:sp>
+        <p:nvSpPr>
+          <p:cNvPr id="19" name="Rectangle: Rounded Corners 18">
+            <a:extLst>
+              <a:ext uri="{FF2B5EF4-FFF2-40B4-BE49-F238E27FC236}">
+                <a16:creationId xmlns:a16="http://schemas.microsoft.com/office/drawing/2014/main" id="{1948F0FD-5A67-6F19-3F3A-947EEE1128F1}"/>
+              </a:ext>
+            </a:extLst>
+          </p:cNvPr>
+          <p:cNvSpPr/>
+          <p:nvPr/>
+        </p:nvSpPr>
+        <p:spPr>
+          <a:xfrm>
+            <a:off x="10588305" y="1579579"/>
+            <a:ext cx="922789" cy="570452"/>
+          </a:xfrm>
+          <a:prstGeom prst="roundRect">
+            <a:avLst/>
+          </a:prstGeom>
+        </p:spPr>
+        <p:style>
+          <a:lnRef idx="2">
+            <a:schemeClr val="accent1">
+              <a:shade val="50000"/>
+            </a:schemeClr>
+          </a:lnRef>
+          <a:fillRef idx="1">
+            <a:schemeClr val="accent1"/>
+          </a:fillRef>
+          <a:effectRef idx="0">
+            <a:schemeClr val="accent1"/>
+          </a:effectRef>
+          <a:fontRef idx="minor">
+            <a:schemeClr val="lt1"/>
+          </a:fontRef>
+        </p:style>
+        <p:txBody>
+          <a:bodyPr rtlCol="0" anchor="ctr"/>
+          <a:lstStyle/>
+          <a:p>
+            <a:pPr algn="ctr"/>
+            <a:r>
+              <a:rPr lang="en-US" sz="800" dirty="0"/>
+              <a:t>Dataset with Barrel of fuel used per year</a:t>
+            </a:r>
+            <a:endParaRPr lang="en-CA" sz="800" dirty="0"/>
+          </a:p>
+        </p:txBody>
+      </p:sp>
+      <p:sp>
+        <p:nvSpPr>
+          <p:cNvPr id="23" name="Rectangle: Rounded Corners 22">
+            <a:extLst>
+              <a:ext uri="{FF2B5EF4-FFF2-40B4-BE49-F238E27FC236}">
+                <a16:creationId xmlns:a16="http://schemas.microsoft.com/office/drawing/2014/main" id="{3C46D4C0-3674-0F2A-05DD-28DFC9D392F0}"/>
+              </a:ext>
+            </a:extLst>
+          </p:cNvPr>
+          <p:cNvSpPr/>
+          <p:nvPr/>
+        </p:nvSpPr>
+        <p:spPr>
+          <a:xfrm>
+            <a:off x="545944" y="5712801"/>
+            <a:ext cx="922789" cy="570452"/>
+          </a:xfrm>
+          <a:prstGeom prst="roundRect">
+            <a:avLst/>
+          </a:prstGeom>
+          <a:solidFill>
+            <a:schemeClr val="accent4">
+              <a:lumMod val="60000"/>
+              <a:lumOff val="40000"/>
+            </a:schemeClr>
+          </a:solidFill>
+        </p:spPr>
+        <p:style>
+          <a:lnRef idx="2">
+            <a:schemeClr val="accent1">
+              <a:shade val="50000"/>
+            </a:schemeClr>
+          </a:lnRef>
+          <a:fillRef idx="1">
+            <a:schemeClr val="accent1"/>
+          </a:fillRef>
+          <a:effectRef idx="0">
+            <a:schemeClr val="accent1"/>
+          </a:effectRef>
+          <a:fontRef idx="minor">
+            <a:schemeClr val="lt1"/>
+          </a:fontRef>
+        </p:style>
+        <p:txBody>
+          <a:bodyPr rtlCol="0" anchor="ctr"/>
+          <a:lstStyle/>
+          <a:p>
+            <a:pPr algn="ctr"/>
+            <a:r>
+              <a:rPr lang="en-US" sz="800" dirty="0">
+                <a:solidFill>
+                  <a:schemeClr val="tx1"/>
+                </a:solidFill>
+              </a:rPr>
+              <a:t>Python</a:t>
+            </a:r>
+            <a:endParaRPr lang="en-CA" sz="800" dirty="0">
+              <a:solidFill>
+                <a:schemeClr val="tx1"/>
+              </a:solidFill>
+            </a:endParaRPr>
+          </a:p>
+        </p:txBody>
+      </p:sp>
+      <p:sp>
+        <p:nvSpPr>
+          <p:cNvPr id="24" name="Rectangle: Rounded Corners 23">
+            <a:extLst>
+              <a:ext uri="{FF2B5EF4-FFF2-40B4-BE49-F238E27FC236}">
+                <a16:creationId xmlns:a16="http://schemas.microsoft.com/office/drawing/2014/main" id="{E858A78B-A8F4-0896-B2B2-EA17E3A745E5}"/>
+              </a:ext>
+            </a:extLst>
+          </p:cNvPr>
+          <p:cNvSpPr/>
+          <p:nvPr/>
+        </p:nvSpPr>
+        <p:spPr>
+          <a:xfrm>
+            <a:off x="545944" y="4073954"/>
+            <a:ext cx="922789" cy="570452"/>
+          </a:xfrm>
+          <a:prstGeom prst="roundRect">
+            <a:avLst/>
+          </a:prstGeom>
+          <a:solidFill>
+            <a:schemeClr val="accent4">
+              <a:lumMod val="60000"/>
+              <a:lumOff val="40000"/>
+            </a:schemeClr>
+          </a:solidFill>
+        </p:spPr>
+        <p:style>
+          <a:lnRef idx="2">
+            <a:schemeClr val="accent1">
+              <a:shade val="50000"/>
+            </a:schemeClr>
+          </a:lnRef>
+          <a:fillRef idx="1">
+            <a:schemeClr val="accent1"/>
+          </a:fillRef>
+          <a:effectRef idx="0">
+            <a:schemeClr val="accent1"/>
+          </a:effectRef>
+          <a:fontRef idx="minor">
+            <a:schemeClr val="lt1"/>
+          </a:fontRef>
+        </p:style>
+        <p:txBody>
+          <a:bodyPr rtlCol="0" anchor="ctr"/>
+          <a:lstStyle/>
+          <a:p>
+            <a:pPr algn="ctr"/>
+            <a:r>
+              <a:rPr lang="en-US" sz="800" dirty="0">
+                <a:solidFill>
+                  <a:schemeClr val="tx1"/>
+                </a:solidFill>
+              </a:rPr>
+              <a:t>HTML</a:t>
+            </a:r>
+            <a:endParaRPr lang="en-CA" sz="800" dirty="0">
+              <a:solidFill>
+                <a:schemeClr val="tx1"/>
+              </a:solidFill>
+            </a:endParaRPr>
+          </a:p>
+        </p:txBody>
+      </p:sp>
+      <p:sp>
+        <p:nvSpPr>
+          <p:cNvPr id="25" name="Rectangle: Rounded Corners 24">
+            <a:extLst>
+              <a:ext uri="{FF2B5EF4-FFF2-40B4-BE49-F238E27FC236}">
+                <a16:creationId xmlns:a16="http://schemas.microsoft.com/office/drawing/2014/main" id="{5D88A9EE-7CFF-D3CA-7A79-CAA3486F51D6}"/>
+              </a:ext>
+            </a:extLst>
+          </p:cNvPr>
+          <p:cNvSpPr/>
+          <p:nvPr/>
+        </p:nvSpPr>
+        <p:spPr>
+          <a:xfrm>
+            <a:off x="545944" y="4841542"/>
+            <a:ext cx="922789" cy="570452"/>
+          </a:xfrm>
+          <a:prstGeom prst="roundRect">
+            <a:avLst/>
+          </a:prstGeom>
+          <a:solidFill>
+            <a:schemeClr val="accent4">
+              <a:lumMod val="60000"/>
+              <a:lumOff val="40000"/>
+            </a:schemeClr>
+          </a:solidFill>
+        </p:spPr>
+        <p:style>
+          <a:lnRef idx="2">
+            <a:schemeClr val="accent1">
+              <a:shade val="50000"/>
+            </a:schemeClr>
+          </a:lnRef>
+          <a:fillRef idx="1">
+            <a:schemeClr val="accent1"/>
+          </a:fillRef>
+          <a:effectRef idx="0">
+            <a:schemeClr val="accent1"/>
+          </a:effectRef>
+          <a:fontRef idx="minor">
+            <a:schemeClr val="lt1"/>
+          </a:fontRef>
+        </p:style>
+        <p:txBody>
+          <a:bodyPr rtlCol="0" anchor="ctr"/>
+          <a:lstStyle/>
+          <a:p>
+            <a:pPr algn="ctr"/>
+            <a:r>
+              <a:rPr lang="en-US" sz="800" dirty="0" err="1">
+                <a:solidFill>
+                  <a:schemeClr val="tx1"/>
+                </a:solidFill>
+              </a:rPr>
+              <a:t>Javascript</a:t>
+            </a:r>
+            <a:endParaRPr lang="en-CA" sz="800" dirty="0">
+              <a:solidFill>
+                <a:schemeClr val="tx1"/>
+              </a:solidFill>
+            </a:endParaRPr>
+          </a:p>
+        </p:txBody>
+      </p:sp>
+      <p:sp>
+        <p:nvSpPr>
+          <p:cNvPr id="26" name="TextBox 25">
+            <a:extLst>
+              <a:ext uri="{FF2B5EF4-FFF2-40B4-BE49-F238E27FC236}">
+                <a16:creationId xmlns:a16="http://schemas.microsoft.com/office/drawing/2014/main" id="{D2520A2F-714B-E2BF-75B8-DA81004D1E40}"/>
+              </a:ext>
+            </a:extLst>
+          </p:cNvPr>
+          <p:cNvSpPr txBox="1"/>
+          <p:nvPr/>
+        </p:nvSpPr>
+        <p:spPr>
+          <a:xfrm>
+            <a:off x="9648736" y="6283253"/>
+            <a:ext cx="2272019" cy="369332"/>
+          </a:xfrm>
+          <a:prstGeom prst="rect">
+            <a:avLst/>
+          </a:prstGeom>
+          <a:noFill/>
+        </p:spPr>
+        <p:txBody>
+          <a:bodyPr wrap="square" rtlCol="0">
+            <a:spAutoFit/>
+          </a:bodyPr>
+          <a:lstStyle/>
+          <a:p>
+            <a:r>
+              <a:rPr lang="en-US" dirty="0"/>
+              <a:t>Owner: Hardik</a:t>
+            </a:r>
+            <a:endParaRPr lang="en-CA" dirty="0"/>
           </a:p>
         </p:txBody>
       </p:sp>
     </p:spTree>
     <p:extLst>
       <p:ext uri="{BB962C8B-B14F-4D97-AF65-F5344CB8AC3E}">
-        <p14:creationId xmlns:p14="http://schemas.microsoft.com/office/powerpoint/2010/main" val="3530261524"/>
+        <p14:creationId xmlns:p14="http://schemas.microsoft.com/office/powerpoint/2010/main" val="28880585"/>
       </p:ext>
     </p:extLst>
   </p:cSld>
@@ -6375,10 +8723,10 @@
       </p:grpSpPr>
       <p:sp>
         <p:nvSpPr>
-          <p:cNvPr id="2" name="TextBox 1">
-            <a:extLst>
-              <a:ext uri="{FF2B5EF4-FFF2-40B4-BE49-F238E27FC236}">
-                <a16:creationId xmlns:a16="http://schemas.microsoft.com/office/drawing/2014/main" id="{596D8A42-D8F1-9788-766B-551F47534BCE}"/>
+          <p:cNvPr id="4" name="TextBox 3">
+            <a:extLst>
+              <a:ext uri="{FF2B5EF4-FFF2-40B4-BE49-F238E27FC236}">
+                <a16:creationId xmlns:a16="http://schemas.microsoft.com/office/drawing/2014/main" id="{80C6B818-9E2B-6701-DEB4-5440A367BDF1}"/>
               </a:ext>
             </a:extLst>
           </p:cNvPr>
@@ -6388,7 +8736,7 @@
         <p:spPr>
           <a:xfrm>
             <a:off x="276225" y="190500"/>
-            <a:ext cx="4419600" cy="369332"/>
+            <a:ext cx="4419600" cy="646331"/>
           </a:xfrm>
           <a:prstGeom prst="rect">
             <a:avLst/>
@@ -6403,16 +8751,594 @@
           <a:p>
             <a:r>
               <a:rPr lang="en-US" b="1" dirty="0"/>
-              <a:t>Visualization</a:t>
+              <a:t>Element #3: Graph to Showcase the efficiency comparison of each EV brand</a:t>
             </a:r>
             <a:endParaRPr lang="en-CA" b="1" dirty="0"/>
+          </a:p>
+        </p:txBody>
+      </p:sp>
+      <p:sp>
+        <p:nvSpPr>
+          <p:cNvPr id="5" name="Rectangle: Rounded Corners 4">
+            <a:extLst>
+              <a:ext uri="{FF2B5EF4-FFF2-40B4-BE49-F238E27FC236}">
+                <a16:creationId xmlns:a16="http://schemas.microsoft.com/office/drawing/2014/main" id="{D9D82E4F-C3A0-E047-354D-74AA5D29C37A}"/>
+              </a:ext>
+            </a:extLst>
+          </p:cNvPr>
+          <p:cNvSpPr/>
+          <p:nvPr/>
+        </p:nvSpPr>
+        <p:spPr>
+          <a:xfrm>
+            <a:off x="4724531" y="3080040"/>
+            <a:ext cx="2742938" cy="1379465"/>
+          </a:xfrm>
+          <a:prstGeom prst="roundRect">
+            <a:avLst/>
+          </a:prstGeom>
+        </p:spPr>
+        <p:style>
+          <a:lnRef idx="2">
+            <a:schemeClr val="accent1">
+              <a:shade val="50000"/>
+            </a:schemeClr>
+          </a:lnRef>
+          <a:fillRef idx="1">
+            <a:schemeClr val="accent1"/>
+          </a:fillRef>
+          <a:effectRef idx="0">
+            <a:schemeClr val="accent1"/>
+          </a:effectRef>
+          <a:fontRef idx="minor">
+            <a:schemeClr val="lt1"/>
+          </a:fontRef>
+        </p:style>
+        <p:txBody>
+          <a:bodyPr rtlCol="0" anchor="ctr"/>
+          <a:lstStyle/>
+          <a:p>
+            <a:pPr algn="ctr"/>
+            <a:r>
+              <a:rPr lang="en-US" dirty="0"/>
+              <a:t>Graph (Bar, Line)</a:t>
+            </a:r>
+            <a:endParaRPr lang="en-CA" dirty="0"/>
+          </a:p>
+        </p:txBody>
+      </p:sp>
+      <p:sp>
+        <p:nvSpPr>
+          <p:cNvPr id="6" name="Rectangle: Rounded Corners 5">
+            <a:extLst>
+              <a:ext uri="{FF2B5EF4-FFF2-40B4-BE49-F238E27FC236}">
+                <a16:creationId xmlns:a16="http://schemas.microsoft.com/office/drawing/2014/main" id="{1CE25FDB-B100-42E0-315F-42A5AF6D316F}"/>
+              </a:ext>
+            </a:extLst>
+          </p:cNvPr>
+          <p:cNvSpPr/>
+          <p:nvPr/>
+        </p:nvSpPr>
+        <p:spPr>
+          <a:xfrm>
+            <a:off x="503339" y="1554033"/>
+            <a:ext cx="922789" cy="570452"/>
+          </a:xfrm>
+          <a:prstGeom prst="roundRect">
+            <a:avLst/>
+          </a:prstGeom>
+        </p:spPr>
+        <p:style>
+          <a:lnRef idx="2">
+            <a:schemeClr val="accent1">
+              <a:shade val="50000"/>
+            </a:schemeClr>
+          </a:lnRef>
+          <a:fillRef idx="1">
+            <a:schemeClr val="accent1"/>
+          </a:fillRef>
+          <a:effectRef idx="0">
+            <a:schemeClr val="accent1"/>
+          </a:effectRef>
+          <a:fontRef idx="minor">
+            <a:schemeClr val="lt1"/>
+          </a:fontRef>
+        </p:style>
+        <p:txBody>
+          <a:bodyPr rtlCol="0" anchor="ctr"/>
+          <a:lstStyle/>
+          <a:p>
+            <a:pPr algn="ctr"/>
+            <a:r>
+              <a:rPr lang="en-US" sz="800" dirty="0"/>
+              <a:t>Dataset with Efficiency of Cars</a:t>
+            </a:r>
+            <a:endParaRPr lang="en-CA" sz="800" dirty="0"/>
+          </a:p>
+        </p:txBody>
+      </p:sp>
+      <p:sp>
+        <p:nvSpPr>
+          <p:cNvPr id="7" name="Rectangle: Rounded Corners 6">
+            <a:extLst>
+              <a:ext uri="{FF2B5EF4-FFF2-40B4-BE49-F238E27FC236}">
+                <a16:creationId xmlns:a16="http://schemas.microsoft.com/office/drawing/2014/main" id="{B5302F53-D063-DFA0-0924-0E6C93C0921F}"/>
+              </a:ext>
+            </a:extLst>
+          </p:cNvPr>
+          <p:cNvSpPr/>
+          <p:nvPr/>
+        </p:nvSpPr>
+        <p:spPr>
+          <a:xfrm>
+            <a:off x="9187342" y="1554033"/>
+            <a:ext cx="1592511" cy="570452"/>
+          </a:xfrm>
+          <a:prstGeom prst="roundRect">
+            <a:avLst/>
+          </a:prstGeom>
+        </p:spPr>
+        <p:style>
+          <a:lnRef idx="2">
+            <a:schemeClr val="accent1">
+              <a:shade val="50000"/>
+            </a:schemeClr>
+          </a:lnRef>
+          <a:fillRef idx="1">
+            <a:schemeClr val="accent1"/>
+          </a:fillRef>
+          <a:effectRef idx="0">
+            <a:schemeClr val="accent1"/>
+          </a:effectRef>
+          <a:fontRef idx="minor">
+            <a:schemeClr val="lt1"/>
+          </a:fontRef>
+        </p:style>
+        <p:txBody>
+          <a:bodyPr rtlCol="0" anchor="ctr"/>
+          <a:lstStyle/>
+          <a:p>
+            <a:r>
+              <a:rPr lang="en-US" sz="800" dirty="0"/>
+              <a:t>Comparison:</a:t>
+            </a:r>
+          </a:p>
+          <a:p>
+            <a:pPr marL="171450" indent="-171450">
+              <a:buFontTx/>
+              <a:buChar char="-"/>
+            </a:pPr>
+            <a:r>
+              <a:rPr lang="en-US" sz="800" dirty="0"/>
+              <a:t>Charging Time</a:t>
+            </a:r>
+          </a:p>
+          <a:p>
+            <a:pPr marL="171450" indent="-171450">
+              <a:buFontTx/>
+              <a:buChar char="-"/>
+            </a:pPr>
+            <a:r>
+              <a:rPr lang="en-US" sz="800" dirty="0"/>
+              <a:t>Range</a:t>
+            </a:r>
+          </a:p>
+          <a:p>
+            <a:pPr marL="171450" indent="-171450">
+              <a:buFontTx/>
+              <a:buChar char="-"/>
+            </a:pPr>
+            <a:r>
+              <a:rPr lang="en-US" sz="800" dirty="0"/>
+              <a:t>Performance</a:t>
+            </a:r>
+          </a:p>
+          <a:p>
+            <a:pPr marL="171450" indent="-171450">
+              <a:buFontTx/>
+              <a:buChar char="-"/>
+            </a:pPr>
+            <a:r>
+              <a:rPr lang="en-US" sz="800" dirty="0"/>
+              <a:t>Affordability</a:t>
+            </a:r>
+          </a:p>
+        </p:txBody>
+      </p:sp>
+      <p:sp>
+        <p:nvSpPr>
+          <p:cNvPr id="8" name="Rectangle 7">
+            <a:extLst>
+              <a:ext uri="{FF2B5EF4-FFF2-40B4-BE49-F238E27FC236}">
+                <a16:creationId xmlns:a16="http://schemas.microsoft.com/office/drawing/2014/main" id="{10D9BE07-8B91-206F-8918-B1193FD6539F}"/>
+              </a:ext>
+            </a:extLst>
+          </p:cNvPr>
+          <p:cNvSpPr/>
+          <p:nvPr/>
+        </p:nvSpPr>
+        <p:spPr>
+          <a:xfrm>
+            <a:off x="6808394" y="2441196"/>
+            <a:ext cx="1043702" cy="476050"/>
+          </a:xfrm>
+          <a:prstGeom prst="rect">
+            <a:avLst/>
+          </a:prstGeom>
+          <a:solidFill>
+            <a:schemeClr val="accent2"/>
+          </a:solidFill>
+        </p:spPr>
+        <p:style>
+          <a:lnRef idx="2">
+            <a:schemeClr val="accent1">
+              <a:shade val="50000"/>
+            </a:schemeClr>
+          </a:lnRef>
+          <a:fillRef idx="1">
+            <a:schemeClr val="accent1"/>
+          </a:fillRef>
+          <a:effectRef idx="0">
+            <a:schemeClr val="accent1"/>
+          </a:effectRef>
+          <a:fontRef idx="minor">
+            <a:schemeClr val="lt1"/>
+          </a:fontRef>
+        </p:style>
+        <p:txBody>
+          <a:bodyPr rtlCol="0" anchor="ctr"/>
+          <a:lstStyle/>
+          <a:p>
+            <a:pPr algn="ctr"/>
+            <a:r>
+              <a:rPr lang="en-US" sz="1100" dirty="0"/>
+              <a:t>Dropdown Options</a:t>
+            </a:r>
+          </a:p>
+        </p:txBody>
+      </p:sp>
+      <p:sp>
+        <p:nvSpPr>
+          <p:cNvPr id="9" name="Rectangle: Rounded Corners 8">
+            <a:extLst>
+              <a:ext uri="{FF2B5EF4-FFF2-40B4-BE49-F238E27FC236}">
+                <a16:creationId xmlns:a16="http://schemas.microsoft.com/office/drawing/2014/main" id="{F3D6C6FA-F614-F085-C61A-3B590A639454}"/>
+              </a:ext>
+            </a:extLst>
+          </p:cNvPr>
+          <p:cNvSpPr/>
+          <p:nvPr/>
+        </p:nvSpPr>
+        <p:spPr>
+          <a:xfrm>
+            <a:off x="9187342" y="2285273"/>
+            <a:ext cx="922789" cy="570452"/>
+          </a:xfrm>
+          <a:prstGeom prst="roundRect">
+            <a:avLst/>
+          </a:prstGeom>
+          <a:solidFill>
+            <a:schemeClr val="accent6">
+              <a:lumMod val="75000"/>
+            </a:schemeClr>
+          </a:solidFill>
+        </p:spPr>
+        <p:style>
+          <a:lnRef idx="2">
+            <a:schemeClr val="accent1">
+              <a:shade val="50000"/>
+            </a:schemeClr>
+          </a:lnRef>
+          <a:fillRef idx="1">
+            <a:schemeClr val="accent1"/>
+          </a:fillRef>
+          <a:effectRef idx="0">
+            <a:schemeClr val="accent1"/>
+          </a:effectRef>
+          <a:fontRef idx="minor">
+            <a:schemeClr val="lt1"/>
+          </a:fontRef>
+        </p:style>
+        <p:txBody>
+          <a:bodyPr rtlCol="0" anchor="ctr"/>
+          <a:lstStyle/>
+          <a:p>
+            <a:pPr algn="ctr"/>
+            <a:r>
+              <a:rPr lang="en-US" sz="800" dirty="0"/>
+              <a:t>Top 10</a:t>
+            </a:r>
+            <a:endParaRPr lang="en-CA" sz="800" dirty="0"/>
+          </a:p>
+        </p:txBody>
+      </p:sp>
+      <p:sp>
+        <p:nvSpPr>
+          <p:cNvPr id="10" name="Rectangle: Rounded Corners 9">
+            <a:extLst>
+              <a:ext uri="{FF2B5EF4-FFF2-40B4-BE49-F238E27FC236}">
+                <a16:creationId xmlns:a16="http://schemas.microsoft.com/office/drawing/2014/main" id="{9B42206C-8EBD-062F-BBBF-00533A17EACB}"/>
+              </a:ext>
+            </a:extLst>
+          </p:cNvPr>
+          <p:cNvSpPr/>
+          <p:nvPr/>
+        </p:nvSpPr>
+        <p:spPr>
+          <a:xfrm>
+            <a:off x="9187342" y="3080040"/>
+            <a:ext cx="922789" cy="570452"/>
+          </a:xfrm>
+          <a:prstGeom prst="roundRect">
+            <a:avLst/>
+          </a:prstGeom>
+          <a:solidFill>
+            <a:schemeClr val="accent6">
+              <a:lumMod val="75000"/>
+            </a:schemeClr>
+          </a:solidFill>
+        </p:spPr>
+        <p:style>
+          <a:lnRef idx="2">
+            <a:schemeClr val="accent1">
+              <a:shade val="50000"/>
+            </a:schemeClr>
+          </a:lnRef>
+          <a:fillRef idx="1">
+            <a:schemeClr val="accent1"/>
+          </a:fillRef>
+          <a:effectRef idx="0">
+            <a:schemeClr val="accent1"/>
+          </a:effectRef>
+          <a:fontRef idx="minor">
+            <a:schemeClr val="lt1"/>
+          </a:fontRef>
+        </p:style>
+        <p:txBody>
+          <a:bodyPr rtlCol="0" anchor="ctr"/>
+          <a:lstStyle/>
+          <a:p>
+            <a:pPr algn="ctr"/>
+            <a:r>
+              <a:rPr lang="en-US" sz="800" dirty="0"/>
+              <a:t>Compare different types of electric vehicles</a:t>
+            </a:r>
+            <a:endParaRPr lang="en-CA" sz="800" dirty="0"/>
+          </a:p>
+        </p:txBody>
+      </p:sp>
+      <p:sp>
+        <p:nvSpPr>
+          <p:cNvPr id="11" name="Rectangle: Rounded Corners 10">
+            <a:extLst>
+              <a:ext uri="{FF2B5EF4-FFF2-40B4-BE49-F238E27FC236}">
+                <a16:creationId xmlns:a16="http://schemas.microsoft.com/office/drawing/2014/main" id="{2C5AF3AA-6897-AA2D-338C-3D8F04E7B65B}"/>
+              </a:ext>
+            </a:extLst>
+          </p:cNvPr>
+          <p:cNvSpPr/>
+          <p:nvPr/>
+        </p:nvSpPr>
+        <p:spPr>
+          <a:xfrm>
+            <a:off x="545944" y="5712801"/>
+            <a:ext cx="922789" cy="570452"/>
+          </a:xfrm>
+          <a:prstGeom prst="roundRect">
+            <a:avLst/>
+          </a:prstGeom>
+          <a:solidFill>
+            <a:schemeClr val="accent4">
+              <a:lumMod val="60000"/>
+              <a:lumOff val="40000"/>
+            </a:schemeClr>
+          </a:solidFill>
+        </p:spPr>
+        <p:style>
+          <a:lnRef idx="2">
+            <a:schemeClr val="accent1">
+              <a:shade val="50000"/>
+            </a:schemeClr>
+          </a:lnRef>
+          <a:fillRef idx="1">
+            <a:schemeClr val="accent1"/>
+          </a:fillRef>
+          <a:effectRef idx="0">
+            <a:schemeClr val="accent1"/>
+          </a:effectRef>
+          <a:fontRef idx="minor">
+            <a:schemeClr val="lt1"/>
+          </a:fontRef>
+        </p:style>
+        <p:txBody>
+          <a:bodyPr rtlCol="0" anchor="ctr"/>
+          <a:lstStyle/>
+          <a:p>
+            <a:pPr algn="ctr"/>
+            <a:r>
+              <a:rPr lang="en-US" sz="800" dirty="0">
+                <a:solidFill>
+                  <a:schemeClr val="tx1"/>
+                </a:solidFill>
+              </a:rPr>
+              <a:t>Python</a:t>
+            </a:r>
+            <a:endParaRPr lang="en-CA" sz="800" dirty="0">
+              <a:solidFill>
+                <a:schemeClr val="tx1"/>
+              </a:solidFill>
+            </a:endParaRPr>
+          </a:p>
+        </p:txBody>
+      </p:sp>
+      <p:sp>
+        <p:nvSpPr>
+          <p:cNvPr id="12" name="Rectangle: Rounded Corners 11">
+            <a:extLst>
+              <a:ext uri="{FF2B5EF4-FFF2-40B4-BE49-F238E27FC236}">
+                <a16:creationId xmlns:a16="http://schemas.microsoft.com/office/drawing/2014/main" id="{AC81AC5D-A6EC-1679-AECC-F2732A315ECC}"/>
+              </a:ext>
+            </a:extLst>
+          </p:cNvPr>
+          <p:cNvSpPr/>
+          <p:nvPr/>
+        </p:nvSpPr>
+        <p:spPr>
+          <a:xfrm>
+            <a:off x="545944" y="4073954"/>
+            <a:ext cx="922789" cy="570452"/>
+          </a:xfrm>
+          <a:prstGeom prst="roundRect">
+            <a:avLst/>
+          </a:prstGeom>
+          <a:solidFill>
+            <a:schemeClr val="accent4">
+              <a:lumMod val="60000"/>
+              <a:lumOff val="40000"/>
+            </a:schemeClr>
+          </a:solidFill>
+        </p:spPr>
+        <p:style>
+          <a:lnRef idx="2">
+            <a:schemeClr val="accent1">
+              <a:shade val="50000"/>
+            </a:schemeClr>
+          </a:lnRef>
+          <a:fillRef idx="1">
+            <a:schemeClr val="accent1"/>
+          </a:fillRef>
+          <a:effectRef idx="0">
+            <a:schemeClr val="accent1"/>
+          </a:effectRef>
+          <a:fontRef idx="minor">
+            <a:schemeClr val="lt1"/>
+          </a:fontRef>
+        </p:style>
+        <p:txBody>
+          <a:bodyPr rtlCol="0" anchor="ctr"/>
+          <a:lstStyle/>
+          <a:p>
+            <a:pPr algn="ctr"/>
+            <a:r>
+              <a:rPr lang="en-US" sz="800" dirty="0">
+                <a:solidFill>
+                  <a:schemeClr val="tx1"/>
+                </a:solidFill>
+              </a:rPr>
+              <a:t>HTML</a:t>
+            </a:r>
+            <a:endParaRPr lang="en-CA" sz="800" dirty="0">
+              <a:solidFill>
+                <a:schemeClr val="tx1"/>
+              </a:solidFill>
+            </a:endParaRPr>
+          </a:p>
+        </p:txBody>
+      </p:sp>
+      <p:sp>
+        <p:nvSpPr>
+          <p:cNvPr id="13" name="Rectangle: Rounded Corners 12">
+            <a:extLst>
+              <a:ext uri="{FF2B5EF4-FFF2-40B4-BE49-F238E27FC236}">
+                <a16:creationId xmlns:a16="http://schemas.microsoft.com/office/drawing/2014/main" id="{5A58C3BF-45EC-9E07-1B01-476161D2EF86}"/>
+              </a:ext>
+            </a:extLst>
+          </p:cNvPr>
+          <p:cNvSpPr/>
+          <p:nvPr/>
+        </p:nvSpPr>
+        <p:spPr>
+          <a:xfrm>
+            <a:off x="545944" y="4841542"/>
+            <a:ext cx="922789" cy="570452"/>
+          </a:xfrm>
+          <a:prstGeom prst="roundRect">
+            <a:avLst/>
+          </a:prstGeom>
+          <a:solidFill>
+            <a:schemeClr val="accent4">
+              <a:lumMod val="60000"/>
+              <a:lumOff val="40000"/>
+            </a:schemeClr>
+          </a:solidFill>
+        </p:spPr>
+        <p:style>
+          <a:lnRef idx="2">
+            <a:schemeClr val="accent1">
+              <a:shade val="50000"/>
+            </a:schemeClr>
+          </a:lnRef>
+          <a:fillRef idx="1">
+            <a:schemeClr val="accent1"/>
+          </a:fillRef>
+          <a:effectRef idx="0">
+            <a:schemeClr val="accent1"/>
+          </a:effectRef>
+          <a:fontRef idx="minor">
+            <a:schemeClr val="lt1"/>
+          </a:fontRef>
+        </p:style>
+        <p:txBody>
+          <a:bodyPr rtlCol="0" anchor="ctr"/>
+          <a:lstStyle/>
+          <a:p>
+            <a:pPr algn="ctr"/>
+            <a:r>
+              <a:rPr lang="en-US" sz="800" dirty="0" err="1">
+                <a:solidFill>
+                  <a:schemeClr val="tx1"/>
+                </a:solidFill>
+              </a:rPr>
+              <a:t>Javascript</a:t>
+            </a:r>
+            <a:endParaRPr lang="en-CA" sz="800" dirty="0">
+              <a:solidFill>
+                <a:schemeClr val="tx1"/>
+              </a:solidFill>
+            </a:endParaRPr>
+          </a:p>
+        </p:txBody>
+      </p:sp>
+      <p:sp>
+        <p:nvSpPr>
+          <p:cNvPr id="14" name="TextBox 13">
+            <a:extLst>
+              <a:ext uri="{FF2B5EF4-FFF2-40B4-BE49-F238E27FC236}">
+                <a16:creationId xmlns:a16="http://schemas.microsoft.com/office/drawing/2014/main" id="{2D4BF254-4D43-859A-8589-02F3B067E1D2}"/>
+              </a:ext>
+            </a:extLst>
+          </p:cNvPr>
+          <p:cNvSpPr txBox="1"/>
+          <p:nvPr/>
+        </p:nvSpPr>
+        <p:spPr>
+          <a:xfrm>
+            <a:off x="9648736" y="6283253"/>
+            <a:ext cx="2272019" cy="369332"/>
+          </a:xfrm>
+          <a:prstGeom prst="rect">
+            <a:avLst/>
+          </a:prstGeom>
+          <a:noFill/>
+        </p:spPr>
+        <p:txBody>
+          <a:bodyPr wrap="square" rtlCol="0">
+            <a:spAutoFit/>
+          </a:bodyPr>
+          <a:lstStyle/>
+          <a:p>
+            <a:r>
+              <a:rPr lang="en-US" dirty="0"/>
+              <a:t>Owner: Anna</a:t>
+            </a:r>
+            <a:endParaRPr lang="en-CA" dirty="0"/>
           </a:p>
         </p:txBody>
       </p:sp>
     </p:spTree>
     <p:extLst>
       <p:ext uri="{BB962C8B-B14F-4D97-AF65-F5344CB8AC3E}">
-        <p14:creationId xmlns:p14="http://schemas.microsoft.com/office/powerpoint/2010/main" val="2092849136"/>
+        <p14:creationId xmlns:p14="http://schemas.microsoft.com/office/powerpoint/2010/main" val="2539624350"/>
       </p:ext>
     </p:extLst>
   </p:cSld>
@@ -6441,10 +9367,10 @@
       </p:grpSpPr>
       <p:sp>
         <p:nvSpPr>
-          <p:cNvPr id="4" name="TextBox 3">
-            <a:extLst>
-              <a:ext uri="{FF2B5EF4-FFF2-40B4-BE49-F238E27FC236}">
-                <a16:creationId xmlns:a16="http://schemas.microsoft.com/office/drawing/2014/main" id="{D8D0AD2B-7796-7352-7AAD-643AAE4857A9}"/>
+          <p:cNvPr id="2" name="TextBox 1">
+            <a:extLst>
+              <a:ext uri="{FF2B5EF4-FFF2-40B4-BE49-F238E27FC236}">
+                <a16:creationId xmlns:a16="http://schemas.microsoft.com/office/drawing/2014/main" id="{1C428DB1-3A3F-2E7A-B606-3A723EB84870}"/>
               </a:ext>
             </a:extLst>
           </p:cNvPr>
@@ -6453,8 +9379,8 @@
         </p:nvSpPr>
         <p:spPr>
           <a:xfrm>
-            <a:off x="323850" y="295275"/>
-            <a:ext cx="11525250" cy="2862322"/>
+            <a:off x="276225" y="190500"/>
+            <a:ext cx="4419600" cy="369332"/>
           </a:xfrm>
           <a:prstGeom prst="rect">
             <a:avLst/>
@@ -6468,84 +9394,58 @@
           <a:lstStyle/>
           <a:p>
             <a:r>
-              <a:rPr lang="en-US" b="1" u="sng" dirty="0"/>
-              <a:t>Brainstorming:</a:t>
-            </a:r>
-          </a:p>
-          <a:p>
-            <a:pPr marL="285750" indent="-285750">
-              <a:buFontTx/>
-              <a:buChar char="-"/>
-            </a:pPr>
+              <a:rPr lang="en-US" b="1" dirty="0"/>
+              <a:t>Element #4: Sales of EVs</a:t>
+            </a:r>
+            <a:endParaRPr lang="en-CA" b="1" dirty="0"/>
+          </a:p>
+        </p:txBody>
+      </p:sp>
+      <p:sp>
+        <p:nvSpPr>
+          <p:cNvPr id="3" name="Rectangle: Rounded Corners 2">
+            <a:extLst>
+              <a:ext uri="{FF2B5EF4-FFF2-40B4-BE49-F238E27FC236}">
+                <a16:creationId xmlns:a16="http://schemas.microsoft.com/office/drawing/2014/main" id="{415827CD-74E2-5BB4-42A5-A78BCF12F50C}"/>
+              </a:ext>
+            </a:extLst>
+          </p:cNvPr>
+          <p:cNvSpPr/>
+          <p:nvPr/>
+        </p:nvSpPr>
+        <p:spPr>
+          <a:xfrm>
+            <a:off x="4724531" y="3080040"/>
+            <a:ext cx="2742938" cy="1379465"/>
+          </a:xfrm>
+          <a:prstGeom prst="roundRect">
+            <a:avLst/>
+          </a:prstGeom>
+        </p:spPr>
+        <p:style>
+          <a:lnRef idx="2">
+            <a:schemeClr val="accent1">
+              <a:shade val="50000"/>
+            </a:schemeClr>
+          </a:lnRef>
+          <a:fillRef idx="1">
+            <a:schemeClr val="accent1"/>
+          </a:fillRef>
+          <a:effectRef idx="0">
+            <a:schemeClr val="accent1"/>
+          </a:effectRef>
+          <a:fontRef idx="minor">
+            <a:schemeClr val="lt1"/>
+          </a:fontRef>
+        </p:style>
+        <p:txBody>
+          <a:bodyPr rtlCol="0" anchor="ctr"/>
+          <a:lstStyle/>
+          <a:p>
+            <a:pPr algn="ctr"/>
             <a:r>
               <a:rPr lang="en-US" dirty="0"/>
-              <a:t>schools; at capacity schools need relief. </a:t>
-            </a:r>
-            <a:r>
-              <a:rPr lang="en-US" b="1" dirty="0"/>
-              <a:t>A tool for parents to evaluate if a school is a good fit</a:t>
-            </a:r>
-            <a:r>
-              <a:rPr lang="en-US" dirty="0"/>
-              <a:t>. (mappable)</a:t>
-            </a:r>
-          </a:p>
-          <a:p>
-            <a:r>
-              <a:rPr lang="en-US" dirty="0"/>
-              <a:t>	- Unique</a:t>
-            </a:r>
-          </a:p>
-          <a:p>
-            <a:r>
-              <a:rPr lang="en-US" dirty="0"/>
-              <a:t>	- What it means to be a good fit? Hard question – Provide information for parents to evaluate the schools based 	on testing score, proximity, a certain personal (family) criteria</a:t>
-            </a:r>
-          </a:p>
-          <a:p>
-            <a:pPr marL="285750" indent="-285750">
-              <a:buFontTx/>
-              <a:buChar char="-"/>
-            </a:pPr>
-            <a:r>
-              <a:rPr lang="en-US" dirty="0"/>
-              <a:t>Car theft; where about, model, why Toyota or Honda, difference in car security systems. (mappable)</a:t>
-            </a:r>
-          </a:p>
-          <a:p>
-            <a:pPr marL="285750" indent="-285750">
-              <a:buFontTx/>
-              <a:buChar char="-"/>
-            </a:pPr>
-            <a:r>
-              <a:rPr lang="en-US" dirty="0"/>
-              <a:t>Car performance; consumer reports</a:t>
-            </a:r>
-          </a:p>
-          <a:p>
-            <a:pPr marL="285750" indent="-285750">
-              <a:buFontTx/>
-              <a:buChar char="-"/>
-            </a:pPr>
-            <a:r>
-              <a:rPr lang="en-US" dirty="0"/>
-              <a:t>EV Data; </a:t>
-            </a:r>
-          </a:p>
-          <a:p>
-            <a:pPr marL="285750" indent="-285750">
-              <a:buFontTx/>
-              <a:buChar char="-"/>
-            </a:pPr>
-            <a:r>
-              <a:rPr lang="en-US" dirty="0"/>
-              <a:t>Real Estate; neighbor, walking score</a:t>
-            </a:r>
-          </a:p>
-          <a:p>
-            <a:r>
-              <a:rPr lang="en-US" dirty="0"/>
-              <a:t>	- need to diversify</a:t>
+              <a:t>Graph</a:t>
             </a:r>
             <a:endParaRPr lang="en-CA" dirty="0"/>
           </a:p>
@@ -6553,10 +9453,415 @@
       </p:sp>
       <p:sp>
         <p:nvSpPr>
-          <p:cNvPr id="5" name="TextBox 4">
-            <a:extLst>
-              <a:ext uri="{FF2B5EF4-FFF2-40B4-BE49-F238E27FC236}">
-                <a16:creationId xmlns:a16="http://schemas.microsoft.com/office/drawing/2014/main" id="{F4810E0A-D70D-8CE5-427D-178B26E98F1F}"/>
+          <p:cNvPr id="4" name="Rectangle: Rounded Corners 3">
+            <a:extLst>
+              <a:ext uri="{FF2B5EF4-FFF2-40B4-BE49-F238E27FC236}">
+                <a16:creationId xmlns:a16="http://schemas.microsoft.com/office/drawing/2014/main" id="{14CA2033-656F-3935-0D5A-B9E5B06DD4A3}"/>
+              </a:ext>
+            </a:extLst>
+          </p:cNvPr>
+          <p:cNvSpPr/>
+          <p:nvPr/>
+        </p:nvSpPr>
+        <p:spPr>
+          <a:xfrm>
+            <a:off x="503339" y="1554033"/>
+            <a:ext cx="922789" cy="570452"/>
+          </a:xfrm>
+          <a:prstGeom prst="roundRect">
+            <a:avLst/>
+          </a:prstGeom>
+        </p:spPr>
+        <p:style>
+          <a:lnRef idx="2">
+            <a:schemeClr val="accent1">
+              <a:shade val="50000"/>
+            </a:schemeClr>
+          </a:lnRef>
+          <a:fillRef idx="1">
+            <a:schemeClr val="accent1"/>
+          </a:fillRef>
+          <a:effectRef idx="0">
+            <a:schemeClr val="accent1"/>
+          </a:effectRef>
+          <a:fontRef idx="minor">
+            <a:schemeClr val="lt1"/>
+          </a:fontRef>
+        </p:style>
+        <p:txBody>
+          <a:bodyPr rtlCol="0" anchor="ctr"/>
+          <a:lstStyle/>
+          <a:p>
+            <a:pPr algn="ctr"/>
+            <a:r>
+              <a:rPr lang="en-US" sz="800" dirty="0"/>
+              <a:t>Dataset with Sales of EVs</a:t>
+            </a:r>
+            <a:endParaRPr lang="en-CA" sz="800" dirty="0"/>
+          </a:p>
+        </p:txBody>
+      </p:sp>
+      <p:sp>
+        <p:nvSpPr>
+          <p:cNvPr id="5" name="Rectangle: Rounded Corners 4">
+            <a:extLst>
+              <a:ext uri="{FF2B5EF4-FFF2-40B4-BE49-F238E27FC236}">
+                <a16:creationId xmlns:a16="http://schemas.microsoft.com/office/drawing/2014/main" id="{B2964D7B-5706-8768-7A73-B51010AAE013}"/>
+              </a:ext>
+            </a:extLst>
+          </p:cNvPr>
+          <p:cNvSpPr/>
+          <p:nvPr/>
+        </p:nvSpPr>
+        <p:spPr>
+          <a:xfrm>
+            <a:off x="503339" y="2310440"/>
+            <a:ext cx="922789" cy="570452"/>
+          </a:xfrm>
+          <a:prstGeom prst="roundRect">
+            <a:avLst/>
+          </a:prstGeom>
+          <a:solidFill>
+            <a:srgbClr val="FF0000"/>
+          </a:solidFill>
+        </p:spPr>
+        <p:style>
+          <a:lnRef idx="2">
+            <a:schemeClr val="accent1">
+              <a:shade val="50000"/>
+            </a:schemeClr>
+          </a:lnRef>
+          <a:fillRef idx="1">
+            <a:schemeClr val="accent1"/>
+          </a:fillRef>
+          <a:effectRef idx="0">
+            <a:schemeClr val="accent1"/>
+          </a:effectRef>
+          <a:fontRef idx="minor">
+            <a:schemeClr val="lt1"/>
+          </a:fontRef>
+        </p:style>
+        <p:txBody>
+          <a:bodyPr rtlCol="0" anchor="ctr"/>
+          <a:lstStyle/>
+          <a:p>
+            <a:pPr algn="ctr"/>
+            <a:r>
+              <a:rPr lang="en-US" sz="800" dirty="0"/>
+              <a:t>Need Sales data for US</a:t>
+            </a:r>
+            <a:endParaRPr lang="en-CA" sz="800" dirty="0"/>
+          </a:p>
+        </p:txBody>
+      </p:sp>
+      <p:sp>
+        <p:nvSpPr>
+          <p:cNvPr id="6" name="Rectangle: Rounded Corners 5">
+            <a:extLst>
+              <a:ext uri="{FF2B5EF4-FFF2-40B4-BE49-F238E27FC236}">
+                <a16:creationId xmlns:a16="http://schemas.microsoft.com/office/drawing/2014/main" id="{092C6DC2-AED8-F540-9DD5-AF7FC0BD164E}"/>
+              </a:ext>
+            </a:extLst>
+          </p:cNvPr>
+          <p:cNvSpPr/>
+          <p:nvPr/>
+        </p:nvSpPr>
+        <p:spPr>
+          <a:xfrm>
+            <a:off x="8876950" y="1554033"/>
+            <a:ext cx="922789" cy="570452"/>
+          </a:xfrm>
+          <a:prstGeom prst="roundRect">
+            <a:avLst/>
+          </a:prstGeom>
+          <a:solidFill>
+            <a:schemeClr val="accent6">
+              <a:lumMod val="75000"/>
+            </a:schemeClr>
+          </a:solidFill>
+        </p:spPr>
+        <p:style>
+          <a:lnRef idx="2">
+            <a:schemeClr val="accent1">
+              <a:shade val="50000"/>
+            </a:schemeClr>
+          </a:lnRef>
+          <a:fillRef idx="1">
+            <a:schemeClr val="accent1"/>
+          </a:fillRef>
+          <a:effectRef idx="0">
+            <a:schemeClr val="accent1"/>
+          </a:effectRef>
+          <a:fontRef idx="minor">
+            <a:schemeClr val="lt1"/>
+          </a:fontRef>
+        </p:style>
+        <p:txBody>
+          <a:bodyPr rtlCol="0" anchor="ctr"/>
+          <a:lstStyle/>
+          <a:p>
+            <a:pPr algn="ctr"/>
+            <a:r>
+              <a:rPr lang="en-US" sz="800" dirty="0"/>
+              <a:t>Dropdown by Model</a:t>
+            </a:r>
+            <a:endParaRPr lang="en-CA" sz="800" dirty="0"/>
+          </a:p>
+        </p:txBody>
+      </p:sp>
+      <p:sp>
+        <p:nvSpPr>
+          <p:cNvPr id="8" name="Rectangle: Rounded Corners 7">
+            <a:extLst>
+              <a:ext uri="{FF2B5EF4-FFF2-40B4-BE49-F238E27FC236}">
+                <a16:creationId xmlns:a16="http://schemas.microsoft.com/office/drawing/2014/main" id="{0ADA7642-955A-73E6-CFA9-5DB1A5D1F90E}"/>
+              </a:ext>
+            </a:extLst>
+          </p:cNvPr>
+          <p:cNvSpPr/>
+          <p:nvPr/>
+        </p:nvSpPr>
+        <p:spPr>
+          <a:xfrm>
+            <a:off x="8876950" y="2310440"/>
+            <a:ext cx="922789" cy="570452"/>
+          </a:xfrm>
+          <a:prstGeom prst="roundRect">
+            <a:avLst/>
+          </a:prstGeom>
+          <a:solidFill>
+            <a:schemeClr val="accent6">
+              <a:lumMod val="75000"/>
+            </a:schemeClr>
+          </a:solidFill>
+        </p:spPr>
+        <p:style>
+          <a:lnRef idx="2">
+            <a:schemeClr val="accent1">
+              <a:shade val="50000"/>
+            </a:schemeClr>
+          </a:lnRef>
+          <a:fillRef idx="1">
+            <a:schemeClr val="accent1"/>
+          </a:fillRef>
+          <a:effectRef idx="0">
+            <a:schemeClr val="accent1"/>
+          </a:effectRef>
+          <a:fontRef idx="minor">
+            <a:schemeClr val="lt1"/>
+          </a:fontRef>
+        </p:style>
+        <p:txBody>
+          <a:bodyPr rtlCol="0" anchor="ctr"/>
+          <a:lstStyle/>
+          <a:p>
+            <a:pPr algn="ctr"/>
+            <a:r>
+              <a:rPr lang="en-US" sz="800" dirty="0"/>
+              <a:t>Top 10</a:t>
+            </a:r>
+            <a:endParaRPr lang="en-CA" sz="800" dirty="0"/>
+          </a:p>
+        </p:txBody>
+      </p:sp>
+      <p:sp>
+        <p:nvSpPr>
+          <p:cNvPr id="9" name="Rectangle: Rounded Corners 8">
+            <a:extLst>
+              <a:ext uri="{FF2B5EF4-FFF2-40B4-BE49-F238E27FC236}">
+                <a16:creationId xmlns:a16="http://schemas.microsoft.com/office/drawing/2014/main" id="{46942904-EDE2-4084-D716-CBD1B8CD4283}"/>
+              </a:ext>
+            </a:extLst>
+          </p:cNvPr>
+          <p:cNvSpPr/>
+          <p:nvPr/>
+        </p:nvSpPr>
+        <p:spPr>
+          <a:xfrm>
+            <a:off x="545944" y="5712801"/>
+            <a:ext cx="922789" cy="570452"/>
+          </a:xfrm>
+          <a:prstGeom prst="roundRect">
+            <a:avLst/>
+          </a:prstGeom>
+          <a:solidFill>
+            <a:schemeClr val="accent4">
+              <a:lumMod val="60000"/>
+              <a:lumOff val="40000"/>
+            </a:schemeClr>
+          </a:solidFill>
+        </p:spPr>
+        <p:style>
+          <a:lnRef idx="2">
+            <a:schemeClr val="accent1">
+              <a:shade val="50000"/>
+            </a:schemeClr>
+          </a:lnRef>
+          <a:fillRef idx="1">
+            <a:schemeClr val="accent1"/>
+          </a:fillRef>
+          <a:effectRef idx="0">
+            <a:schemeClr val="accent1"/>
+          </a:effectRef>
+          <a:fontRef idx="minor">
+            <a:schemeClr val="lt1"/>
+          </a:fontRef>
+        </p:style>
+        <p:txBody>
+          <a:bodyPr rtlCol="0" anchor="ctr"/>
+          <a:lstStyle/>
+          <a:p>
+            <a:pPr algn="ctr"/>
+            <a:r>
+              <a:rPr lang="en-US" sz="800" dirty="0">
+                <a:solidFill>
+                  <a:schemeClr val="tx1"/>
+                </a:solidFill>
+              </a:rPr>
+              <a:t>Python</a:t>
+            </a:r>
+            <a:endParaRPr lang="en-CA" sz="800" dirty="0">
+              <a:solidFill>
+                <a:schemeClr val="tx1"/>
+              </a:solidFill>
+            </a:endParaRPr>
+          </a:p>
+        </p:txBody>
+      </p:sp>
+      <p:sp>
+        <p:nvSpPr>
+          <p:cNvPr id="10" name="Rectangle: Rounded Corners 9">
+            <a:extLst>
+              <a:ext uri="{FF2B5EF4-FFF2-40B4-BE49-F238E27FC236}">
+                <a16:creationId xmlns:a16="http://schemas.microsoft.com/office/drawing/2014/main" id="{22E2EE36-10E7-679E-9A0D-FA49FC8E2F84}"/>
+              </a:ext>
+            </a:extLst>
+          </p:cNvPr>
+          <p:cNvSpPr/>
+          <p:nvPr/>
+        </p:nvSpPr>
+        <p:spPr>
+          <a:xfrm>
+            <a:off x="545944" y="4073954"/>
+            <a:ext cx="922789" cy="570452"/>
+          </a:xfrm>
+          <a:prstGeom prst="roundRect">
+            <a:avLst/>
+          </a:prstGeom>
+          <a:solidFill>
+            <a:schemeClr val="accent4">
+              <a:lumMod val="60000"/>
+              <a:lumOff val="40000"/>
+            </a:schemeClr>
+          </a:solidFill>
+        </p:spPr>
+        <p:style>
+          <a:lnRef idx="2">
+            <a:schemeClr val="accent1">
+              <a:shade val="50000"/>
+            </a:schemeClr>
+          </a:lnRef>
+          <a:fillRef idx="1">
+            <a:schemeClr val="accent1"/>
+          </a:fillRef>
+          <a:effectRef idx="0">
+            <a:schemeClr val="accent1"/>
+          </a:effectRef>
+          <a:fontRef idx="minor">
+            <a:schemeClr val="lt1"/>
+          </a:fontRef>
+        </p:style>
+        <p:txBody>
+          <a:bodyPr rtlCol="0" anchor="ctr"/>
+          <a:lstStyle/>
+          <a:p>
+            <a:pPr algn="ctr"/>
+            <a:r>
+              <a:rPr lang="en-US" sz="800" dirty="0">
+                <a:solidFill>
+                  <a:schemeClr val="tx1"/>
+                </a:solidFill>
+              </a:rPr>
+              <a:t>HTML</a:t>
+            </a:r>
+            <a:endParaRPr lang="en-CA" sz="800" dirty="0">
+              <a:solidFill>
+                <a:schemeClr val="tx1"/>
+              </a:solidFill>
+            </a:endParaRPr>
+          </a:p>
+        </p:txBody>
+      </p:sp>
+      <p:sp>
+        <p:nvSpPr>
+          <p:cNvPr id="11" name="Rectangle: Rounded Corners 10">
+            <a:extLst>
+              <a:ext uri="{FF2B5EF4-FFF2-40B4-BE49-F238E27FC236}">
+                <a16:creationId xmlns:a16="http://schemas.microsoft.com/office/drawing/2014/main" id="{ED0285C3-3409-2677-D0BA-69DA4BF94B67}"/>
+              </a:ext>
+            </a:extLst>
+          </p:cNvPr>
+          <p:cNvSpPr/>
+          <p:nvPr/>
+        </p:nvSpPr>
+        <p:spPr>
+          <a:xfrm>
+            <a:off x="545944" y="4841542"/>
+            <a:ext cx="922789" cy="570452"/>
+          </a:xfrm>
+          <a:prstGeom prst="roundRect">
+            <a:avLst/>
+          </a:prstGeom>
+          <a:solidFill>
+            <a:schemeClr val="accent4">
+              <a:lumMod val="60000"/>
+              <a:lumOff val="40000"/>
+            </a:schemeClr>
+          </a:solidFill>
+        </p:spPr>
+        <p:style>
+          <a:lnRef idx="2">
+            <a:schemeClr val="accent1">
+              <a:shade val="50000"/>
+            </a:schemeClr>
+          </a:lnRef>
+          <a:fillRef idx="1">
+            <a:schemeClr val="accent1"/>
+          </a:fillRef>
+          <a:effectRef idx="0">
+            <a:schemeClr val="accent1"/>
+          </a:effectRef>
+          <a:fontRef idx="minor">
+            <a:schemeClr val="lt1"/>
+          </a:fontRef>
+        </p:style>
+        <p:txBody>
+          <a:bodyPr rtlCol="0" anchor="ctr"/>
+          <a:lstStyle/>
+          <a:p>
+            <a:pPr algn="ctr"/>
+            <a:r>
+              <a:rPr lang="en-US" sz="800" dirty="0" err="1">
+                <a:solidFill>
+                  <a:schemeClr val="tx1"/>
+                </a:solidFill>
+              </a:rPr>
+              <a:t>Javascript</a:t>
+            </a:r>
+            <a:endParaRPr lang="en-CA" sz="800" dirty="0">
+              <a:solidFill>
+                <a:schemeClr val="tx1"/>
+              </a:solidFill>
+            </a:endParaRPr>
+          </a:p>
+        </p:txBody>
+      </p:sp>
+      <p:sp>
+        <p:nvSpPr>
+          <p:cNvPr id="12" name="TextBox 11">
+            <a:extLst>
+              <a:ext uri="{FF2B5EF4-FFF2-40B4-BE49-F238E27FC236}">
+                <a16:creationId xmlns:a16="http://schemas.microsoft.com/office/drawing/2014/main" id="{CD4EF038-2FF5-06C8-4C1A-00D09D9734B7}"/>
               </a:ext>
             </a:extLst>
           </p:cNvPr>
@@ -6565,8 +9870,8 @@
         </p:nvSpPr>
         <p:spPr>
           <a:xfrm>
-            <a:off x="323850" y="4543425"/>
-            <a:ext cx="11525250" cy="369332"/>
+            <a:off x="9648736" y="6283253"/>
+            <a:ext cx="2272019" cy="369332"/>
           </a:xfrm>
           <a:prstGeom prst="rect">
             <a:avLst/>
@@ -6581,7 +9886,7 @@
           <a:p>
             <a:r>
               <a:rPr lang="en-US" dirty="0"/>
-              <a:t>Unique topic. Cool way of using data.</a:t>
+              <a:t>Owner: Anna</a:t>
             </a:r>
             <a:endParaRPr lang="en-CA" dirty="0"/>
           </a:p>
@@ -6590,7 +9895,7 @@
     </p:spTree>
     <p:extLst>
       <p:ext uri="{BB962C8B-B14F-4D97-AF65-F5344CB8AC3E}">
-        <p14:creationId xmlns:p14="http://schemas.microsoft.com/office/powerpoint/2010/main" val="3953669307"/>
+        <p14:creationId xmlns:p14="http://schemas.microsoft.com/office/powerpoint/2010/main" val="3086405453"/>
       </p:ext>
     </p:extLst>
   </p:cSld>
@@ -6619,10 +9924,10 @@
       </p:grpSpPr>
       <p:sp>
         <p:nvSpPr>
-          <p:cNvPr id="4" name="TextBox 3">
-            <a:extLst>
-              <a:ext uri="{FF2B5EF4-FFF2-40B4-BE49-F238E27FC236}">
-                <a16:creationId xmlns:a16="http://schemas.microsoft.com/office/drawing/2014/main" id="{15F27F66-A560-A212-6783-B2C8ED4D0E67}"/>
+          <p:cNvPr id="3" name="TextBox 2">
+            <a:extLst>
+              <a:ext uri="{FF2B5EF4-FFF2-40B4-BE49-F238E27FC236}">
+                <a16:creationId xmlns:a16="http://schemas.microsoft.com/office/drawing/2014/main" id="{C17CF726-D1D4-181E-76E4-1BA9B97A456E}"/>
               </a:ext>
             </a:extLst>
           </p:cNvPr>
@@ -6631,8 +9936,8 @@
         </p:nvSpPr>
         <p:spPr>
           <a:xfrm>
-            <a:off x="295275" y="638175"/>
-            <a:ext cx="11601450" cy="2031325"/>
+            <a:off x="428625" y="309344"/>
+            <a:ext cx="4419600" cy="369332"/>
           </a:xfrm>
           <a:prstGeom prst="rect">
             <a:avLst/>
@@ -6647,85 +9952,369 @@
           <a:p>
             <a:r>
               <a:rPr lang="en-US" b="1" dirty="0"/>
-              <a:t>School Criteria</a:t>
-            </a:r>
-          </a:p>
-          <a:p>
-            <a:pPr marL="285750" indent="-285750">
-              <a:buFontTx/>
-              <a:buChar char="-"/>
-            </a:pPr>
+              <a:t>Element #5: Environment Impact</a:t>
+            </a:r>
+            <a:endParaRPr lang="en-CA" b="1" dirty="0"/>
+          </a:p>
+        </p:txBody>
+      </p:sp>
+      <p:sp>
+        <p:nvSpPr>
+          <p:cNvPr id="4" name="Rectangle: Rounded Corners 3">
+            <a:extLst>
+              <a:ext uri="{FF2B5EF4-FFF2-40B4-BE49-F238E27FC236}">
+                <a16:creationId xmlns:a16="http://schemas.microsoft.com/office/drawing/2014/main" id="{749D4BC1-37D2-0C36-E339-E374EA826B7B}"/>
+              </a:ext>
+            </a:extLst>
+          </p:cNvPr>
+          <p:cNvSpPr/>
+          <p:nvPr/>
+        </p:nvSpPr>
+        <p:spPr>
+          <a:xfrm>
+            <a:off x="4472861" y="2996150"/>
+            <a:ext cx="2742938" cy="1379465"/>
+          </a:xfrm>
+          <a:prstGeom prst="roundRect">
+            <a:avLst/>
+          </a:prstGeom>
+        </p:spPr>
+        <p:style>
+          <a:lnRef idx="2">
+            <a:schemeClr val="accent1">
+              <a:shade val="50000"/>
+            </a:schemeClr>
+          </a:lnRef>
+          <a:fillRef idx="1">
+            <a:schemeClr val="accent1"/>
+          </a:fillRef>
+          <a:effectRef idx="0">
+            <a:schemeClr val="accent1"/>
+          </a:effectRef>
+          <a:fontRef idx="minor">
+            <a:schemeClr val="lt1"/>
+          </a:fontRef>
+        </p:style>
+        <p:txBody>
+          <a:bodyPr rtlCol="0" anchor="ctr"/>
+          <a:lstStyle/>
+          <a:p>
+            <a:pPr algn="ctr"/>
             <a:r>
               <a:rPr lang="en-US" dirty="0"/>
-              <a:t>Testing scores (samples 2-3)</a:t>
-            </a:r>
-          </a:p>
-          <a:p>
-            <a:pPr marL="285750" indent="-285750">
-              <a:buFontTx/>
-              <a:buChar char="-"/>
-            </a:pPr>
-            <a:r>
-              <a:rPr lang="en-US" dirty="0"/>
-              <a:t>School enrollments</a:t>
-            </a:r>
-          </a:p>
-          <a:p>
-            <a:pPr marL="285750" indent="-285750">
-              <a:buFontTx/>
-              <a:buChar char="-"/>
-            </a:pPr>
-            <a:r>
-              <a:rPr lang="en-US" dirty="0"/>
-              <a:t>Safety (crime rates at the particular area)</a:t>
-            </a:r>
-          </a:p>
-          <a:p>
-            <a:pPr marL="285750" indent="-285750">
-              <a:buFontTx/>
-              <a:buChar char="-"/>
-            </a:pPr>
-            <a:r>
-              <a:rPr lang="en-US" dirty="0"/>
-              <a:t>Sports</a:t>
-            </a:r>
-          </a:p>
-          <a:p>
-            <a:pPr marL="285750" indent="-285750">
-              <a:buFontTx/>
-              <a:buChar char="-"/>
-            </a:pPr>
-            <a:r>
-              <a:rPr lang="en-US" dirty="0"/>
-              <a:t>Area population</a:t>
-            </a:r>
-          </a:p>
-          <a:p>
-            <a:pPr marL="285750" indent="-285750">
-              <a:buFontTx/>
-              <a:buChar char="-"/>
-            </a:pPr>
-            <a:r>
-              <a:rPr lang="en-US" dirty="0"/>
-              <a:t>Private or </a:t>
-            </a:r>
-            <a:r>
-              <a:rPr lang="en-US" b="1" dirty="0"/>
-              <a:t>Public</a:t>
-            </a:r>
-            <a:r>
-              <a:rPr lang="en-US" dirty="0"/>
-              <a:t> or both</a:t>
-            </a:r>
-          </a:p>
-        </p:txBody>
-      </p:sp>
-      <p:sp>
-        <p:nvSpPr>
-          <p:cNvPr id="5" name="TextBox 4">
-            <a:extLst>
-              <a:ext uri="{FF2B5EF4-FFF2-40B4-BE49-F238E27FC236}">
-                <a16:creationId xmlns:a16="http://schemas.microsoft.com/office/drawing/2014/main" id="{30E5B9BA-6350-DD62-6330-6FF11F687694}"/>
+              <a:t>Graph</a:t>
+            </a:r>
+            <a:endParaRPr lang="en-CA" dirty="0"/>
+          </a:p>
+        </p:txBody>
+      </p:sp>
+      <p:sp>
+        <p:nvSpPr>
+          <p:cNvPr id="5" name="Rectangle: Rounded Corners 4">
+            <a:extLst>
+              <a:ext uri="{FF2B5EF4-FFF2-40B4-BE49-F238E27FC236}">
+                <a16:creationId xmlns:a16="http://schemas.microsoft.com/office/drawing/2014/main" id="{1DD31148-3309-B642-074E-53D5946630F7}"/>
+              </a:ext>
+            </a:extLst>
+          </p:cNvPr>
+          <p:cNvSpPr/>
+          <p:nvPr/>
+        </p:nvSpPr>
+        <p:spPr>
+          <a:xfrm>
+            <a:off x="503339" y="1554033"/>
+            <a:ext cx="922789" cy="570452"/>
+          </a:xfrm>
+          <a:prstGeom prst="roundRect">
+            <a:avLst/>
+          </a:prstGeom>
+        </p:spPr>
+        <p:style>
+          <a:lnRef idx="2">
+            <a:schemeClr val="accent1">
+              <a:shade val="50000"/>
+            </a:schemeClr>
+          </a:lnRef>
+          <a:fillRef idx="1">
+            <a:schemeClr val="accent1"/>
+          </a:fillRef>
+          <a:effectRef idx="0">
+            <a:schemeClr val="accent1"/>
+          </a:effectRef>
+          <a:fontRef idx="minor">
+            <a:schemeClr val="lt1"/>
+          </a:fontRef>
+        </p:style>
+        <p:txBody>
+          <a:bodyPr rtlCol="0" anchor="ctr"/>
+          <a:lstStyle/>
+          <a:p>
+            <a:pPr algn="ctr"/>
+            <a:r>
+              <a:rPr lang="en-US" sz="800" dirty="0"/>
+              <a:t>Global EV Data Explorer</a:t>
+            </a:r>
+            <a:endParaRPr lang="en-CA" sz="800" dirty="0"/>
+          </a:p>
+        </p:txBody>
+      </p:sp>
+      <p:sp>
+        <p:nvSpPr>
+          <p:cNvPr id="6" name="Rectangle: Rounded Corners 5">
+            <a:extLst>
+              <a:ext uri="{FF2B5EF4-FFF2-40B4-BE49-F238E27FC236}">
+                <a16:creationId xmlns:a16="http://schemas.microsoft.com/office/drawing/2014/main" id="{942322FA-514D-D965-B300-B48AD165ED07}"/>
+              </a:ext>
+            </a:extLst>
+          </p:cNvPr>
+          <p:cNvSpPr/>
+          <p:nvPr/>
+        </p:nvSpPr>
+        <p:spPr>
+          <a:xfrm>
+            <a:off x="545944" y="5712801"/>
+            <a:ext cx="922789" cy="570452"/>
+          </a:xfrm>
+          <a:prstGeom prst="roundRect">
+            <a:avLst/>
+          </a:prstGeom>
+          <a:solidFill>
+            <a:schemeClr val="accent4">
+              <a:lumMod val="60000"/>
+              <a:lumOff val="40000"/>
+            </a:schemeClr>
+          </a:solidFill>
+        </p:spPr>
+        <p:style>
+          <a:lnRef idx="2">
+            <a:schemeClr val="accent1">
+              <a:shade val="50000"/>
+            </a:schemeClr>
+          </a:lnRef>
+          <a:fillRef idx="1">
+            <a:schemeClr val="accent1"/>
+          </a:fillRef>
+          <a:effectRef idx="0">
+            <a:schemeClr val="accent1"/>
+          </a:effectRef>
+          <a:fontRef idx="minor">
+            <a:schemeClr val="lt1"/>
+          </a:fontRef>
+        </p:style>
+        <p:txBody>
+          <a:bodyPr rtlCol="0" anchor="ctr"/>
+          <a:lstStyle/>
+          <a:p>
+            <a:pPr algn="ctr"/>
+            <a:r>
+              <a:rPr lang="en-US" sz="800" dirty="0">
+                <a:solidFill>
+                  <a:schemeClr val="tx1"/>
+                </a:solidFill>
+              </a:rPr>
+              <a:t>Python</a:t>
+            </a:r>
+            <a:endParaRPr lang="en-CA" sz="800" dirty="0">
+              <a:solidFill>
+                <a:schemeClr val="tx1"/>
+              </a:solidFill>
+            </a:endParaRPr>
+          </a:p>
+        </p:txBody>
+      </p:sp>
+      <p:sp>
+        <p:nvSpPr>
+          <p:cNvPr id="7" name="Rectangle: Rounded Corners 6">
+            <a:extLst>
+              <a:ext uri="{FF2B5EF4-FFF2-40B4-BE49-F238E27FC236}">
+                <a16:creationId xmlns:a16="http://schemas.microsoft.com/office/drawing/2014/main" id="{21926AE3-70B8-CF32-10F1-8FD151656EBF}"/>
+              </a:ext>
+            </a:extLst>
+          </p:cNvPr>
+          <p:cNvSpPr/>
+          <p:nvPr/>
+        </p:nvSpPr>
+        <p:spPr>
+          <a:xfrm>
+            <a:off x="545944" y="4073954"/>
+            <a:ext cx="922789" cy="570452"/>
+          </a:xfrm>
+          <a:prstGeom prst="roundRect">
+            <a:avLst/>
+          </a:prstGeom>
+          <a:solidFill>
+            <a:schemeClr val="accent4">
+              <a:lumMod val="60000"/>
+              <a:lumOff val="40000"/>
+            </a:schemeClr>
+          </a:solidFill>
+        </p:spPr>
+        <p:style>
+          <a:lnRef idx="2">
+            <a:schemeClr val="accent1">
+              <a:shade val="50000"/>
+            </a:schemeClr>
+          </a:lnRef>
+          <a:fillRef idx="1">
+            <a:schemeClr val="accent1"/>
+          </a:fillRef>
+          <a:effectRef idx="0">
+            <a:schemeClr val="accent1"/>
+          </a:effectRef>
+          <a:fontRef idx="minor">
+            <a:schemeClr val="lt1"/>
+          </a:fontRef>
+        </p:style>
+        <p:txBody>
+          <a:bodyPr rtlCol="0" anchor="ctr"/>
+          <a:lstStyle/>
+          <a:p>
+            <a:pPr algn="ctr"/>
+            <a:r>
+              <a:rPr lang="en-US" sz="800" dirty="0">
+                <a:solidFill>
+                  <a:schemeClr val="tx1"/>
+                </a:solidFill>
+              </a:rPr>
+              <a:t>HTML</a:t>
+            </a:r>
+            <a:endParaRPr lang="en-CA" sz="800" dirty="0">
+              <a:solidFill>
+                <a:schemeClr val="tx1"/>
+              </a:solidFill>
+            </a:endParaRPr>
+          </a:p>
+        </p:txBody>
+      </p:sp>
+      <p:sp>
+        <p:nvSpPr>
+          <p:cNvPr id="8" name="Rectangle: Rounded Corners 7">
+            <a:extLst>
+              <a:ext uri="{FF2B5EF4-FFF2-40B4-BE49-F238E27FC236}">
+                <a16:creationId xmlns:a16="http://schemas.microsoft.com/office/drawing/2014/main" id="{36A2801E-B8EF-096A-963C-6E090242B0EE}"/>
+              </a:ext>
+            </a:extLst>
+          </p:cNvPr>
+          <p:cNvSpPr/>
+          <p:nvPr/>
+        </p:nvSpPr>
+        <p:spPr>
+          <a:xfrm>
+            <a:off x="545944" y="4841542"/>
+            <a:ext cx="922789" cy="570452"/>
+          </a:xfrm>
+          <a:prstGeom prst="roundRect">
+            <a:avLst/>
+          </a:prstGeom>
+          <a:solidFill>
+            <a:schemeClr val="accent4">
+              <a:lumMod val="60000"/>
+              <a:lumOff val="40000"/>
+            </a:schemeClr>
+          </a:solidFill>
+        </p:spPr>
+        <p:style>
+          <a:lnRef idx="2">
+            <a:schemeClr val="accent1">
+              <a:shade val="50000"/>
+            </a:schemeClr>
+          </a:lnRef>
+          <a:fillRef idx="1">
+            <a:schemeClr val="accent1"/>
+          </a:fillRef>
+          <a:effectRef idx="0">
+            <a:schemeClr val="accent1"/>
+          </a:effectRef>
+          <a:fontRef idx="minor">
+            <a:schemeClr val="lt1"/>
+          </a:fontRef>
+        </p:style>
+        <p:txBody>
+          <a:bodyPr rtlCol="0" anchor="ctr"/>
+          <a:lstStyle/>
+          <a:p>
+            <a:pPr algn="ctr"/>
+            <a:r>
+              <a:rPr lang="en-US" sz="800" dirty="0" err="1">
+                <a:solidFill>
+                  <a:schemeClr val="tx1"/>
+                </a:solidFill>
+              </a:rPr>
+              <a:t>Javascript</a:t>
+            </a:r>
+            <a:endParaRPr lang="en-CA" sz="800" dirty="0">
+              <a:solidFill>
+                <a:schemeClr val="tx1"/>
+              </a:solidFill>
+            </a:endParaRPr>
+          </a:p>
+        </p:txBody>
+      </p:sp>
+      <p:pic>
+        <p:nvPicPr>
+          <p:cNvPr id="10" name="Picture 9">
+            <a:extLst>
+              <a:ext uri="{FF2B5EF4-FFF2-40B4-BE49-F238E27FC236}">
+                <a16:creationId xmlns:a16="http://schemas.microsoft.com/office/drawing/2014/main" id="{7F7CF2A5-E373-D180-E25A-F1354B50287A}"/>
+              </a:ext>
+            </a:extLst>
+          </p:cNvPr>
+          <p:cNvPicPr>
+            <a:picLocks noChangeAspect="1"/>
+          </p:cNvPicPr>
+          <p:nvPr/>
+        </p:nvPicPr>
+        <p:blipFill>
+          <a:blip r:embed="rId2"/>
+          <a:stretch>
+            <a:fillRect/>
+          </a:stretch>
+        </p:blipFill>
+        <p:spPr>
+          <a:xfrm>
+            <a:off x="6096000" y="1545470"/>
+            <a:ext cx="5749255" cy="738579"/>
+          </a:xfrm>
+          <a:prstGeom prst="rect">
+            <a:avLst/>
+          </a:prstGeom>
+          <a:solidFill>
+            <a:srgbClr val="FFFFFF">
+              <a:shade val="85000"/>
+            </a:srgbClr>
+          </a:solidFill>
+          <a:ln w="190500" cap="rnd">
+            <a:solidFill>
+              <a:srgbClr val="FFFFFF"/>
+            </a:solidFill>
+          </a:ln>
+          <a:effectLst>
+            <a:outerShdw blurRad="50000" algn="tl" rotWithShape="0">
+              <a:srgbClr val="000000">
+                <a:alpha val="41000"/>
+              </a:srgbClr>
+            </a:outerShdw>
+          </a:effectLst>
+          <a:scene3d>
+            <a:camera prst="orthographicFront"/>
+            <a:lightRig rig="twoPt" dir="t">
+              <a:rot lat="0" lon="0" rev="7800000"/>
+            </a:lightRig>
+          </a:scene3d>
+          <a:sp3d contourW="6350">
+            <a:bevelT w="50800" h="16510"/>
+            <a:contourClr>
+              <a:srgbClr val="C0C0C0"/>
+            </a:contourClr>
+          </a:sp3d>
+        </p:spPr>
+      </p:pic>
+      <p:sp>
+        <p:nvSpPr>
+          <p:cNvPr id="11" name="TextBox 10">
+            <a:extLst>
+              <a:ext uri="{FF2B5EF4-FFF2-40B4-BE49-F238E27FC236}">
+                <a16:creationId xmlns:a16="http://schemas.microsoft.com/office/drawing/2014/main" id="{30BE2236-4D49-DCBF-D0B7-F9A0D2BB6DCE}"/>
               </a:ext>
             </a:extLst>
           </p:cNvPr>
@@ -6734,8 +10323,8 @@
         </p:nvSpPr>
         <p:spPr>
           <a:xfrm>
-            <a:off x="295275" y="114300"/>
-            <a:ext cx="10896600" cy="584775"/>
+            <a:off x="8204433" y="1097279"/>
+            <a:ext cx="1417740" cy="369332"/>
           </a:xfrm>
           <a:prstGeom prst="rect">
             <a:avLst/>
@@ -6749,17 +10338,103 @@
           <a:lstStyle/>
           <a:p>
             <a:r>
-              <a:rPr lang="en-US" sz="3200" b="1" dirty="0"/>
-              <a:t>OPTION#1</a:t>
-            </a:r>
-            <a:endParaRPr lang="en-CA" sz="3200" b="1" dirty="0"/>
+              <a:rPr lang="en-US" dirty="0"/>
+              <a:t>Dropdown</a:t>
+            </a:r>
+            <a:endParaRPr lang="en-CA" dirty="0"/>
+          </a:p>
+        </p:txBody>
+      </p:sp>
+      <p:sp>
+        <p:nvSpPr>
+          <p:cNvPr id="12" name="Rectangle: Rounded Corners 11">
+            <a:extLst>
+              <a:ext uri="{FF2B5EF4-FFF2-40B4-BE49-F238E27FC236}">
+                <a16:creationId xmlns:a16="http://schemas.microsoft.com/office/drawing/2014/main" id="{8BB51497-3AFD-EA62-CCDD-4FC2E66BF532}"/>
+              </a:ext>
+            </a:extLst>
+          </p:cNvPr>
+          <p:cNvSpPr/>
+          <p:nvPr/>
+        </p:nvSpPr>
+        <p:spPr>
+          <a:xfrm>
+            <a:off x="503339" y="2306913"/>
+            <a:ext cx="922789" cy="570452"/>
+          </a:xfrm>
+          <a:prstGeom prst="roundRect">
+            <a:avLst/>
+          </a:prstGeom>
+        </p:spPr>
+        <p:style>
+          <a:lnRef idx="2">
+            <a:schemeClr val="accent1">
+              <a:shade val="50000"/>
+            </a:schemeClr>
+          </a:lnRef>
+          <a:fillRef idx="1">
+            <a:schemeClr val="accent1"/>
+          </a:fillRef>
+          <a:effectRef idx="0">
+            <a:schemeClr val="accent1"/>
+          </a:effectRef>
+          <a:fontRef idx="minor">
+            <a:schemeClr val="lt1"/>
+          </a:fontRef>
+        </p:style>
+        <p:txBody>
+          <a:bodyPr rtlCol="0" anchor="ctr"/>
+          <a:lstStyle/>
+          <a:p>
+            <a:pPr algn="ctr"/>
+            <a:r>
+              <a:rPr lang="en-US" sz="800" dirty="0"/>
+              <a:t>Hardik’s Files</a:t>
+            </a:r>
+            <a:endParaRPr lang="en-CA" sz="800" dirty="0"/>
+          </a:p>
+        </p:txBody>
+      </p:sp>
+      <p:sp>
+        <p:nvSpPr>
+          <p:cNvPr id="13" name="TextBox 12">
+            <a:extLst>
+              <a:ext uri="{FF2B5EF4-FFF2-40B4-BE49-F238E27FC236}">
+                <a16:creationId xmlns:a16="http://schemas.microsoft.com/office/drawing/2014/main" id="{90DB1132-CEF2-5954-F475-F418F5B88D70}"/>
+              </a:ext>
+            </a:extLst>
+          </p:cNvPr>
+          <p:cNvSpPr txBox="1"/>
+          <p:nvPr/>
+        </p:nvSpPr>
+        <p:spPr>
+          <a:xfrm>
+            <a:off x="9648736" y="6283253"/>
+            <a:ext cx="2272019" cy="369332"/>
+          </a:xfrm>
+          <a:prstGeom prst="rect">
+            <a:avLst/>
+          </a:prstGeom>
+          <a:noFill/>
+        </p:spPr>
+        <p:txBody>
+          <a:bodyPr wrap="square" rtlCol="0">
+            <a:spAutoFit/>
+          </a:bodyPr>
+          <a:lstStyle/>
+          <a:p>
+            <a:r>
+              <a:rPr lang="en-US" dirty="0"/>
+              <a:t>Owner: Arsam</a:t>
+            </a:r>
+            <a:endParaRPr lang="en-CA" dirty="0"/>
           </a:p>
         </p:txBody>
       </p:sp>
     </p:spTree>
     <p:extLst>
       <p:ext uri="{BB962C8B-B14F-4D97-AF65-F5344CB8AC3E}">
-        <p14:creationId xmlns:p14="http://schemas.microsoft.com/office/powerpoint/2010/main" val="2834892153"/>
+        <p14:creationId xmlns:p14="http://schemas.microsoft.com/office/powerpoint/2010/main" val="2092849136"/>
       </p:ext>
     </p:extLst>
   </p:cSld>
@@ -6791,7 +10466,7 @@
           <p:cNvPr id="4" name="TextBox 3">
             <a:extLst>
               <a:ext uri="{FF2B5EF4-FFF2-40B4-BE49-F238E27FC236}">
-                <a16:creationId xmlns:a16="http://schemas.microsoft.com/office/drawing/2014/main" id="{F94F9B12-763D-EA4C-AD39-B4BFA9AE5092}"/>
+                <a16:creationId xmlns:a16="http://schemas.microsoft.com/office/drawing/2014/main" id="{8184D84F-EEE8-43E8-76E2-4F97DE402692}"/>
               </a:ext>
             </a:extLst>
           </p:cNvPr>
@@ -6800,8 +10475,8 @@
         </p:nvSpPr>
         <p:spPr>
           <a:xfrm>
-            <a:off x="276225" y="276225"/>
-            <a:ext cx="11601450" cy="3693319"/>
+            <a:off x="428625" y="309344"/>
+            <a:ext cx="4419600" cy="369332"/>
           </a:xfrm>
           <a:prstGeom prst="rect">
             <a:avLst/>
@@ -6816,219 +10491,394 @@
           <a:p>
             <a:r>
               <a:rPr lang="en-US" b="1" dirty="0"/>
-              <a:t>Project Deliverables</a:t>
-            </a:r>
-          </a:p>
-          <a:p>
-            <a:pPr algn="l">
-              <a:buFont typeface="+mj-lt"/>
-              <a:buAutoNum type="arabicPeriod"/>
-            </a:pPr>
-            <a:r>
-              <a:rPr lang="en-US" b="0" i="0" dirty="0">
+              <a:t>Element #6: Denny’s</a:t>
+            </a:r>
+            <a:endParaRPr lang="en-CA" b="1" dirty="0"/>
+          </a:p>
+        </p:txBody>
+      </p:sp>
+      <p:sp>
+        <p:nvSpPr>
+          <p:cNvPr id="5" name="Rectangle: Rounded Corners 4">
+            <a:extLst>
+              <a:ext uri="{FF2B5EF4-FFF2-40B4-BE49-F238E27FC236}">
+                <a16:creationId xmlns:a16="http://schemas.microsoft.com/office/drawing/2014/main" id="{5EC9320A-3CB2-E863-A7AE-532D8A6A8F85}"/>
+              </a:ext>
+            </a:extLst>
+          </p:cNvPr>
+          <p:cNvSpPr/>
+          <p:nvPr/>
+        </p:nvSpPr>
+        <p:spPr>
+          <a:xfrm>
+            <a:off x="4360266" y="3217702"/>
+            <a:ext cx="2742938" cy="1379465"/>
+          </a:xfrm>
+          <a:prstGeom prst="roundRect">
+            <a:avLst/>
+          </a:prstGeom>
+        </p:spPr>
+        <p:style>
+          <a:lnRef idx="2">
+            <a:schemeClr val="accent1">
+              <a:shade val="50000"/>
+            </a:schemeClr>
+          </a:lnRef>
+          <a:fillRef idx="1">
+            <a:schemeClr val="accent1"/>
+          </a:fillRef>
+          <a:effectRef idx="0">
+            <a:schemeClr val="accent1"/>
+          </a:effectRef>
+          <a:fontRef idx="minor">
+            <a:schemeClr val="lt1"/>
+          </a:fontRef>
+        </p:style>
+        <p:txBody>
+          <a:bodyPr rtlCol="0" anchor="ctr"/>
+          <a:lstStyle/>
+          <a:p>
+            <a:pPr algn="ctr"/>
+            <a:r>
+              <a:rPr lang="en-US" dirty="0"/>
+              <a:t>MAP</a:t>
+            </a:r>
+            <a:endParaRPr lang="en-CA" dirty="0"/>
+          </a:p>
+        </p:txBody>
+      </p:sp>
+      <p:sp>
+        <p:nvSpPr>
+          <p:cNvPr id="6" name="Rectangle: Rounded Corners 5">
+            <a:extLst>
+              <a:ext uri="{FF2B5EF4-FFF2-40B4-BE49-F238E27FC236}">
+                <a16:creationId xmlns:a16="http://schemas.microsoft.com/office/drawing/2014/main" id="{432374B8-2C4E-23F6-C168-571872549F5F}"/>
+              </a:ext>
+            </a:extLst>
+          </p:cNvPr>
+          <p:cNvSpPr/>
+          <p:nvPr/>
+        </p:nvSpPr>
+        <p:spPr>
+          <a:xfrm>
+            <a:off x="503339" y="1554033"/>
+            <a:ext cx="922789" cy="570452"/>
+          </a:xfrm>
+          <a:prstGeom prst="roundRect">
+            <a:avLst/>
+          </a:prstGeom>
+        </p:spPr>
+        <p:style>
+          <a:lnRef idx="2">
+            <a:schemeClr val="accent1">
+              <a:shade val="50000"/>
+            </a:schemeClr>
+          </a:lnRef>
+          <a:fillRef idx="1">
+            <a:schemeClr val="accent1"/>
+          </a:fillRef>
+          <a:effectRef idx="0">
+            <a:schemeClr val="accent1"/>
+          </a:effectRef>
+          <a:fontRef idx="minor">
+            <a:schemeClr val="lt1"/>
+          </a:fontRef>
+        </p:style>
+        <p:txBody>
+          <a:bodyPr rtlCol="0" anchor="ctr"/>
+          <a:lstStyle/>
+          <a:p>
+            <a:pPr algn="ctr"/>
+            <a:r>
+              <a:rPr lang="en-US" sz="800" dirty="0"/>
+              <a:t>Denny’s Location </a:t>
+            </a:r>
+            <a:endParaRPr lang="en-CA" sz="800" dirty="0"/>
+          </a:p>
+        </p:txBody>
+      </p:sp>
+      <p:sp>
+        <p:nvSpPr>
+          <p:cNvPr id="7" name="Rectangle: Rounded Corners 6">
+            <a:extLst>
+              <a:ext uri="{FF2B5EF4-FFF2-40B4-BE49-F238E27FC236}">
+                <a16:creationId xmlns:a16="http://schemas.microsoft.com/office/drawing/2014/main" id="{8D3983C4-4AD0-6E06-8A7E-43C4C80A5570}"/>
+              </a:ext>
+            </a:extLst>
+          </p:cNvPr>
+          <p:cNvSpPr/>
+          <p:nvPr/>
+        </p:nvSpPr>
+        <p:spPr>
+          <a:xfrm>
+            <a:off x="503339" y="2278710"/>
+            <a:ext cx="922789" cy="570452"/>
+          </a:xfrm>
+          <a:prstGeom prst="roundRect">
+            <a:avLst/>
+          </a:prstGeom>
+          <a:solidFill>
+            <a:schemeClr val="accent4">
+              <a:lumMod val="60000"/>
+              <a:lumOff val="40000"/>
+            </a:schemeClr>
+          </a:solidFill>
+        </p:spPr>
+        <p:style>
+          <a:lnRef idx="2">
+            <a:schemeClr val="accent1">
+              <a:shade val="50000"/>
+            </a:schemeClr>
+          </a:lnRef>
+          <a:fillRef idx="1">
+            <a:schemeClr val="accent1"/>
+          </a:fillRef>
+          <a:effectRef idx="0">
+            <a:schemeClr val="accent1"/>
+          </a:effectRef>
+          <a:fontRef idx="minor">
+            <a:schemeClr val="lt1"/>
+          </a:fontRef>
+        </p:style>
+        <p:txBody>
+          <a:bodyPr rtlCol="0" anchor="ctr"/>
+          <a:lstStyle/>
+          <a:p>
+            <a:pPr algn="ctr"/>
+            <a:r>
+              <a:rPr lang="en-US" sz="800" dirty="0">
                 <a:solidFill>
-                  <a:srgbClr val="2B2B2B"/>
+                  <a:schemeClr val="tx1"/>
                 </a:solidFill>
-                <a:effectLst/>
-                <a:latin typeface="Roboto" panose="02000000000000000000" pitchFamily="2" charset="0"/>
               </a:rPr>
-              <a:t>Your visualization must include a Python Flask-powered API, </a:t>
-            </a:r>
-            <a:r>
-              <a:rPr lang="en-US" b="0" i="0" u="sng" dirty="0">
-                <a:solidFill>
-                  <a:srgbClr val="2B2B2B"/>
-                </a:solidFill>
-                <a:effectLst/>
-                <a:latin typeface="Roboto" panose="02000000000000000000" pitchFamily="2" charset="0"/>
-              </a:rPr>
-              <a:t>HTML/CSS, JavaScript</a:t>
-            </a:r>
-            <a:r>
-              <a:rPr lang="en-US" b="0" i="0" dirty="0">
-                <a:solidFill>
-                  <a:srgbClr val="2B2B2B"/>
-                </a:solidFill>
-                <a:effectLst/>
-                <a:latin typeface="Roboto" panose="02000000000000000000" pitchFamily="2" charset="0"/>
-              </a:rPr>
-              <a:t>, and at least one database (SQL, MongoDB, SQLite, etc.).</a:t>
-            </a:r>
-          </a:p>
-          <a:p>
-            <a:pPr algn="l">
-              <a:buFont typeface="+mj-lt"/>
-              <a:buAutoNum type="arabicPeriod"/>
-            </a:pPr>
-            <a:r>
-              <a:rPr lang="en-US" b="0" i="0" dirty="0">
-                <a:solidFill>
-                  <a:srgbClr val="2B2B2B"/>
-                </a:solidFill>
-                <a:effectLst/>
-                <a:latin typeface="Roboto" panose="02000000000000000000" pitchFamily="2" charset="0"/>
-              </a:rPr>
-              <a:t>Your project should fall into one of the following three tracks:</a:t>
-            </a:r>
-          </a:p>
-          <a:p>
-            <a:pPr marL="742950" lvl="1" indent="-285750" algn="l">
-              <a:buFont typeface="+mj-lt"/>
-              <a:buAutoNum type="arabicPeriod"/>
-            </a:pPr>
-            <a:r>
-              <a:rPr lang="en-US" b="0" i="0" dirty="0">
-                <a:solidFill>
-                  <a:srgbClr val="2B2B2B"/>
-                </a:solidFill>
-                <a:effectLst/>
-                <a:latin typeface="Roboto" panose="02000000000000000000" pitchFamily="2" charset="0"/>
-              </a:rPr>
-              <a:t>A combination of web scraping and Leaflet or </a:t>
-            </a:r>
-            <a:r>
-              <a:rPr lang="en-US" b="0" i="0" dirty="0" err="1">
-                <a:solidFill>
-                  <a:srgbClr val="2B2B2B"/>
-                </a:solidFill>
-                <a:effectLst/>
-                <a:latin typeface="Roboto" panose="02000000000000000000" pitchFamily="2" charset="0"/>
-              </a:rPr>
-              <a:t>Plotly</a:t>
-            </a:r>
-            <a:endParaRPr lang="en-US" b="0" i="0" dirty="0">
+              <a:t>SQL</a:t>
+            </a:r>
+            <a:endParaRPr lang="en-CA" sz="800" dirty="0">
               <a:solidFill>
-                <a:srgbClr val="2B2B2B"/>
+                <a:schemeClr val="tx1"/>
               </a:solidFill>
-              <a:effectLst/>
-              <a:latin typeface="Roboto" panose="02000000000000000000" pitchFamily="2" charset="0"/>
             </a:endParaRPr>
           </a:p>
-          <a:p>
-            <a:pPr marL="742950" lvl="1" indent="-285750" algn="l">
-              <a:buFont typeface="+mj-lt"/>
-              <a:buAutoNum type="arabicPeriod"/>
-            </a:pPr>
-            <a:r>
-              <a:rPr lang="en-US" b="0" i="0" dirty="0">
-                <a:solidFill>
-                  <a:srgbClr val="2B2B2B"/>
-                </a:solidFill>
-                <a:effectLst/>
-                <a:latin typeface="Roboto" panose="02000000000000000000" pitchFamily="2" charset="0"/>
-              </a:rPr>
-              <a:t>A dashboard page with multiple charts that update from the same data</a:t>
-            </a:r>
-          </a:p>
-          <a:p>
-            <a:pPr marL="742950" lvl="1" indent="-285750" algn="l">
-              <a:buFont typeface="+mj-lt"/>
-              <a:buAutoNum type="arabicPeriod"/>
-            </a:pPr>
-            <a:r>
-              <a:rPr lang="en-US" b="0" i="0" dirty="0">
-                <a:solidFill>
-                  <a:srgbClr val="2B2B2B"/>
-                </a:solidFill>
-                <a:effectLst/>
-                <a:latin typeface="Roboto" panose="02000000000000000000" pitchFamily="2" charset="0"/>
-              </a:rPr>
-              <a:t>A server that performs multiple manipulations on data in a database prior to visualization (</a:t>
-            </a:r>
-            <a:r>
-              <a:rPr lang="en-US" b="1" i="0" dirty="0">
-                <a:solidFill>
-                  <a:srgbClr val="2B2B2B"/>
-                </a:solidFill>
-                <a:effectLst/>
-                <a:latin typeface="Roboto" panose="02000000000000000000" pitchFamily="2" charset="0"/>
-              </a:rPr>
-              <a:t>must be approved</a:t>
-            </a:r>
-            <a:r>
-              <a:rPr lang="en-US" b="0" i="0" dirty="0">
-                <a:solidFill>
-                  <a:srgbClr val="2B2B2B"/>
-                </a:solidFill>
-                <a:effectLst/>
-                <a:latin typeface="Roboto" panose="02000000000000000000" pitchFamily="2" charset="0"/>
-              </a:rPr>
-              <a:t>)</a:t>
-            </a:r>
-          </a:p>
-          <a:p>
-            <a:pPr algn="l">
-              <a:buFont typeface="+mj-lt"/>
-              <a:buAutoNum type="arabicPeriod"/>
-            </a:pPr>
-            <a:r>
-              <a:rPr lang="en-US" b="0" i="0" dirty="0">
-                <a:solidFill>
-                  <a:srgbClr val="2B2B2B"/>
-                </a:solidFill>
-                <a:effectLst/>
-                <a:latin typeface="Roboto" panose="02000000000000000000" pitchFamily="2" charset="0"/>
-              </a:rPr>
-              <a:t>Your project should include at least one JS library that we did not cover.</a:t>
-            </a:r>
-          </a:p>
-          <a:p>
-            <a:pPr algn="l">
-              <a:buFont typeface="+mj-lt"/>
-              <a:buAutoNum type="arabicPeriod"/>
-            </a:pPr>
-            <a:r>
-              <a:rPr lang="en-US" b="0" i="0" dirty="0">
-                <a:solidFill>
-                  <a:srgbClr val="2B2B2B"/>
-                </a:solidFill>
-                <a:effectLst/>
-                <a:latin typeface="Roboto" panose="02000000000000000000" pitchFamily="2" charset="0"/>
-              </a:rPr>
-              <a:t>Your project must be powered by a dataset with at least 100 records.</a:t>
-            </a:r>
-          </a:p>
-          <a:p>
-            <a:pPr algn="l">
-              <a:buFont typeface="+mj-lt"/>
-              <a:buAutoNum type="arabicPeriod"/>
-            </a:pPr>
-            <a:r>
-              <a:rPr lang="en-US" b="0" i="0" dirty="0">
-                <a:solidFill>
-                  <a:srgbClr val="2B2B2B"/>
-                </a:solidFill>
-                <a:effectLst/>
-                <a:latin typeface="Roboto" panose="02000000000000000000" pitchFamily="2" charset="0"/>
-              </a:rPr>
-              <a:t>Your project must include some level of user-driven interaction (e.g., menus, dropdowns, textboxes).</a:t>
-            </a:r>
-          </a:p>
-          <a:p>
-            <a:pPr algn="l">
-              <a:buFont typeface="+mj-lt"/>
-              <a:buAutoNum type="arabicPeriod"/>
-            </a:pPr>
-            <a:r>
-              <a:rPr lang="en-US" b="0" i="0" dirty="0">
-                <a:solidFill>
-                  <a:srgbClr val="2B2B2B"/>
-                </a:solidFill>
-                <a:effectLst/>
-                <a:latin typeface="Roboto" panose="02000000000000000000" pitchFamily="2" charset="0"/>
-              </a:rPr>
-              <a:t>Your final visualization should ideally include at least three views.</a:t>
-            </a:r>
-          </a:p>
-          <a:p>
-            <a:endParaRPr lang="en-US" b="1" dirty="0"/>
+        </p:txBody>
+      </p:sp>
+      <p:sp>
+        <p:nvSpPr>
+          <p:cNvPr id="8" name="TextBox 7">
+            <a:extLst>
+              <a:ext uri="{FF2B5EF4-FFF2-40B4-BE49-F238E27FC236}">
+                <a16:creationId xmlns:a16="http://schemas.microsoft.com/office/drawing/2014/main" id="{ABDEA804-850C-F788-1091-7C95860258DA}"/>
+              </a:ext>
+            </a:extLst>
+          </p:cNvPr>
+          <p:cNvSpPr txBox="1"/>
+          <p:nvPr/>
+        </p:nvSpPr>
+        <p:spPr>
+          <a:xfrm>
+            <a:off x="9648736" y="6283253"/>
+            <a:ext cx="2272019" cy="369332"/>
+          </a:xfrm>
+          <a:prstGeom prst="rect">
+            <a:avLst/>
+          </a:prstGeom>
+          <a:noFill/>
+        </p:spPr>
+        <p:txBody>
+          <a:bodyPr wrap="square" rtlCol="0">
+            <a:spAutoFit/>
+          </a:bodyPr>
+          <a:lstStyle/>
+          <a:p>
+            <a:r>
+              <a:rPr lang="en-US" dirty="0"/>
+              <a:t>Owner: Arsam</a:t>
+            </a:r>
+            <a:endParaRPr lang="en-CA" dirty="0"/>
           </a:p>
         </p:txBody>
       </p:sp>
     </p:spTree>
     <p:extLst>
       <p:ext uri="{BB962C8B-B14F-4D97-AF65-F5344CB8AC3E}">
-        <p14:creationId xmlns:p14="http://schemas.microsoft.com/office/powerpoint/2010/main" val="4240041981"/>
+        <p14:creationId xmlns:p14="http://schemas.microsoft.com/office/powerpoint/2010/main" val="1360125248"/>
+      </p:ext>
+    </p:extLst>
+  </p:cSld>
+  <p:clrMapOvr>
+    <a:masterClrMapping/>
+  </p:clrMapOvr>
+</p:sld>
+</file>
+
+<file path=ppt/slides/slide9.xml><?xml version="1.0" encoding="utf-8"?>
+<p:sld xmlns:a="http://schemas.openxmlformats.org/drawingml/2006/main" xmlns:r="http://schemas.openxmlformats.org/officeDocument/2006/relationships" xmlns:p="http://schemas.openxmlformats.org/presentationml/2006/main">
+  <p:cSld>
+    <p:spTree>
+      <p:nvGrpSpPr>
+        <p:cNvPr id="1" name=""/>
+        <p:cNvGrpSpPr/>
+        <p:nvPr/>
+      </p:nvGrpSpPr>
+      <p:grpSpPr>
+        <a:xfrm>
+          <a:off x="0" y="0"/>
+          <a:ext cx="0" cy="0"/>
+          <a:chOff x="0" y="0"/>
+          <a:chExt cx="0" cy="0"/>
+        </a:xfrm>
+      </p:grpSpPr>
+      <p:sp>
+        <p:nvSpPr>
+          <p:cNvPr id="4" name="TextBox 3">
+            <a:extLst>
+              <a:ext uri="{FF2B5EF4-FFF2-40B4-BE49-F238E27FC236}">
+                <a16:creationId xmlns:a16="http://schemas.microsoft.com/office/drawing/2014/main" id="{D8D0AD2B-7796-7352-7AAD-643AAE4857A9}"/>
+              </a:ext>
+            </a:extLst>
+          </p:cNvPr>
+          <p:cNvSpPr txBox="1"/>
+          <p:nvPr/>
+        </p:nvSpPr>
+        <p:spPr>
+          <a:xfrm>
+            <a:off x="323850" y="295275"/>
+            <a:ext cx="11525250" cy="2862322"/>
+          </a:xfrm>
+          <a:prstGeom prst="rect">
+            <a:avLst/>
+          </a:prstGeom>
+          <a:noFill/>
+        </p:spPr>
+        <p:txBody>
+          <a:bodyPr wrap="square" rtlCol="0">
+            <a:spAutoFit/>
+          </a:bodyPr>
+          <a:lstStyle/>
+          <a:p>
+            <a:r>
+              <a:rPr lang="en-US" b="1" u="sng" dirty="0"/>
+              <a:t>Brainstorming:</a:t>
+            </a:r>
+          </a:p>
+          <a:p>
+            <a:pPr marL="285750" indent="-285750">
+              <a:buFontTx/>
+              <a:buChar char="-"/>
+            </a:pPr>
+            <a:r>
+              <a:rPr lang="en-US" dirty="0"/>
+              <a:t>schools; at capacity schools need relief. </a:t>
+            </a:r>
+            <a:r>
+              <a:rPr lang="en-US" b="1" dirty="0"/>
+              <a:t>A tool for parents to evaluate if a school is a good fit</a:t>
+            </a:r>
+            <a:r>
+              <a:rPr lang="en-US" dirty="0"/>
+              <a:t>. (mappable)</a:t>
+            </a:r>
+          </a:p>
+          <a:p>
+            <a:r>
+              <a:rPr lang="en-US" dirty="0"/>
+              <a:t>	- Unique</a:t>
+            </a:r>
+          </a:p>
+          <a:p>
+            <a:r>
+              <a:rPr lang="en-US" dirty="0"/>
+              <a:t>	- What it means to be a good fit? Hard question – Provide information for parents to evaluate the schools based 	on testing score, proximity, a certain personal (family) criteria</a:t>
+            </a:r>
+          </a:p>
+          <a:p>
+            <a:pPr marL="285750" indent="-285750">
+              <a:buFontTx/>
+              <a:buChar char="-"/>
+            </a:pPr>
+            <a:r>
+              <a:rPr lang="en-US" dirty="0"/>
+              <a:t>Car theft; where about, model, why Toyota or Honda, difference in car security systems. (mappable)</a:t>
+            </a:r>
+          </a:p>
+          <a:p>
+            <a:pPr marL="285750" indent="-285750">
+              <a:buFontTx/>
+              <a:buChar char="-"/>
+            </a:pPr>
+            <a:r>
+              <a:rPr lang="en-US" dirty="0"/>
+              <a:t>Car performance; consumer reports</a:t>
+            </a:r>
+          </a:p>
+          <a:p>
+            <a:pPr marL="285750" indent="-285750">
+              <a:buFontTx/>
+              <a:buChar char="-"/>
+            </a:pPr>
+            <a:r>
+              <a:rPr lang="en-US" dirty="0"/>
+              <a:t>EV Data; </a:t>
+            </a:r>
+          </a:p>
+          <a:p>
+            <a:pPr marL="285750" indent="-285750">
+              <a:buFontTx/>
+              <a:buChar char="-"/>
+            </a:pPr>
+            <a:r>
+              <a:rPr lang="en-US" dirty="0"/>
+              <a:t>Real Estate; neighbor, walking score</a:t>
+            </a:r>
+          </a:p>
+          <a:p>
+            <a:r>
+              <a:rPr lang="en-US" dirty="0"/>
+              <a:t>	- need to diversify</a:t>
+            </a:r>
+            <a:endParaRPr lang="en-CA" dirty="0"/>
+          </a:p>
+        </p:txBody>
+      </p:sp>
+      <p:sp>
+        <p:nvSpPr>
+          <p:cNvPr id="5" name="TextBox 4">
+            <a:extLst>
+              <a:ext uri="{FF2B5EF4-FFF2-40B4-BE49-F238E27FC236}">
+                <a16:creationId xmlns:a16="http://schemas.microsoft.com/office/drawing/2014/main" id="{F4810E0A-D70D-8CE5-427D-178B26E98F1F}"/>
+              </a:ext>
+            </a:extLst>
+          </p:cNvPr>
+          <p:cNvSpPr txBox="1"/>
+          <p:nvPr/>
+        </p:nvSpPr>
+        <p:spPr>
+          <a:xfrm>
+            <a:off x="323850" y="4543425"/>
+            <a:ext cx="11525250" cy="369332"/>
+          </a:xfrm>
+          <a:prstGeom prst="rect">
+            <a:avLst/>
+          </a:prstGeom>
+          <a:noFill/>
+        </p:spPr>
+        <p:txBody>
+          <a:bodyPr wrap="square" rtlCol="0">
+            <a:spAutoFit/>
+          </a:bodyPr>
+          <a:lstStyle/>
+          <a:p>
+            <a:r>
+              <a:rPr lang="en-US" dirty="0"/>
+              <a:t>Unique topic. Cool way of using data.</a:t>
+            </a:r>
+            <a:endParaRPr lang="en-CA" dirty="0"/>
+          </a:p>
+        </p:txBody>
+      </p:sp>
+    </p:spTree>
+    <p:extLst>
+      <p:ext uri="{BB962C8B-B14F-4D97-AF65-F5344CB8AC3E}">
+        <p14:creationId xmlns:p14="http://schemas.microsoft.com/office/powerpoint/2010/main" val="3953669307"/>
       </p:ext>
     </p:extLst>
   </p:cSld>

--- a/Project 3 Planning.pptx
+++ b/Project 3 Planning.pptx
@@ -16,6 +16,7 @@
     <p:sldId id="257" r:id="rId10"/>
     <p:sldId id="258" r:id="rId11"/>
     <p:sldId id="259" r:id="rId12"/>
+    <p:sldId id="268" r:id="rId13"/>
   </p:sldIdLst>
   <p:sldSz cx="12192000" cy="6858000"/>
   <p:notesSz cx="6858000" cy="9144000"/>
@@ -127,12 +128,12 @@
   <pc:docChgLst>
     <pc:chgData name="Arsam I" userId="945c4322417bfb0e" providerId="LiveId" clId="{8FF6EC96-4F45-4E1B-BDFB-D19C2DA89A83}"/>
     <pc:docChg chg="undo custSel addSld delSld modSld sldOrd">
-      <pc:chgData name="Arsam I" userId="945c4322417bfb0e" providerId="LiveId" clId="{8FF6EC96-4F45-4E1B-BDFB-D19C2DA89A83}" dt="2023-04-14T00:40:21.006" v="1808" actId="20577"/>
+      <pc:chgData name="Arsam I" userId="945c4322417bfb0e" providerId="LiveId" clId="{8FF6EC96-4F45-4E1B-BDFB-D19C2DA89A83}" dt="2023-04-21T06:21:53.541" v="2269" actId="20577"/>
       <pc:docMkLst>
         <pc:docMk/>
       </pc:docMkLst>
       <pc:sldChg chg="addSp delSp modSp mod">
-        <pc:chgData name="Arsam I" userId="945c4322417bfb0e" providerId="LiveId" clId="{8FF6EC96-4F45-4E1B-BDFB-D19C2DA89A83}" dt="2023-04-14T00:40:21.006" v="1808" actId="20577"/>
+        <pc:chgData name="Arsam I" userId="945c4322417bfb0e" providerId="LiveId" clId="{8FF6EC96-4F45-4E1B-BDFB-D19C2DA89A83}" dt="2023-04-18T23:28:35.485" v="1822" actId="1037"/>
         <pc:sldMkLst>
           <pc:docMk/>
           <pc:sldMk cId="2754122037" sldId="256"/>
@@ -201,6 +202,14 @@
             <ac:spMk id="9" creationId="{6FBCDDF7-79C2-777A-3244-CA793CA4B65F}"/>
           </ac:spMkLst>
         </pc:spChg>
+        <pc:spChg chg="add mod">
+          <ac:chgData name="Arsam I" userId="945c4322417bfb0e" providerId="LiveId" clId="{8FF6EC96-4F45-4E1B-BDFB-D19C2DA89A83}" dt="2023-04-18T23:28:35.485" v="1822" actId="1037"/>
+          <ac:spMkLst>
+            <pc:docMk/>
+            <pc:sldMk cId="2754122037" sldId="256"/>
+            <ac:spMk id="10" creationId="{B1F3DE4C-1769-48CB-57EC-7BEA89727B6C}"/>
+          </ac:spMkLst>
+        </pc:spChg>
         <pc:spChg chg="mod">
           <ac:chgData name="Arsam I" userId="945c4322417bfb0e" providerId="LiveId" clId="{8FF6EC96-4F45-4E1B-BDFB-D19C2DA89A83}" dt="2023-04-12T01:15:25.083" v="252" actId="1076"/>
           <ac:spMkLst>
@@ -249,6 +258,29 @@
             <ac:spMk id="52" creationId="{BBC0F6C8-FB1A-0F61-0102-BF35700A77A2}"/>
           </ac:spMkLst>
         </pc:spChg>
+      </pc:sldChg>
+      <pc:sldChg chg="addSp modSp mod">
+        <pc:chgData name="Arsam I" userId="945c4322417bfb0e" providerId="LiveId" clId="{8FF6EC96-4F45-4E1B-BDFB-D19C2DA89A83}" dt="2023-04-20T23:28:53.182" v="1885" actId="1076"/>
+        <pc:sldMkLst>
+          <pc:docMk/>
+          <pc:sldMk cId="3953669307" sldId="257"/>
+        </pc:sldMkLst>
+        <pc:picChg chg="add mod">
+          <ac:chgData name="Arsam I" userId="945c4322417bfb0e" providerId="LiveId" clId="{8FF6EC96-4F45-4E1B-BDFB-D19C2DA89A83}" dt="2023-04-20T23:28:40.157" v="1883" actId="1076"/>
+          <ac:picMkLst>
+            <pc:docMk/>
+            <pc:sldMk cId="3953669307" sldId="257"/>
+            <ac:picMk id="3" creationId="{A6D18A3D-9441-5829-6343-C3A1A347CC52}"/>
+          </ac:picMkLst>
+        </pc:picChg>
+        <pc:picChg chg="add mod">
+          <ac:chgData name="Arsam I" userId="945c4322417bfb0e" providerId="LiveId" clId="{8FF6EC96-4F45-4E1B-BDFB-D19C2DA89A83}" dt="2023-04-20T23:28:53.182" v="1885" actId="1076"/>
+          <ac:picMkLst>
+            <pc:docMk/>
+            <pc:sldMk cId="3953669307" sldId="257"/>
+            <ac:picMk id="7" creationId="{28D3BE7B-F5FA-A849-3CEF-B95CEBAE8988}"/>
+          </ac:picMkLst>
+        </pc:picChg>
       </pc:sldChg>
       <pc:sldChg chg="modSp mod">
         <pc:chgData name="Arsam I" userId="945c4322417bfb0e" providerId="LiveId" clId="{8FF6EC96-4F45-4E1B-BDFB-D19C2DA89A83}" dt="2023-04-12T01:08:40.230" v="184" actId="115"/>
@@ -1017,6 +1049,37 @@
           </ac:spMkLst>
         </pc:spChg>
       </pc:sldChg>
+      <pc:sldChg chg="addSp delSp modSp new mod">
+        <pc:chgData name="Arsam I" userId="945c4322417bfb0e" providerId="LiveId" clId="{8FF6EC96-4F45-4E1B-BDFB-D19C2DA89A83}" dt="2023-04-21T06:21:53.541" v="2269" actId="20577"/>
+        <pc:sldMkLst>
+          <pc:docMk/>
+          <pc:sldMk cId="967643306" sldId="268"/>
+        </pc:sldMkLst>
+        <pc:spChg chg="del">
+          <ac:chgData name="Arsam I" userId="945c4322417bfb0e" providerId="LiveId" clId="{8FF6EC96-4F45-4E1B-BDFB-D19C2DA89A83}" dt="2023-04-20T22:54:51.768" v="1824" actId="478"/>
+          <ac:spMkLst>
+            <pc:docMk/>
+            <pc:sldMk cId="967643306" sldId="268"/>
+            <ac:spMk id="2" creationId="{E7309E76-B032-52D4-5CB7-EE118122E253}"/>
+          </ac:spMkLst>
+        </pc:spChg>
+        <pc:spChg chg="del">
+          <ac:chgData name="Arsam I" userId="945c4322417bfb0e" providerId="LiveId" clId="{8FF6EC96-4F45-4E1B-BDFB-D19C2DA89A83}" dt="2023-04-20T22:54:53.244" v="1825" actId="478"/>
+          <ac:spMkLst>
+            <pc:docMk/>
+            <pc:sldMk cId="967643306" sldId="268"/>
+            <ac:spMk id="3" creationId="{9BEEF5A9-1353-06AB-CDC9-6A6724C69363}"/>
+          </ac:spMkLst>
+        </pc:spChg>
+        <pc:spChg chg="add mod">
+          <ac:chgData name="Arsam I" userId="945c4322417bfb0e" providerId="LiveId" clId="{8FF6EC96-4F45-4E1B-BDFB-D19C2DA89A83}" dt="2023-04-21T06:21:53.541" v="2269" actId="20577"/>
+          <ac:spMkLst>
+            <pc:docMk/>
+            <pc:sldMk cId="967643306" sldId="268"/>
+            <ac:spMk id="4" creationId="{AF285E15-5412-9A42-0C96-CECC06B88564}"/>
+          </ac:spMkLst>
+        </pc:spChg>
+      </pc:sldChg>
     </pc:docChg>
   </pc:docChgLst>
 </pc:chgInfo>
@@ -1171,7 +1234,7 @@
           <a:p>
             <a:fld id="{FEF4F03A-4C2E-4909-A77F-52D07D1F9F21}" type="datetimeFigureOut">
               <a:rPr lang="en-CA" smtClean="0"/>
-              <a:t>2023-04-13</a:t>
+              <a:t>2023-04-20</a:t>
             </a:fld>
             <a:endParaRPr lang="en-CA"/>
           </a:p>
@@ -1371,7 +1434,7 @@
           <a:p>
             <a:fld id="{FEF4F03A-4C2E-4909-A77F-52D07D1F9F21}" type="datetimeFigureOut">
               <a:rPr lang="en-CA" smtClean="0"/>
-              <a:t>2023-04-13</a:t>
+              <a:t>2023-04-20</a:t>
             </a:fld>
             <a:endParaRPr lang="en-CA"/>
           </a:p>
@@ -1581,7 +1644,7 @@
           <a:p>
             <a:fld id="{FEF4F03A-4C2E-4909-A77F-52D07D1F9F21}" type="datetimeFigureOut">
               <a:rPr lang="en-CA" smtClean="0"/>
-              <a:t>2023-04-13</a:t>
+              <a:t>2023-04-20</a:t>
             </a:fld>
             <a:endParaRPr lang="en-CA"/>
           </a:p>
@@ -1781,7 +1844,7 @@
           <a:p>
             <a:fld id="{FEF4F03A-4C2E-4909-A77F-52D07D1F9F21}" type="datetimeFigureOut">
               <a:rPr lang="en-CA" smtClean="0"/>
-              <a:t>2023-04-13</a:t>
+              <a:t>2023-04-20</a:t>
             </a:fld>
             <a:endParaRPr lang="en-CA"/>
           </a:p>
@@ -2057,7 +2120,7 @@
           <a:p>
             <a:fld id="{FEF4F03A-4C2E-4909-A77F-52D07D1F9F21}" type="datetimeFigureOut">
               <a:rPr lang="en-CA" smtClean="0"/>
-              <a:t>2023-04-13</a:t>
+              <a:t>2023-04-20</a:t>
             </a:fld>
             <a:endParaRPr lang="en-CA"/>
           </a:p>
@@ -2325,7 +2388,7 @@
           <a:p>
             <a:fld id="{FEF4F03A-4C2E-4909-A77F-52D07D1F9F21}" type="datetimeFigureOut">
               <a:rPr lang="en-CA" smtClean="0"/>
-              <a:t>2023-04-13</a:t>
+              <a:t>2023-04-20</a:t>
             </a:fld>
             <a:endParaRPr lang="en-CA"/>
           </a:p>
@@ -2740,7 +2803,7 @@
           <a:p>
             <a:fld id="{FEF4F03A-4C2E-4909-A77F-52D07D1F9F21}" type="datetimeFigureOut">
               <a:rPr lang="en-CA" smtClean="0"/>
-              <a:t>2023-04-13</a:t>
+              <a:t>2023-04-20</a:t>
             </a:fld>
             <a:endParaRPr lang="en-CA"/>
           </a:p>
@@ -2882,7 +2945,7 @@
           <a:p>
             <a:fld id="{FEF4F03A-4C2E-4909-A77F-52D07D1F9F21}" type="datetimeFigureOut">
               <a:rPr lang="en-CA" smtClean="0"/>
-              <a:t>2023-04-13</a:t>
+              <a:t>2023-04-20</a:t>
             </a:fld>
             <a:endParaRPr lang="en-CA"/>
           </a:p>
@@ -2995,7 +3058,7 @@
           <a:p>
             <a:fld id="{FEF4F03A-4C2E-4909-A77F-52D07D1F9F21}" type="datetimeFigureOut">
               <a:rPr lang="en-CA" smtClean="0"/>
-              <a:t>2023-04-13</a:t>
+              <a:t>2023-04-20</a:t>
             </a:fld>
             <a:endParaRPr lang="en-CA"/>
           </a:p>
@@ -3308,7 +3371,7 @@
           <a:p>
             <a:fld id="{FEF4F03A-4C2E-4909-A77F-52D07D1F9F21}" type="datetimeFigureOut">
               <a:rPr lang="en-CA" smtClean="0"/>
-              <a:t>2023-04-13</a:t>
+              <a:t>2023-04-20</a:t>
             </a:fld>
             <a:endParaRPr lang="en-CA"/>
           </a:p>
@@ -3597,7 +3660,7 @@
           <a:p>
             <a:fld id="{FEF4F03A-4C2E-4909-A77F-52D07D1F9F21}" type="datetimeFigureOut">
               <a:rPr lang="en-CA" smtClean="0"/>
-              <a:t>2023-04-13</a:t>
+              <a:t>2023-04-20</a:t>
             </a:fld>
             <a:endParaRPr lang="en-CA"/>
           </a:p>
@@ -3840,7 +3903,7 @@
           <a:p>
             <a:fld id="{FEF4F03A-4C2E-4909-A77F-52D07D1F9F21}" type="datetimeFigureOut">
               <a:rPr lang="en-CA" smtClean="0"/>
-              <a:t>2023-04-13</a:t>
+              <a:t>2023-04-20</a:t>
             </a:fld>
             <a:endParaRPr lang="en-CA"/>
           </a:p>
@@ -6294,6 +6357,56 @@
           </a:p>
         </p:txBody>
       </p:sp>
+      <p:sp>
+        <p:nvSpPr>
+          <p:cNvPr id="10" name="Rectangle: Rounded Corners 9">
+            <a:extLst>
+              <a:ext uri="{FF2B5EF4-FFF2-40B4-BE49-F238E27FC236}">
+                <a16:creationId xmlns:a16="http://schemas.microsoft.com/office/drawing/2014/main" id="{B1F3DE4C-1769-48CB-57EC-7BEA89727B6C}"/>
+              </a:ext>
+            </a:extLst>
+          </p:cNvPr>
+          <p:cNvSpPr/>
+          <p:nvPr/>
+        </p:nvSpPr>
+        <p:spPr>
+          <a:xfrm>
+            <a:off x="6856426" y="1538943"/>
+            <a:ext cx="726349" cy="329268"/>
+          </a:xfrm>
+          <a:prstGeom prst="roundRect">
+            <a:avLst/>
+          </a:prstGeom>
+        </p:spPr>
+        <p:style>
+          <a:lnRef idx="2">
+            <a:schemeClr val="accent1">
+              <a:shade val="50000"/>
+            </a:schemeClr>
+          </a:lnRef>
+          <a:fillRef idx="1">
+            <a:schemeClr val="accent1"/>
+          </a:fillRef>
+          <a:effectRef idx="0">
+            <a:schemeClr val="accent1"/>
+          </a:effectRef>
+          <a:fontRef idx="minor">
+            <a:schemeClr val="lt1"/>
+          </a:fontRef>
+        </p:style>
+        <p:txBody>
+          <a:bodyPr rtlCol="0" anchor="ctr"/>
+          <a:lstStyle/>
+          <a:p>
+            <a:pPr algn="ctr"/>
+            <a:r>
+              <a:rPr lang="en-US" sz="700" dirty="0"/>
+              <a:t>Front End</a:t>
+            </a:r>
+            <a:endParaRPr lang="en-CA" sz="700" dirty="0"/>
+          </a:p>
+        </p:txBody>
+      </p:sp>
     </p:spTree>
     <p:extLst>
       <p:ext uri="{BB962C8B-B14F-4D97-AF65-F5344CB8AC3E}">
@@ -6736,6 +6849,212 @@
     <p:extLst>
       <p:ext uri="{BB962C8B-B14F-4D97-AF65-F5344CB8AC3E}">
         <p14:creationId xmlns:p14="http://schemas.microsoft.com/office/powerpoint/2010/main" val="4240041981"/>
+      </p:ext>
+    </p:extLst>
+  </p:cSld>
+  <p:clrMapOvr>
+    <a:masterClrMapping/>
+  </p:clrMapOvr>
+</p:sld>
+</file>
+
+<file path=ppt/slides/slide12.xml><?xml version="1.0" encoding="utf-8"?>
+<p:sld xmlns:a="http://schemas.openxmlformats.org/drawingml/2006/main" xmlns:r="http://schemas.openxmlformats.org/officeDocument/2006/relationships" xmlns:p="http://schemas.openxmlformats.org/presentationml/2006/main">
+  <p:cSld>
+    <p:spTree>
+      <p:nvGrpSpPr>
+        <p:cNvPr id="1" name=""/>
+        <p:cNvGrpSpPr/>
+        <p:nvPr/>
+      </p:nvGrpSpPr>
+      <p:grpSpPr>
+        <a:xfrm>
+          <a:off x="0" y="0"/>
+          <a:ext cx="0" cy="0"/>
+          <a:chOff x="0" y="0"/>
+          <a:chExt cx="0" cy="0"/>
+        </a:xfrm>
+      </p:grpSpPr>
+      <p:sp>
+        <p:nvSpPr>
+          <p:cNvPr id="4" name="TextBox 3">
+            <a:extLst>
+              <a:ext uri="{FF2B5EF4-FFF2-40B4-BE49-F238E27FC236}">
+                <a16:creationId xmlns:a16="http://schemas.microsoft.com/office/drawing/2014/main" id="{AF285E15-5412-9A42-0C96-CECC06B88564}"/>
+              </a:ext>
+            </a:extLst>
+          </p:cNvPr>
+          <p:cNvSpPr txBox="1"/>
+          <p:nvPr/>
+        </p:nvSpPr>
+        <p:spPr>
+          <a:xfrm>
+            <a:off x="436228" y="159391"/>
+            <a:ext cx="11392249" cy="5355312"/>
+          </a:xfrm>
+          <a:prstGeom prst="rect">
+            <a:avLst/>
+          </a:prstGeom>
+          <a:noFill/>
+        </p:spPr>
+        <p:txBody>
+          <a:bodyPr wrap="square" rtlCol="0">
+            <a:spAutoFit/>
+          </a:bodyPr>
+          <a:lstStyle/>
+          <a:p>
+            <a:r>
+              <a:rPr lang="en-US" dirty="0"/>
+              <a:t>To do list:</a:t>
+            </a:r>
+          </a:p>
+          <a:p>
+            <a:r>
+              <a:rPr lang="en-US" dirty="0"/>
+              <a:t>Main Page:</a:t>
+            </a:r>
+          </a:p>
+          <a:p>
+            <a:pPr marL="342900" indent="-342900">
+              <a:buAutoNum type="arabicPeriod"/>
+            </a:pPr>
+            <a:r>
+              <a:rPr lang="en-US" dirty="0"/>
+              <a:t>Replace tags</a:t>
+            </a:r>
+          </a:p>
+          <a:p>
+            <a:pPr marL="342900" indent="-342900">
+              <a:buAutoNum type="arabicPeriod"/>
+            </a:pPr>
+            <a:r>
+              <a:rPr lang="en-US" dirty="0"/>
+              <a:t>Improv title, and add group information</a:t>
+            </a:r>
+          </a:p>
+          <a:p>
+            <a:pPr marL="342900" indent="-342900">
+              <a:buAutoNum type="arabicPeriod"/>
+            </a:pPr>
+            <a:r>
+              <a:rPr lang="en-US" dirty="0"/>
+              <a:t>Create links to all other tags</a:t>
+            </a:r>
+          </a:p>
+          <a:p>
+            <a:endParaRPr lang="en-US" dirty="0"/>
+          </a:p>
+          <a:p>
+            <a:r>
+              <a:rPr lang="en-US" dirty="0"/>
+              <a:t>4. Save and link other group files</a:t>
+            </a:r>
+          </a:p>
+          <a:p>
+            <a:endParaRPr lang="en-US" dirty="0"/>
+          </a:p>
+          <a:p>
+            <a:r>
+              <a:rPr lang="en-US" dirty="0"/>
+              <a:t>5. Add backgrounds to graphs</a:t>
+            </a:r>
+          </a:p>
+          <a:p>
+            <a:endParaRPr lang="en-US" dirty="0"/>
+          </a:p>
+          <a:p>
+            <a:r>
+              <a:rPr lang="en-US" dirty="0"/>
+              <a:t>6. Slides (Friday)</a:t>
+            </a:r>
+          </a:p>
+          <a:p>
+            <a:endParaRPr lang="en-US" dirty="0"/>
+          </a:p>
+          <a:p>
+            <a:r>
+              <a:rPr lang="en-US" dirty="0"/>
+              <a:t>7. Add topo </a:t>
+            </a:r>
+            <a:r>
+              <a:rPr lang="en-US" dirty="0">
+                <a:solidFill>
+                  <a:srgbClr val="FF0000"/>
+                </a:solidFill>
+              </a:rPr>
+              <a:t>(CAN’T DO IT)</a:t>
+            </a:r>
+          </a:p>
+          <a:p>
+            <a:endParaRPr lang="en-US" dirty="0"/>
+          </a:p>
+          <a:p>
+            <a:r>
+              <a:rPr lang="en-US" dirty="0"/>
+              <a:t>8. Custom markers </a:t>
+            </a:r>
+            <a:r>
+              <a:rPr lang="en-US" dirty="0">
+                <a:solidFill>
+                  <a:srgbClr val="00B050"/>
+                </a:solidFill>
+              </a:rPr>
+              <a:t>(DONE. Only on the </a:t>
+            </a:r>
+            <a:r>
+              <a:rPr lang="en-US" dirty="0" err="1">
+                <a:solidFill>
+                  <a:srgbClr val="00B050"/>
+                </a:solidFill>
+              </a:rPr>
+              <a:t>denny</a:t>
+            </a:r>
+            <a:r>
+              <a:rPr lang="en-US" dirty="0">
+                <a:solidFill>
+                  <a:srgbClr val="00B050"/>
+                </a:solidFill>
+              </a:rPr>
+              <a:t> file, need to transfer over </a:t>
+            </a:r>
+            <a:r>
+              <a:rPr lang="en-US">
+                <a:solidFill>
+                  <a:srgbClr val="00B050"/>
+                </a:solidFill>
+              </a:rPr>
+              <a:t>to the main file)</a:t>
+            </a:r>
+            <a:endParaRPr lang="en-US" dirty="0">
+              <a:solidFill>
+                <a:srgbClr val="00B050"/>
+              </a:solidFill>
+            </a:endParaRPr>
+          </a:p>
+          <a:p>
+            <a:endParaRPr lang="en-US" dirty="0"/>
+          </a:p>
+          <a:p>
+            <a:r>
+              <a:rPr lang="en-US" dirty="0"/>
+              <a:t>9. Pull data from query</a:t>
+            </a:r>
+          </a:p>
+          <a:p>
+            <a:pPr marL="342900" indent="-342900">
+              <a:buAutoNum type="arabicPeriod"/>
+            </a:pPr>
+            <a:endParaRPr lang="en-US" dirty="0"/>
+          </a:p>
+          <a:p>
+            <a:endParaRPr lang="en-CA" dirty="0"/>
+          </a:p>
+        </p:txBody>
+      </p:sp>
+    </p:spTree>
+    <p:extLst>
+      <p:ext uri="{BB962C8B-B14F-4D97-AF65-F5344CB8AC3E}">
+        <p14:creationId xmlns:p14="http://schemas.microsoft.com/office/powerpoint/2010/main" val="967643306"/>
       </p:ext>
     </p:extLst>
   </p:cSld>
@@ -10875,6 +11194,66 @@
           </a:p>
         </p:txBody>
       </p:sp>
+      <p:pic>
+        <p:nvPicPr>
+          <p:cNvPr id="3" name="Picture 2">
+            <a:extLst>
+              <a:ext uri="{FF2B5EF4-FFF2-40B4-BE49-F238E27FC236}">
+                <a16:creationId xmlns:a16="http://schemas.microsoft.com/office/drawing/2014/main" id="{A6D18A3D-9441-5829-6343-C3A1A347CC52}"/>
+              </a:ext>
+            </a:extLst>
+          </p:cNvPr>
+          <p:cNvPicPr>
+            <a:picLocks noChangeAspect="1"/>
+          </p:cNvPicPr>
+          <p:nvPr/>
+        </p:nvPicPr>
+        <p:blipFill>
+          <a:blip r:embed="rId2"/>
+          <a:stretch>
+            <a:fillRect/>
+          </a:stretch>
+        </p:blipFill>
+        <p:spPr>
+          <a:xfrm>
+            <a:off x="152530" y="175688"/>
+            <a:ext cx="7172325" cy="3419475"/>
+          </a:xfrm>
+          <a:prstGeom prst="rect">
+            <a:avLst/>
+          </a:prstGeom>
+        </p:spPr>
+      </p:pic>
+      <p:pic>
+        <p:nvPicPr>
+          <p:cNvPr id="7" name="Picture 6">
+            <a:extLst>
+              <a:ext uri="{FF2B5EF4-FFF2-40B4-BE49-F238E27FC236}">
+                <a16:creationId xmlns:a16="http://schemas.microsoft.com/office/drawing/2014/main" id="{28D3BE7B-F5FA-A849-3CEF-B95CEBAE8988}"/>
+              </a:ext>
+            </a:extLst>
+          </p:cNvPr>
+          <p:cNvPicPr>
+            <a:picLocks noChangeAspect="1"/>
+          </p:cNvPicPr>
+          <p:nvPr/>
+        </p:nvPicPr>
+        <p:blipFill>
+          <a:blip r:embed="rId3"/>
+          <a:stretch>
+            <a:fillRect/>
+          </a:stretch>
+        </p:blipFill>
+        <p:spPr>
+          <a:xfrm>
+            <a:off x="1115691" y="895934"/>
+            <a:ext cx="7058025" cy="3209925"/>
+          </a:xfrm>
+          <a:prstGeom prst="rect">
+            <a:avLst/>
+          </a:prstGeom>
+        </p:spPr>
+      </p:pic>
     </p:spTree>
     <p:extLst>
       <p:ext uri="{BB962C8B-B14F-4D97-AF65-F5344CB8AC3E}">
